--- a/Documents/Báo cáo lập trình mạng.pptx
+++ b/Documents/Báo cáo lập trình mạng.pptx
@@ -2,7 +2,7 @@
 <file path=ppt/presentation.xml><?xml version="1.0" encoding="utf-8"?>
 <p:presentation xmlns:a="http://schemas.openxmlformats.org/drawingml/2006/main" xmlns:r="http://schemas.openxmlformats.org/officeDocument/2006/relationships" xmlns:p="http://schemas.openxmlformats.org/presentationml/2006/main" autoCompressPictures="0">
   <p:sldMasterIdLst>
-    <p:sldMasterId id="2147483648" r:id="rId1"/>
+    <p:sldMasterId id="2147483669" r:id="rId1"/>
   </p:sldMasterIdLst>
   <p:sldIdLst>
     <p:sldId id="256" r:id="rId2"/>
@@ -117,11 +117,16 @@
       </a:defRPr>
     </a:lvl9pPr>
   </p:defaultTextStyle>
+  <p:extLst>
+    <p:ext uri="{EFAFB233-063F-42B5-8137-9DF3F51BA10A}">
+      <p15:sldGuideLst xmlns:p15="http://schemas.microsoft.com/office/powerpoint/2012/main"/>
+    </p:ext>
+  </p:extLst>
 </p:presentation>
 </file>
 
 <file path=ppt/slideLayouts/slideLayout1.xml><?xml version="1.0" encoding="utf-8"?>
-<p:sldLayout xmlns:a="http://schemas.openxmlformats.org/drawingml/2006/main" xmlns:r="http://schemas.openxmlformats.org/officeDocument/2006/relationships" xmlns:p="http://schemas.openxmlformats.org/presentationml/2006/main" showMasterSp="0" type="title" preserve="1">
+<p:sldLayout xmlns:a="http://schemas.openxmlformats.org/drawingml/2006/main" xmlns:r="http://schemas.openxmlformats.org/officeDocument/2006/relationships" xmlns:p="http://schemas.openxmlformats.org/presentationml/2006/main" type="title" preserve="1">
   <p:cSld name="Title Slide">
     <p:spTree>
       <p:nvGrpSpPr>
@@ -149,19 +154,15 @@
         </p:nvSpPr>
         <p:spPr>
           <a:xfrm>
-            <a:off x="684212" y="685799"/>
-            <a:ext cx="8001000" cy="2971801"/>
+            <a:off x="1524000" y="1122363"/>
+            <a:ext cx="9144000" cy="2387600"/>
           </a:xfrm>
         </p:spPr>
         <p:txBody>
-          <a:bodyPr anchor="b">
-            <a:normAutofit/>
-          </a:bodyPr>
+          <a:bodyPr anchor="b"/>
           <a:lstStyle>
-            <a:lvl1pPr algn="l">
-              <a:defRPr sz="4800">
-                <a:effectLst/>
-              </a:defRPr>
+            <a:lvl1pPr algn="ctr">
+              <a:defRPr sz="6000"/>
             </a:lvl1pPr>
           </a:lstStyle>
           <a:p>
@@ -169,7 +170,7 @@
               <a:rPr lang="en-US" smtClean="0"/>
               <a:t>Click to edit Master title style</a:t>
             </a:r>
-            <a:endParaRPr lang="en-US" dirty="0"/>
+            <a:endParaRPr lang="en-US"/>
           </a:p>
         </p:txBody>
       </p:sp>
@@ -185,104 +186,48 @@
         </p:nvSpPr>
         <p:spPr>
           <a:xfrm>
-            <a:off x="684212" y="3843867"/>
-            <a:ext cx="6400800" cy="1947333"/>
+            <a:off x="1524000" y="3602038"/>
+            <a:ext cx="9144000" cy="1655762"/>
           </a:xfrm>
         </p:spPr>
         <p:txBody>
-          <a:bodyPr anchor="t">
-            <a:normAutofit/>
-          </a:bodyPr>
+          <a:bodyPr/>
           <a:lstStyle>
-            <a:lvl1pPr marL="0" indent="0" algn="l">
-              <a:buNone/>
-              <a:defRPr sz="2100">
-                <a:solidFill>
-                  <a:schemeClr val="bg2">
-                    <a:lumMod val="75000"/>
-                  </a:schemeClr>
-                </a:solidFill>
-              </a:defRPr>
+            <a:lvl1pPr marL="0" indent="0" algn="ctr">
+              <a:buNone/>
+              <a:defRPr sz="2400"/>
             </a:lvl1pPr>
             <a:lvl2pPr marL="457200" indent="0" algn="ctr">
               <a:buNone/>
-              <a:defRPr>
-                <a:solidFill>
-                  <a:schemeClr val="tx1">
-                    <a:tint val="75000"/>
-                  </a:schemeClr>
-                </a:solidFill>
-              </a:defRPr>
+              <a:defRPr sz="2000"/>
             </a:lvl2pPr>
             <a:lvl3pPr marL="914400" indent="0" algn="ctr">
               <a:buNone/>
-              <a:defRPr>
-                <a:solidFill>
-                  <a:schemeClr val="tx1">
-                    <a:tint val="75000"/>
-                  </a:schemeClr>
-                </a:solidFill>
-              </a:defRPr>
+              <a:defRPr sz="1800"/>
             </a:lvl3pPr>
             <a:lvl4pPr marL="1371600" indent="0" algn="ctr">
               <a:buNone/>
-              <a:defRPr>
-                <a:solidFill>
-                  <a:schemeClr val="tx1">
-                    <a:tint val="75000"/>
-                  </a:schemeClr>
-                </a:solidFill>
-              </a:defRPr>
+              <a:defRPr sz="1600"/>
             </a:lvl4pPr>
             <a:lvl5pPr marL="1828800" indent="0" algn="ctr">
               <a:buNone/>
-              <a:defRPr>
-                <a:solidFill>
-                  <a:schemeClr val="tx1">
-                    <a:tint val="75000"/>
-                  </a:schemeClr>
-                </a:solidFill>
-              </a:defRPr>
+              <a:defRPr sz="1600"/>
             </a:lvl5pPr>
             <a:lvl6pPr marL="2286000" indent="0" algn="ctr">
               <a:buNone/>
-              <a:defRPr>
-                <a:solidFill>
-                  <a:schemeClr val="tx1">
-                    <a:tint val="75000"/>
-                  </a:schemeClr>
-                </a:solidFill>
-              </a:defRPr>
+              <a:defRPr sz="1600"/>
             </a:lvl6pPr>
             <a:lvl7pPr marL="2743200" indent="0" algn="ctr">
               <a:buNone/>
-              <a:defRPr>
-                <a:solidFill>
-                  <a:schemeClr val="tx1">
-                    <a:tint val="75000"/>
-                  </a:schemeClr>
-                </a:solidFill>
-              </a:defRPr>
+              <a:defRPr sz="1600"/>
             </a:lvl7pPr>
             <a:lvl8pPr marL="3200400" indent="0" algn="ctr">
               <a:buNone/>
-              <a:defRPr>
-                <a:solidFill>
-                  <a:schemeClr val="tx1">
-                    <a:tint val="75000"/>
-                  </a:schemeClr>
-                </a:solidFill>
-              </a:defRPr>
+              <a:defRPr sz="1600"/>
             </a:lvl8pPr>
             <a:lvl9pPr marL="3657600" indent="0" algn="ctr">
               <a:buNone/>
-              <a:defRPr>
-                <a:solidFill>
-                  <a:schemeClr val="tx1">
-                    <a:tint val="75000"/>
-                  </a:schemeClr>
-                </a:solidFill>
-              </a:defRPr>
+              <a:defRPr sz="1600"/>
             </a:lvl9pPr>
           </a:lstStyle>
           <a:p>
@@ -290,7 +235,7 @@
               <a:rPr lang="en-US" smtClean="0"/>
               <a:t>Click to edit Master subtitle style</a:t>
             </a:r>
-            <a:endParaRPr lang="en-US" dirty="0"/>
+            <a:endParaRPr lang="en-US"/>
           </a:p>
         </p:txBody>
       </p:sp>
@@ -310,9 +255,9 @@
           <a:lstStyle/>
           <a:p>
             <a:fld id="{B61BEF0D-F0BB-DE4B-95CE-6DB70DBA9567}" type="datetimeFigureOut">
-              <a:rPr lang="en-US" dirty="0"/>
+              <a:rPr lang="en-US" smtClean="0"/>
               <a:pPr/>
-              <a:t>5/21/2014</a:t>
+              <a:t>5/28/2014</a:t>
             </a:fld>
             <a:endParaRPr lang="en-US" dirty="0"/>
           </a:p>
@@ -353,7 +298,7 @@
           <a:lstStyle/>
           <a:p>
             <a:fld id="{D57F1E4F-1CFF-5643-939E-217C01CDF565}" type="slidenum">
-              <a:rPr lang="en-US" dirty="0"/>
+              <a:rPr lang="en-US" smtClean="0"/>
               <a:pPr/>
               <a:t>‹#›</a:t>
             </a:fld>
@@ -361,182 +306,12 @@
           </a:p>
         </p:txBody>
       </p:sp>
-      <p:cxnSp>
-        <p:nvCxnSpPr>
-          <p:cNvPr id="16" name="Straight Connector 15"/>
-          <p:cNvCxnSpPr/>
-          <p:nvPr/>
-        </p:nvCxnSpPr>
-        <p:spPr>
-          <a:xfrm flipH="1">
-            <a:off x="8228012" y="8467"/>
-            <a:ext cx="3810000" cy="3810000"/>
-          </a:xfrm>
-          <a:prstGeom prst="line">
-            <a:avLst/>
-          </a:prstGeom>
-          <a:ln w="12700">
-            <a:solidFill>
-              <a:schemeClr val="tx1"/>
-            </a:solidFill>
-          </a:ln>
-        </p:spPr>
-        <p:style>
-          <a:lnRef idx="2">
-            <a:schemeClr val="accent1"/>
-          </a:lnRef>
-          <a:fillRef idx="0">
-            <a:schemeClr val="accent1"/>
-          </a:fillRef>
-          <a:effectRef idx="1">
-            <a:schemeClr val="accent1"/>
-          </a:effectRef>
-          <a:fontRef idx="minor">
-            <a:schemeClr val="tx1"/>
-          </a:fontRef>
-        </p:style>
-      </p:cxnSp>
-      <p:cxnSp>
-        <p:nvCxnSpPr>
-          <p:cNvPr id="17" name="Straight Connector 16"/>
-          <p:cNvCxnSpPr/>
-          <p:nvPr/>
-        </p:nvCxnSpPr>
-        <p:spPr>
-          <a:xfrm flipH="1">
-            <a:off x="6108170" y="91545"/>
-            <a:ext cx="6080655" cy="6080655"/>
-          </a:xfrm>
-          <a:prstGeom prst="line">
-            <a:avLst/>
-          </a:prstGeom>
-          <a:ln w="12700">
-            <a:solidFill>
-              <a:schemeClr val="tx1"/>
-            </a:solidFill>
-          </a:ln>
-        </p:spPr>
-        <p:style>
-          <a:lnRef idx="2">
-            <a:schemeClr val="accent1"/>
-          </a:lnRef>
-          <a:fillRef idx="0">
-            <a:schemeClr val="accent1"/>
-          </a:fillRef>
-          <a:effectRef idx="1">
-            <a:schemeClr val="accent1"/>
-          </a:effectRef>
-          <a:fontRef idx="minor">
-            <a:schemeClr val="tx1"/>
-          </a:fontRef>
-        </p:style>
-      </p:cxnSp>
-      <p:cxnSp>
-        <p:nvCxnSpPr>
-          <p:cNvPr id="19" name="Straight Connector 18"/>
-          <p:cNvCxnSpPr/>
-          <p:nvPr/>
-        </p:nvCxnSpPr>
-        <p:spPr>
-          <a:xfrm flipH="1">
-            <a:off x="7235825" y="228600"/>
-            <a:ext cx="4953000" cy="4953000"/>
-          </a:xfrm>
-          <a:prstGeom prst="line">
-            <a:avLst/>
-          </a:prstGeom>
-          <a:ln w="12700">
-            <a:solidFill>
-              <a:schemeClr val="tx1"/>
-            </a:solidFill>
-          </a:ln>
-        </p:spPr>
-        <p:style>
-          <a:lnRef idx="2">
-            <a:schemeClr val="accent1"/>
-          </a:lnRef>
-          <a:fillRef idx="0">
-            <a:schemeClr val="accent1"/>
-          </a:fillRef>
-          <a:effectRef idx="1">
-            <a:schemeClr val="accent1"/>
-          </a:effectRef>
-          <a:fontRef idx="minor">
-            <a:schemeClr val="tx1"/>
-          </a:fontRef>
-        </p:style>
-      </p:cxnSp>
-      <p:cxnSp>
-        <p:nvCxnSpPr>
-          <p:cNvPr id="21" name="Straight Connector 20"/>
-          <p:cNvCxnSpPr/>
-          <p:nvPr/>
-        </p:nvCxnSpPr>
-        <p:spPr>
-          <a:xfrm flipH="1">
-            <a:off x="7335837" y="32278"/>
-            <a:ext cx="4852989" cy="4852989"/>
-          </a:xfrm>
-          <a:prstGeom prst="line">
-            <a:avLst/>
-          </a:prstGeom>
-          <a:ln w="31750">
-            <a:solidFill>
-              <a:schemeClr val="tx1"/>
-            </a:solidFill>
-          </a:ln>
-        </p:spPr>
-        <p:style>
-          <a:lnRef idx="2">
-            <a:schemeClr val="accent1"/>
-          </a:lnRef>
-          <a:fillRef idx="0">
-            <a:schemeClr val="accent1"/>
-          </a:fillRef>
-          <a:effectRef idx="1">
-            <a:schemeClr val="accent1"/>
-          </a:effectRef>
-          <a:fontRef idx="minor">
-            <a:schemeClr val="tx1"/>
-          </a:fontRef>
-        </p:style>
-      </p:cxnSp>
-      <p:cxnSp>
-        <p:nvCxnSpPr>
-          <p:cNvPr id="23" name="Straight Connector 22"/>
-          <p:cNvCxnSpPr/>
-          <p:nvPr/>
-        </p:nvCxnSpPr>
-        <p:spPr>
-          <a:xfrm flipH="1">
-            <a:off x="7845426" y="609601"/>
-            <a:ext cx="4343399" cy="4343399"/>
-          </a:xfrm>
-          <a:prstGeom prst="line">
-            <a:avLst/>
-          </a:prstGeom>
-          <a:ln w="31750">
-            <a:solidFill>
-              <a:schemeClr val="tx1"/>
-            </a:solidFill>
-          </a:ln>
-        </p:spPr>
-        <p:style>
-          <a:lnRef idx="2">
-            <a:schemeClr val="accent1"/>
-          </a:lnRef>
-          <a:fillRef idx="0">
-            <a:schemeClr val="accent1"/>
-          </a:fillRef>
-          <a:effectRef idx="1">
-            <a:schemeClr val="accent1"/>
-          </a:effectRef>
-          <a:fontRef idx="minor">
-            <a:schemeClr val="tx1"/>
-          </a:fontRef>
-        </p:style>
-      </p:cxnSp>
     </p:spTree>
+    <p:extLst>
+      <p:ext uri="{BB962C8B-B14F-4D97-AF65-F5344CB8AC3E}">
+        <p14:creationId xmlns:p14="http://schemas.microsoft.com/office/powerpoint/2010/main" val="784421000"/>
+      </p:ext>
+    </p:extLst>
   </p:cSld>
   <p:clrMapOvr>
     <a:masterClrMapping/>
@@ -545,1794 +320,6 @@
 </file>
 
 <file path=ppt/slideLayouts/slideLayout10.xml><?xml version="1.0" encoding="utf-8"?>
-<p:sldLayout xmlns:a="http://schemas.openxmlformats.org/drawingml/2006/main" xmlns:r="http://schemas.openxmlformats.org/officeDocument/2006/relationships" xmlns:p="http://schemas.openxmlformats.org/presentationml/2006/main" preserve="1">
-  <p:cSld name="Panoramic Picture with Caption">
-    <p:spTree>
-      <p:nvGrpSpPr>
-        <p:cNvPr id="1" name=""/>
-        <p:cNvGrpSpPr/>
-        <p:nvPr/>
-      </p:nvGrpSpPr>
-      <p:grpSpPr>
-        <a:xfrm>
-          <a:off x="0" y="0"/>
-          <a:ext cx="0" cy="0"/>
-          <a:chOff x="0" y="0"/>
-          <a:chExt cx="0" cy="0"/>
-        </a:xfrm>
-      </p:grpSpPr>
-      <p:sp>
-        <p:nvSpPr>
-          <p:cNvPr id="2" name="Title 1"/>
-          <p:cNvSpPr>
-            <a:spLocks noGrp="1"/>
-          </p:cNvSpPr>
-          <p:nvPr>
-            <p:ph type="title"/>
-          </p:nvPr>
-        </p:nvSpPr>
-        <p:spPr/>
-        <p:txBody>
-          <a:bodyPr/>
-          <a:lstStyle/>
-          <a:p>
-            <a:r>
-              <a:rPr lang="en-US" smtClean="0"/>
-              <a:t>Click to edit Master title style</a:t>
-            </a:r>
-            <a:endParaRPr lang="en-US" dirty="0"/>
-          </a:p>
-        </p:txBody>
-      </p:sp>
-      <p:sp>
-        <p:nvSpPr>
-          <p:cNvPr id="17" name="Picture Placeholder 2"/>
-          <p:cNvSpPr>
-            <a:spLocks noGrp="1" noChangeAspect="1"/>
-          </p:cNvSpPr>
-          <p:nvPr>
-            <p:ph type="pic" idx="13"/>
-          </p:nvPr>
-        </p:nvSpPr>
-        <p:spPr>
-          <a:xfrm>
-            <a:off x="685800" y="533400"/>
-            <a:ext cx="10818812" cy="3124200"/>
-          </a:xfrm>
-          <a:prstGeom prst="snip2DiagRect">
-            <a:avLst>
-              <a:gd name="adj1" fmla="val 10815"/>
-              <a:gd name="adj2" fmla="val 0"/>
-            </a:avLst>
-          </a:prstGeom>
-          <a:ln w="15875">
-            <a:solidFill>
-              <a:schemeClr val="tx1">
-                <a:alpha val="40000"/>
-              </a:schemeClr>
-            </a:solidFill>
-          </a:ln>
-          <a:effectLst>
-            <a:innerShdw blurRad="57150" dist="38100" dir="14460000">
-              <a:srgbClr val="000000">
-                <a:alpha val="70000"/>
-              </a:srgbClr>
-            </a:innerShdw>
-          </a:effectLst>
-        </p:spPr>
-        <p:txBody>
-          <a:bodyPr anchor="t">
-            <a:normAutofit/>
-          </a:bodyPr>
-          <a:lstStyle>
-            <a:lvl1pPr marL="0" indent="0" algn="ctr">
-              <a:buNone/>
-              <a:defRPr sz="1600"/>
-            </a:lvl1pPr>
-            <a:lvl2pPr marL="457200" indent="0">
-              <a:buNone/>
-              <a:defRPr sz="1600"/>
-            </a:lvl2pPr>
-            <a:lvl3pPr marL="914400" indent="0">
-              <a:buNone/>
-              <a:defRPr sz="1600"/>
-            </a:lvl3pPr>
-            <a:lvl4pPr marL="1371600" indent="0">
-              <a:buNone/>
-              <a:defRPr sz="1600"/>
-            </a:lvl4pPr>
-            <a:lvl5pPr marL="1828800" indent="0">
-              <a:buNone/>
-              <a:defRPr sz="1600"/>
-            </a:lvl5pPr>
-            <a:lvl6pPr marL="2286000" indent="0">
-              <a:buNone/>
-              <a:defRPr sz="1600"/>
-            </a:lvl6pPr>
-            <a:lvl7pPr marL="2743200" indent="0">
-              <a:buNone/>
-              <a:defRPr sz="1600"/>
-            </a:lvl7pPr>
-            <a:lvl8pPr marL="3200400" indent="0">
-              <a:buNone/>
-              <a:defRPr sz="1600"/>
-            </a:lvl8pPr>
-            <a:lvl9pPr marL="3657600" indent="0">
-              <a:buNone/>
-              <a:defRPr sz="1600"/>
-            </a:lvl9pPr>
-          </a:lstStyle>
-          <a:p>
-            <a:r>
-              <a:rPr lang="en-US" smtClean="0"/>
-              <a:t>Click icon to add picture</a:t>
-            </a:r>
-            <a:endParaRPr lang="en-US" dirty="0"/>
-          </a:p>
-        </p:txBody>
-      </p:sp>
-      <p:sp>
-        <p:nvSpPr>
-          <p:cNvPr id="16" name="Text Placeholder 9"/>
-          <p:cNvSpPr>
-            <a:spLocks noGrp="1"/>
-          </p:cNvSpPr>
-          <p:nvPr>
-            <p:ph type="body" sz="quarter" idx="14"/>
-          </p:nvPr>
-        </p:nvSpPr>
-        <p:spPr>
-          <a:xfrm>
-            <a:off x="914402" y="3843867"/>
-            <a:ext cx="8304210" cy="457200"/>
-          </a:xfrm>
-        </p:spPr>
-        <p:txBody>
-          <a:bodyPr anchor="t">
-            <a:normAutofit/>
-          </a:bodyPr>
-          <a:lstStyle>
-            <a:lvl1pPr marL="0" indent="0">
-              <a:buFontTx/>
-              <a:buNone/>
-              <a:defRPr sz="1600"/>
-            </a:lvl1pPr>
-            <a:lvl2pPr marL="457200" indent="0">
-              <a:buFontTx/>
-              <a:buNone/>
-              <a:defRPr/>
-            </a:lvl2pPr>
-            <a:lvl3pPr marL="914400" indent="0">
-              <a:buFontTx/>
-              <a:buNone/>
-              <a:defRPr/>
-            </a:lvl3pPr>
-            <a:lvl4pPr marL="1371600" indent="0">
-              <a:buFontTx/>
-              <a:buNone/>
-              <a:defRPr/>
-            </a:lvl4pPr>
-            <a:lvl5pPr marL="1828800" indent="0">
-              <a:buFontTx/>
-              <a:buNone/>
-              <a:defRPr/>
-            </a:lvl5pPr>
-          </a:lstStyle>
-          <a:p>
-            <a:pPr lvl="0"/>
-            <a:r>
-              <a:rPr lang="en-US" smtClean="0"/>
-              <a:t>Click to edit Master text styles</a:t>
-            </a:r>
-          </a:p>
-        </p:txBody>
-      </p:sp>
-      <p:sp>
-        <p:nvSpPr>
-          <p:cNvPr id="3" name="Date Placeholder 2"/>
-          <p:cNvSpPr>
-            <a:spLocks noGrp="1"/>
-          </p:cNvSpPr>
-          <p:nvPr>
-            <p:ph type="dt" sz="half" idx="10"/>
-          </p:nvPr>
-        </p:nvSpPr>
-        <p:spPr/>
-        <p:txBody>
-          <a:bodyPr/>
-          <a:lstStyle/>
-          <a:p>
-            <a:fld id="{B61BEF0D-F0BB-DE4B-95CE-6DB70DBA9567}" type="datetimeFigureOut">
-              <a:rPr lang="en-US" dirty="0"/>
-              <a:pPr/>
-              <a:t>5/21/2014</a:t>
-            </a:fld>
-            <a:endParaRPr lang="en-US" dirty="0"/>
-          </a:p>
-        </p:txBody>
-      </p:sp>
-      <p:sp>
-        <p:nvSpPr>
-          <p:cNvPr id="4" name="Footer Placeholder 3"/>
-          <p:cNvSpPr>
-            <a:spLocks noGrp="1"/>
-          </p:cNvSpPr>
-          <p:nvPr>
-            <p:ph type="ftr" sz="quarter" idx="11"/>
-          </p:nvPr>
-        </p:nvSpPr>
-        <p:spPr/>
-        <p:txBody>
-          <a:bodyPr/>
-          <a:lstStyle/>
-          <a:p>
-            <a:endParaRPr lang="en-US" dirty="0"/>
-          </a:p>
-        </p:txBody>
-      </p:sp>
-      <p:sp>
-        <p:nvSpPr>
-          <p:cNvPr id="5" name="Slide Number Placeholder 4"/>
-          <p:cNvSpPr>
-            <a:spLocks noGrp="1"/>
-          </p:cNvSpPr>
-          <p:nvPr>
-            <p:ph type="sldNum" sz="quarter" idx="12"/>
-          </p:nvPr>
-        </p:nvSpPr>
-        <p:spPr/>
-        <p:txBody>
-          <a:bodyPr/>
-          <a:lstStyle/>
-          <a:p>
-            <a:fld id="{D57F1E4F-1CFF-5643-939E-217C01CDF565}" type="slidenum">
-              <a:rPr lang="en-US" dirty="0"/>
-              <a:pPr/>
-              <a:t>‹#›</a:t>
-            </a:fld>
-            <a:endParaRPr lang="en-US" dirty="0"/>
-          </a:p>
-        </p:txBody>
-      </p:sp>
-    </p:spTree>
-  </p:cSld>
-  <p:clrMapOvr>
-    <a:masterClrMapping/>
-  </p:clrMapOvr>
-</p:sldLayout>
-</file>
-
-<file path=ppt/slideLayouts/slideLayout11.xml><?xml version="1.0" encoding="utf-8"?>
-<p:sldLayout xmlns:a="http://schemas.openxmlformats.org/drawingml/2006/main" xmlns:r="http://schemas.openxmlformats.org/officeDocument/2006/relationships" xmlns:p="http://schemas.openxmlformats.org/presentationml/2006/main" preserve="1">
-  <p:cSld name="Title and Caption">
-    <p:spTree>
-      <p:nvGrpSpPr>
-        <p:cNvPr id="1" name=""/>
-        <p:cNvGrpSpPr/>
-        <p:nvPr/>
-      </p:nvGrpSpPr>
-      <p:grpSpPr>
-        <a:xfrm>
-          <a:off x="0" y="0"/>
-          <a:ext cx="0" cy="0"/>
-          <a:chOff x="0" y="0"/>
-          <a:chExt cx="0" cy="0"/>
-        </a:xfrm>
-      </p:grpSpPr>
-      <p:sp>
-        <p:nvSpPr>
-          <p:cNvPr id="2" name="Title 1"/>
-          <p:cNvSpPr>
-            <a:spLocks noGrp="1"/>
-          </p:cNvSpPr>
-          <p:nvPr>
-            <p:ph type="title"/>
-          </p:nvPr>
-        </p:nvSpPr>
-        <p:spPr>
-          <a:xfrm>
-            <a:off x="684213" y="685800"/>
-            <a:ext cx="10058400" cy="2743200"/>
-          </a:xfrm>
-        </p:spPr>
-        <p:txBody>
-          <a:bodyPr anchor="ctr">
-            <a:normAutofit/>
-          </a:bodyPr>
-          <a:lstStyle>
-            <a:lvl1pPr algn="l">
-              <a:defRPr sz="3200" b="0" cap="all"/>
-            </a:lvl1pPr>
-          </a:lstStyle>
-          <a:p>
-            <a:r>
-              <a:rPr lang="en-US" smtClean="0"/>
-              <a:t>Click to edit Master title style</a:t>
-            </a:r>
-            <a:endParaRPr lang="en-US" dirty="0"/>
-          </a:p>
-        </p:txBody>
-      </p:sp>
-      <p:sp>
-        <p:nvSpPr>
-          <p:cNvPr id="3" name="Text Placeholder 2"/>
-          <p:cNvSpPr>
-            <a:spLocks noGrp="1"/>
-          </p:cNvSpPr>
-          <p:nvPr>
-            <p:ph type="body" idx="1"/>
-          </p:nvPr>
-        </p:nvSpPr>
-        <p:spPr>
-          <a:xfrm>
-            <a:off x="684212" y="4114800"/>
-            <a:ext cx="8535988" cy="1879600"/>
-          </a:xfrm>
-        </p:spPr>
-        <p:txBody>
-          <a:bodyPr anchor="ctr">
-            <a:normAutofit/>
-          </a:bodyPr>
-          <a:lstStyle>
-            <a:lvl1pPr marL="0" indent="0" algn="l">
-              <a:buNone/>
-              <a:defRPr sz="2000">
-                <a:solidFill>
-                  <a:schemeClr val="bg2">
-                    <a:lumMod val="75000"/>
-                  </a:schemeClr>
-                </a:solidFill>
-              </a:defRPr>
-            </a:lvl1pPr>
-            <a:lvl2pPr marL="457200" indent="0">
-              <a:buNone/>
-              <a:defRPr sz="1800">
-                <a:solidFill>
-                  <a:schemeClr val="tx1">
-                    <a:tint val="75000"/>
-                  </a:schemeClr>
-                </a:solidFill>
-              </a:defRPr>
-            </a:lvl2pPr>
-            <a:lvl3pPr marL="914400" indent="0">
-              <a:buNone/>
-              <a:defRPr sz="1600">
-                <a:solidFill>
-                  <a:schemeClr val="tx1">
-                    <a:tint val="75000"/>
-                  </a:schemeClr>
-                </a:solidFill>
-              </a:defRPr>
-            </a:lvl3pPr>
-            <a:lvl4pPr marL="1371600" indent="0">
-              <a:buNone/>
-              <a:defRPr sz="1400">
-                <a:solidFill>
-                  <a:schemeClr val="tx1">
-                    <a:tint val="75000"/>
-                  </a:schemeClr>
-                </a:solidFill>
-              </a:defRPr>
-            </a:lvl4pPr>
-            <a:lvl5pPr marL="1828800" indent="0">
-              <a:buNone/>
-              <a:defRPr sz="1400">
-                <a:solidFill>
-                  <a:schemeClr val="tx1">
-                    <a:tint val="75000"/>
-                  </a:schemeClr>
-                </a:solidFill>
-              </a:defRPr>
-            </a:lvl5pPr>
-            <a:lvl6pPr marL="2286000" indent="0">
-              <a:buNone/>
-              <a:defRPr sz="1400">
-                <a:solidFill>
-                  <a:schemeClr val="tx1">
-                    <a:tint val="75000"/>
-                  </a:schemeClr>
-                </a:solidFill>
-              </a:defRPr>
-            </a:lvl6pPr>
-            <a:lvl7pPr marL="2743200" indent="0">
-              <a:buNone/>
-              <a:defRPr sz="1400">
-                <a:solidFill>
-                  <a:schemeClr val="tx1">
-                    <a:tint val="75000"/>
-                  </a:schemeClr>
-                </a:solidFill>
-              </a:defRPr>
-            </a:lvl7pPr>
-            <a:lvl8pPr marL="3200400" indent="0">
-              <a:buNone/>
-              <a:defRPr sz="1400">
-                <a:solidFill>
-                  <a:schemeClr val="tx1">
-                    <a:tint val="75000"/>
-                  </a:schemeClr>
-                </a:solidFill>
-              </a:defRPr>
-            </a:lvl8pPr>
-            <a:lvl9pPr marL="3657600" indent="0">
-              <a:buNone/>
-              <a:defRPr sz="1400">
-                <a:solidFill>
-                  <a:schemeClr val="tx1">
-                    <a:tint val="75000"/>
-                  </a:schemeClr>
-                </a:solidFill>
-              </a:defRPr>
-            </a:lvl9pPr>
-          </a:lstStyle>
-          <a:p>
-            <a:pPr lvl="0"/>
-            <a:r>
-              <a:rPr lang="en-US" smtClean="0"/>
-              <a:t>Click to edit Master text styles</a:t>
-            </a:r>
-          </a:p>
-        </p:txBody>
-      </p:sp>
-      <p:sp>
-        <p:nvSpPr>
-          <p:cNvPr id="4" name="Date Placeholder 3"/>
-          <p:cNvSpPr>
-            <a:spLocks noGrp="1"/>
-          </p:cNvSpPr>
-          <p:nvPr>
-            <p:ph type="dt" sz="half" idx="10"/>
-          </p:nvPr>
-        </p:nvSpPr>
-        <p:spPr/>
-        <p:txBody>
-          <a:bodyPr/>
-          <a:lstStyle/>
-          <a:p>
-            <a:fld id="{B61BEF0D-F0BB-DE4B-95CE-6DB70DBA9567}" type="datetimeFigureOut">
-              <a:rPr lang="en-US" dirty="0"/>
-              <a:pPr/>
-              <a:t>5/21/2014</a:t>
-            </a:fld>
-            <a:endParaRPr lang="en-US" dirty="0"/>
-          </a:p>
-        </p:txBody>
-      </p:sp>
-      <p:sp>
-        <p:nvSpPr>
-          <p:cNvPr id="5" name="Footer Placeholder 4"/>
-          <p:cNvSpPr>
-            <a:spLocks noGrp="1"/>
-          </p:cNvSpPr>
-          <p:nvPr>
-            <p:ph type="ftr" sz="quarter" idx="11"/>
-          </p:nvPr>
-        </p:nvSpPr>
-        <p:spPr/>
-        <p:txBody>
-          <a:bodyPr/>
-          <a:lstStyle/>
-          <a:p>
-            <a:endParaRPr lang="en-US" dirty="0"/>
-          </a:p>
-        </p:txBody>
-      </p:sp>
-      <p:sp>
-        <p:nvSpPr>
-          <p:cNvPr id="6" name="Slide Number Placeholder 5"/>
-          <p:cNvSpPr>
-            <a:spLocks noGrp="1"/>
-          </p:cNvSpPr>
-          <p:nvPr>
-            <p:ph type="sldNum" sz="quarter" idx="12"/>
-          </p:nvPr>
-        </p:nvSpPr>
-        <p:spPr/>
-        <p:txBody>
-          <a:bodyPr/>
-          <a:lstStyle/>
-          <a:p>
-            <a:fld id="{D57F1E4F-1CFF-5643-939E-217C01CDF565}" type="slidenum">
-              <a:rPr lang="en-US" dirty="0"/>
-              <a:pPr/>
-              <a:t>‹#›</a:t>
-            </a:fld>
-            <a:endParaRPr lang="en-US" dirty="0"/>
-          </a:p>
-        </p:txBody>
-      </p:sp>
-    </p:spTree>
-  </p:cSld>
-  <p:clrMapOvr>
-    <a:masterClrMapping/>
-  </p:clrMapOvr>
-</p:sldLayout>
-</file>
-
-<file path=ppt/slideLayouts/slideLayout12.xml><?xml version="1.0" encoding="utf-8"?>
-<p:sldLayout xmlns:a="http://schemas.openxmlformats.org/drawingml/2006/main" xmlns:r="http://schemas.openxmlformats.org/officeDocument/2006/relationships" xmlns:p="http://schemas.openxmlformats.org/presentationml/2006/main" preserve="1">
-  <p:cSld name="Quote with Caption">
-    <p:spTree>
-      <p:nvGrpSpPr>
-        <p:cNvPr id="1" name=""/>
-        <p:cNvGrpSpPr/>
-        <p:nvPr/>
-      </p:nvGrpSpPr>
-      <p:grpSpPr>
-        <a:xfrm>
-          <a:off x="0" y="0"/>
-          <a:ext cx="0" cy="0"/>
-          <a:chOff x="0" y="0"/>
-          <a:chExt cx="0" cy="0"/>
-        </a:xfrm>
-      </p:grpSpPr>
-      <p:sp>
-        <p:nvSpPr>
-          <p:cNvPr id="2" name="Title 1"/>
-          <p:cNvSpPr>
-            <a:spLocks noGrp="1"/>
-          </p:cNvSpPr>
-          <p:nvPr>
-            <p:ph type="title"/>
-          </p:nvPr>
-        </p:nvSpPr>
-        <p:spPr>
-          <a:xfrm>
-            <a:off x="1141411" y="685800"/>
-            <a:ext cx="9144001" cy="2743200"/>
-          </a:xfrm>
-        </p:spPr>
-        <p:txBody>
-          <a:bodyPr anchor="ctr">
-            <a:normAutofit/>
-          </a:bodyPr>
-          <a:lstStyle>
-            <a:lvl1pPr algn="l">
-              <a:defRPr sz="3200" b="0" cap="all">
-                <a:solidFill>
-                  <a:schemeClr val="tx1"/>
-                </a:solidFill>
-              </a:defRPr>
-            </a:lvl1pPr>
-          </a:lstStyle>
-          <a:p>
-            <a:r>
-              <a:rPr lang="en-US" smtClean="0"/>
-              <a:t>Click to edit Master title style</a:t>
-            </a:r>
-            <a:endParaRPr lang="en-US" dirty="0"/>
-          </a:p>
-        </p:txBody>
-      </p:sp>
-      <p:sp>
-        <p:nvSpPr>
-          <p:cNvPr id="10" name="Text Placeholder 9"/>
-          <p:cNvSpPr>
-            <a:spLocks noGrp="1"/>
-          </p:cNvSpPr>
-          <p:nvPr>
-            <p:ph type="body" sz="quarter" idx="13"/>
-          </p:nvPr>
-        </p:nvSpPr>
-        <p:spPr>
-          <a:xfrm>
-            <a:off x="1446212" y="3429000"/>
-            <a:ext cx="8534400" cy="381000"/>
-          </a:xfrm>
-        </p:spPr>
-        <p:txBody>
-          <a:bodyPr anchor="ctr"/>
-          <a:lstStyle>
-            <a:lvl1pPr marL="0" indent="0">
-              <a:buFontTx/>
-              <a:buNone/>
-              <a:defRPr/>
-            </a:lvl1pPr>
-            <a:lvl2pPr marL="457200" indent="0">
-              <a:buFontTx/>
-              <a:buNone/>
-              <a:defRPr/>
-            </a:lvl2pPr>
-            <a:lvl3pPr marL="914400" indent="0">
-              <a:buFontTx/>
-              <a:buNone/>
-              <a:defRPr/>
-            </a:lvl3pPr>
-            <a:lvl4pPr marL="1371600" indent="0">
-              <a:buFontTx/>
-              <a:buNone/>
-              <a:defRPr/>
-            </a:lvl4pPr>
-            <a:lvl5pPr marL="1828800" indent="0">
-              <a:buFontTx/>
-              <a:buNone/>
-              <a:defRPr/>
-            </a:lvl5pPr>
-          </a:lstStyle>
-          <a:p>
-            <a:pPr lvl="0"/>
-            <a:r>
-              <a:rPr lang="en-US" smtClean="0"/>
-              <a:t>Click to edit Master text styles</a:t>
-            </a:r>
-          </a:p>
-        </p:txBody>
-      </p:sp>
-      <p:sp>
-        <p:nvSpPr>
-          <p:cNvPr id="3" name="Text Placeholder 2"/>
-          <p:cNvSpPr>
-            <a:spLocks noGrp="1"/>
-          </p:cNvSpPr>
-          <p:nvPr>
-            <p:ph type="body" idx="1"/>
-          </p:nvPr>
-        </p:nvSpPr>
-        <p:spPr>
-          <a:xfrm>
-            <a:off x="684213" y="4301067"/>
-            <a:ext cx="8534400" cy="1684865"/>
-          </a:xfrm>
-        </p:spPr>
-        <p:txBody>
-          <a:bodyPr anchor="ctr">
-            <a:normAutofit/>
-          </a:bodyPr>
-          <a:lstStyle>
-            <a:lvl1pPr marL="0" indent="0" algn="l">
-              <a:buNone/>
-              <a:defRPr sz="2000">
-                <a:solidFill>
-                  <a:schemeClr val="bg2">
-                    <a:lumMod val="75000"/>
-                  </a:schemeClr>
-                </a:solidFill>
-              </a:defRPr>
-            </a:lvl1pPr>
-            <a:lvl2pPr marL="457200" indent="0">
-              <a:buNone/>
-              <a:defRPr sz="1800">
-                <a:solidFill>
-                  <a:schemeClr val="tx1">
-                    <a:tint val="75000"/>
-                  </a:schemeClr>
-                </a:solidFill>
-              </a:defRPr>
-            </a:lvl2pPr>
-            <a:lvl3pPr marL="914400" indent="0">
-              <a:buNone/>
-              <a:defRPr sz="1600">
-                <a:solidFill>
-                  <a:schemeClr val="tx1">
-                    <a:tint val="75000"/>
-                  </a:schemeClr>
-                </a:solidFill>
-              </a:defRPr>
-            </a:lvl3pPr>
-            <a:lvl4pPr marL="1371600" indent="0">
-              <a:buNone/>
-              <a:defRPr sz="1400">
-                <a:solidFill>
-                  <a:schemeClr val="tx1">
-                    <a:tint val="75000"/>
-                  </a:schemeClr>
-                </a:solidFill>
-              </a:defRPr>
-            </a:lvl4pPr>
-            <a:lvl5pPr marL="1828800" indent="0">
-              <a:buNone/>
-              <a:defRPr sz="1400">
-                <a:solidFill>
-                  <a:schemeClr val="tx1">
-                    <a:tint val="75000"/>
-                  </a:schemeClr>
-                </a:solidFill>
-              </a:defRPr>
-            </a:lvl5pPr>
-            <a:lvl6pPr marL="2286000" indent="0">
-              <a:buNone/>
-              <a:defRPr sz="1400">
-                <a:solidFill>
-                  <a:schemeClr val="tx1">
-                    <a:tint val="75000"/>
-                  </a:schemeClr>
-                </a:solidFill>
-              </a:defRPr>
-            </a:lvl6pPr>
-            <a:lvl7pPr marL="2743200" indent="0">
-              <a:buNone/>
-              <a:defRPr sz="1400">
-                <a:solidFill>
-                  <a:schemeClr val="tx1">
-                    <a:tint val="75000"/>
-                  </a:schemeClr>
-                </a:solidFill>
-              </a:defRPr>
-            </a:lvl7pPr>
-            <a:lvl8pPr marL="3200400" indent="0">
-              <a:buNone/>
-              <a:defRPr sz="1400">
-                <a:solidFill>
-                  <a:schemeClr val="tx1">
-                    <a:tint val="75000"/>
-                  </a:schemeClr>
-                </a:solidFill>
-              </a:defRPr>
-            </a:lvl8pPr>
-            <a:lvl9pPr marL="3657600" indent="0">
-              <a:buNone/>
-              <a:defRPr sz="1400">
-                <a:solidFill>
-                  <a:schemeClr val="tx1">
-                    <a:tint val="75000"/>
-                  </a:schemeClr>
-                </a:solidFill>
-              </a:defRPr>
-            </a:lvl9pPr>
-          </a:lstStyle>
-          <a:p>
-            <a:pPr lvl="0"/>
-            <a:r>
-              <a:rPr lang="en-US" smtClean="0"/>
-              <a:t>Click to edit Master text styles</a:t>
-            </a:r>
-          </a:p>
-        </p:txBody>
-      </p:sp>
-      <p:sp>
-        <p:nvSpPr>
-          <p:cNvPr id="4" name="Date Placeholder 3"/>
-          <p:cNvSpPr>
-            <a:spLocks noGrp="1"/>
-          </p:cNvSpPr>
-          <p:nvPr>
-            <p:ph type="dt" sz="half" idx="10"/>
-          </p:nvPr>
-        </p:nvSpPr>
-        <p:spPr/>
-        <p:txBody>
-          <a:bodyPr/>
-          <a:lstStyle/>
-          <a:p>
-            <a:fld id="{B61BEF0D-F0BB-DE4B-95CE-6DB70DBA9567}" type="datetimeFigureOut">
-              <a:rPr lang="en-US" dirty="0"/>
-              <a:pPr/>
-              <a:t>5/21/2014</a:t>
-            </a:fld>
-            <a:endParaRPr lang="en-US" dirty="0"/>
-          </a:p>
-        </p:txBody>
-      </p:sp>
-      <p:sp>
-        <p:nvSpPr>
-          <p:cNvPr id="5" name="Footer Placeholder 4"/>
-          <p:cNvSpPr>
-            <a:spLocks noGrp="1"/>
-          </p:cNvSpPr>
-          <p:nvPr>
-            <p:ph type="ftr" sz="quarter" idx="11"/>
-          </p:nvPr>
-        </p:nvSpPr>
-        <p:spPr/>
-        <p:txBody>
-          <a:bodyPr/>
-          <a:lstStyle/>
-          <a:p>
-            <a:endParaRPr lang="en-US" dirty="0"/>
-          </a:p>
-        </p:txBody>
-      </p:sp>
-      <p:sp>
-        <p:nvSpPr>
-          <p:cNvPr id="6" name="Slide Number Placeholder 5"/>
-          <p:cNvSpPr>
-            <a:spLocks noGrp="1"/>
-          </p:cNvSpPr>
-          <p:nvPr>
-            <p:ph type="sldNum" sz="quarter" idx="12"/>
-          </p:nvPr>
-        </p:nvSpPr>
-        <p:spPr/>
-        <p:txBody>
-          <a:bodyPr/>
-          <a:lstStyle/>
-          <a:p>
-            <a:fld id="{D57F1E4F-1CFF-5643-939E-217C01CDF565}" type="slidenum">
-              <a:rPr lang="en-US" dirty="0"/>
-              <a:pPr/>
-              <a:t>‹#›</a:t>
-            </a:fld>
-            <a:endParaRPr lang="en-US" dirty="0"/>
-          </a:p>
-        </p:txBody>
-      </p:sp>
-      <p:sp>
-        <p:nvSpPr>
-          <p:cNvPr id="14" name="TextBox 13"/>
-          <p:cNvSpPr txBox="1"/>
-          <p:nvPr/>
-        </p:nvSpPr>
-        <p:spPr>
-          <a:xfrm>
-            <a:off x="531812" y="812222"/>
-            <a:ext cx="609600" cy="584776"/>
-          </a:xfrm>
-          <a:prstGeom prst="rect">
-            <a:avLst/>
-          </a:prstGeom>
-        </p:spPr>
-        <p:txBody>
-          <a:bodyPr vert="horz" lIns="91440" tIns="45720" rIns="91440" bIns="45720" rtlCol="0" anchor="ctr">
-            <a:noAutofit/>
-          </a:bodyPr>
-          <a:lstStyle/>
-          <a:p>
-            <a:pPr lvl="0"/>
-            <a:r>
-              <a:rPr lang="en-US" sz="8000" dirty="0">
-                <a:solidFill>
-                  <a:schemeClr val="tx1"/>
-                </a:solidFill>
-                <a:effectLst/>
-              </a:rPr>
-              <a:t>“</a:t>
-            </a:r>
-          </a:p>
-        </p:txBody>
-      </p:sp>
-      <p:sp>
-        <p:nvSpPr>
-          <p:cNvPr id="15" name="TextBox 14"/>
-          <p:cNvSpPr txBox="1"/>
-          <p:nvPr/>
-        </p:nvSpPr>
-        <p:spPr>
-          <a:xfrm>
-            <a:off x="10285412" y="2768601"/>
-            <a:ext cx="609600" cy="584776"/>
-          </a:xfrm>
-          <a:prstGeom prst="rect">
-            <a:avLst/>
-          </a:prstGeom>
-        </p:spPr>
-        <p:txBody>
-          <a:bodyPr vert="horz" lIns="91440" tIns="45720" rIns="91440" bIns="45720" rtlCol="0" anchor="ctr">
-            <a:noAutofit/>
-          </a:bodyPr>
-          <a:lstStyle/>
-          <a:p>
-            <a:pPr lvl="0" algn="r"/>
-            <a:r>
-              <a:rPr lang="en-US" sz="8000" dirty="0">
-                <a:solidFill>
-                  <a:schemeClr val="tx1"/>
-                </a:solidFill>
-                <a:effectLst/>
-              </a:rPr>
-              <a:t>”</a:t>
-            </a:r>
-          </a:p>
-        </p:txBody>
-      </p:sp>
-    </p:spTree>
-  </p:cSld>
-  <p:clrMapOvr>
-    <a:masterClrMapping/>
-  </p:clrMapOvr>
-</p:sldLayout>
-</file>
-
-<file path=ppt/slideLayouts/slideLayout13.xml><?xml version="1.0" encoding="utf-8"?>
-<p:sldLayout xmlns:a="http://schemas.openxmlformats.org/drawingml/2006/main" xmlns:r="http://schemas.openxmlformats.org/officeDocument/2006/relationships" xmlns:p="http://schemas.openxmlformats.org/presentationml/2006/main" preserve="1">
-  <p:cSld name="Name Card">
-    <p:spTree>
-      <p:nvGrpSpPr>
-        <p:cNvPr id="1" name=""/>
-        <p:cNvGrpSpPr/>
-        <p:nvPr/>
-      </p:nvGrpSpPr>
-      <p:grpSpPr>
-        <a:xfrm>
-          <a:off x="0" y="0"/>
-          <a:ext cx="0" cy="0"/>
-          <a:chOff x="0" y="0"/>
-          <a:chExt cx="0" cy="0"/>
-        </a:xfrm>
-      </p:grpSpPr>
-      <p:sp>
-        <p:nvSpPr>
-          <p:cNvPr id="2" name="Title 1"/>
-          <p:cNvSpPr>
-            <a:spLocks noGrp="1"/>
-          </p:cNvSpPr>
-          <p:nvPr>
-            <p:ph type="title"/>
-          </p:nvPr>
-        </p:nvSpPr>
-        <p:spPr>
-          <a:xfrm>
-            <a:off x="684212" y="3429000"/>
-            <a:ext cx="8534400" cy="1697400"/>
-          </a:xfrm>
-        </p:spPr>
-        <p:txBody>
-          <a:bodyPr anchor="b">
-            <a:normAutofit/>
-          </a:bodyPr>
-          <a:lstStyle>
-            <a:lvl1pPr algn="l">
-              <a:defRPr sz="3200" b="0" cap="all"/>
-            </a:lvl1pPr>
-          </a:lstStyle>
-          <a:p>
-            <a:r>
-              <a:rPr lang="en-US" smtClean="0"/>
-              <a:t>Click to edit Master title style</a:t>
-            </a:r>
-            <a:endParaRPr lang="en-US" dirty="0"/>
-          </a:p>
-        </p:txBody>
-      </p:sp>
-      <p:sp>
-        <p:nvSpPr>
-          <p:cNvPr id="3" name="Text Placeholder 2"/>
-          <p:cNvSpPr>
-            <a:spLocks noGrp="1"/>
-          </p:cNvSpPr>
-          <p:nvPr>
-            <p:ph type="body" idx="1"/>
-          </p:nvPr>
-        </p:nvSpPr>
-        <p:spPr>
-          <a:xfrm>
-            <a:off x="684211" y="5132981"/>
-            <a:ext cx="8535990" cy="860400"/>
-          </a:xfrm>
-        </p:spPr>
-        <p:txBody>
-          <a:bodyPr anchor="t">
-            <a:normAutofit/>
-          </a:bodyPr>
-          <a:lstStyle>
-            <a:lvl1pPr marL="0" indent="0" algn="l">
-              <a:buNone/>
-              <a:defRPr sz="2000">
-                <a:solidFill>
-                  <a:schemeClr val="bg2">
-                    <a:lumMod val="75000"/>
-                  </a:schemeClr>
-                </a:solidFill>
-              </a:defRPr>
-            </a:lvl1pPr>
-            <a:lvl2pPr marL="457200" indent="0">
-              <a:buNone/>
-              <a:defRPr sz="1800">
-                <a:solidFill>
-                  <a:schemeClr val="tx1">
-                    <a:tint val="75000"/>
-                  </a:schemeClr>
-                </a:solidFill>
-              </a:defRPr>
-            </a:lvl2pPr>
-            <a:lvl3pPr marL="914400" indent="0">
-              <a:buNone/>
-              <a:defRPr sz="1600">
-                <a:solidFill>
-                  <a:schemeClr val="tx1">
-                    <a:tint val="75000"/>
-                  </a:schemeClr>
-                </a:solidFill>
-              </a:defRPr>
-            </a:lvl3pPr>
-            <a:lvl4pPr marL="1371600" indent="0">
-              <a:buNone/>
-              <a:defRPr sz="1400">
-                <a:solidFill>
-                  <a:schemeClr val="tx1">
-                    <a:tint val="75000"/>
-                  </a:schemeClr>
-                </a:solidFill>
-              </a:defRPr>
-            </a:lvl4pPr>
-            <a:lvl5pPr marL="1828800" indent="0">
-              <a:buNone/>
-              <a:defRPr sz="1400">
-                <a:solidFill>
-                  <a:schemeClr val="tx1">
-                    <a:tint val="75000"/>
-                  </a:schemeClr>
-                </a:solidFill>
-              </a:defRPr>
-            </a:lvl5pPr>
-            <a:lvl6pPr marL="2286000" indent="0">
-              <a:buNone/>
-              <a:defRPr sz="1400">
-                <a:solidFill>
-                  <a:schemeClr val="tx1">
-                    <a:tint val="75000"/>
-                  </a:schemeClr>
-                </a:solidFill>
-              </a:defRPr>
-            </a:lvl6pPr>
-            <a:lvl7pPr marL="2743200" indent="0">
-              <a:buNone/>
-              <a:defRPr sz="1400">
-                <a:solidFill>
-                  <a:schemeClr val="tx1">
-                    <a:tint val="75000"/>
-                  </a:schemeClr>
-                </a:solidFill>
-              </a:defRPr>
-            </a:lvl7pPr>
-            <a:lvl8pPr marL="3200400" indent="0">
-              <a:buNone/>
-              <a:defRPr sz="1400">
-                <a:solidFill>
-                  <a:schemeClr val="tx1">
-                    <a:tint val="75000"/>
-                  </a:schemeClr>
-                </a:solidFill>
-              </a:defRPr>
-            </a:lvl8pPr>
-            <a:lvl9pPr marL="3657600" indent="0">
-              <a:buNone/>
-              <a:defRPr sz="1400">
-                <a:solidFill>
-                  <a:schemeClr val="tx1">
-                    <a:tint val="75000"/>
-                  </a:schemeClr>
-                </a:solidFill>
-              </a:defRPr>
-            </a:lvl9pPr>
-          </a:lstStyle>
-          <a:p>
-            <a:pPr lvl="0"/>
-            <a:r>
-              <a:rPr lang="en-US" smtClean="0"/>
-              <a:t>Click to edit Master text styles</a:t>
-            </a:r>
-          </a:p>
-        </p:txBody>
-      </p:sp>
-      <p:sp>
-        <p:nvSpPr>
-          <p:cNvPr id="4" name="Date Placeholder 3"/>
-          <p:cNvSpPr>
-            <a:spLocks noGrp="1"/>
-          </p:cNvSpPr>
-          <p:nvPr>
-            <p:ph type="dt" sz="half" idx="10"/>
-          </p:nvPr>
-        </p:nvSpPr>
-        <p:spPr/>
-        <p:txBody>
-          <a:bodyPr/>
-          <a:lstStyle/>
-          <a:p>
-            <a:fld id="{B61BEF0D-F0BB-DE4B-95CE-6DB70DBA9567}" type="datetimeFigureOut">
-              <a:rPr lang="en-US" dirty="0"/>
-              <a:pPr/>
-              <a:t>5/21/2014</a:t>
-            </a:fld>
-            <a:endParaRPr lang="en-US" dirty="0"/>
-          </a:p>
-        </p:txBody>
-      </p:sp>
-      <p:sp>
-        <p:nvSpPr>
-          <p:cNvPr id="5" name="Footer Placeholder 4"/>
-          <p:cNvSpPr>
-            <a:spLocks noGrp="1"/>
-          </p:cNvSpPr>
-          <p:nvPr>
-            <p:ph type="ftr" sz="quarter" idx="11"/>
-          </p:nvPr>
-        </p:nvSpPr>
-        <p:spPr/>
-        <p:txBody>
-          <a:bodyPr/>
-          <a:lstStyle/>
-          <a:p>
-            <a:endParaRPr lang="en-US" dirty="0"/>
-          </a:p>
-        </p:txBody>
-      </p:sp>
-      <p:sp>
-        <p:nvSpPr>
-          <p:cNvPr id="6" name="Slide Number Placeholder 5"/>
-          <p:cNvSpPr>
-            <a:spLocks noGrp="1"/>
-          </p:cNvSpPr>
-          <p:nvPr>
-            <p:ph type="sldNum" sz="quarter" idx="12"/>
-          </p:nvPr>
-        </p:nvSpPr>
-        <p:spPr/>
-        <p:txBody>
-          <a:bodyPr/>
-          <a:lstStyle/>
-          <a:p>
-            <a:fld id="{D57F1E4F-1CFF-5643-939E-217C01CDF565}" type="slidenum">
-              <a:rPr lang="en-US" dirty="0"/>
-              <a:pPr/>
-              <a:t>‹#›</a:t>
-            </a:fld>
-            <a:endParaRPr lang="en-US" dirty="0"/>
-          </a:p>
-        </p:txBody>
-      </p:sp>
-    </p:spTree>
-  </p:cSld>
-  <p:clrMapOvr>
-    <a:masterClrMapping/>
-  </p:clrMapOvr>
-</p:sldLayout>
-</file>
-
-<file path=ppt/slideLayouts/slideLayout14.xml><?xml version="1.0" encoding="utf-8"?>
-<p:sldLayout xmlns:a="http://schemas.openxmlformats.org/drawingml/2006/main" xmlns:r="http://schemas.openxmlformats.org/officeDocument/2006/relationships" xmlns:p="http://schemas.openxmlformats.org/presentationml/2006/main" preserve="1">
-  <p:cSld name="Quote Name Card">
-    <p:spTree>
-      <p:nvGrpSpPr>
-        <p:cNvPr id="1" name=""/>
-        <p:cNvGrpSpPr/>
-        <p:nvPr/>
-      </p:nvGrpSpPr>
-      <p:grpSpPr>
-        <a:xfrm>
-          <a:off x="0" y="0"/>
-          <a:ext cx="0" cy="0"/>
-          <a:chOff x="0" y="0"/>
-          <a:chExt cx="0" cy="0"/>
-        </a:xfrm>
-      </p:grpSpPr>
-      <p:sp>
-        <p:nvSpPr>
-          <p:cNvPr id="2" name="Title 1"/>
-          <p:cNvSpPr>
-            <a:spLocks noGrp="1"/>
-          </p:cNvSpPr>
-          <p:nvPr>
-            <p:ph type="title"/>
-          </p:nvPr>
-        </p:nvSpPr>
-        <p:spPr>
-          <a:xfrm>
-            <a:off x="1141413" y="685800"/>
-            <a:ext cx="9144000" cy="2743200"/>
-          </a:xfrm>
-        </p:spPr>
-        <p:txBody>
-          <a:bodyPr anchor="ctr">
-            <a:normAutofit/>
-          </a:bodyPr>
-          <a:lstStyle>
-            <a:lvl1pPr algn="l">
-              <a:defRPr sz="3200" b="0" cap="all">
-                <a:solidFill>
-                  <a:schemeClr val="tx1"/>
-                </a:solidFill>
-              </a:defRPr>
-            </a:lvl1pPr>
-          </a:lstStyle>
-          <a:p>
-            <a:r>
-              <a:rPr lang="en-US" smtClean="0"/>
-              <a:t>Click to edit Master title style</a:t>
-            </a:r>
-            <a:endParaRPr lang="en-US" dirty="0"/>
-          </a:p>
-        </p:txBody>
-      </p:sp>
-      <p:sp>
-        <p:nvSpPr>
-          <p:cNvPr id="10" name="Text Placeholder 9"/>
-          <p:cNvSpPr>
-            <a:spLocks noGrp="1"/>
-          </p:cNvSpPr>
-          <p:nvPr>
-            <p:ph type="body" sz="quarter" idx="13"/>
-          </p:nvPr>
-        </p:nvSpPr>
-        <p:spPr>
-          <a:xfrm>
-            <a:off x="684212" y="3928534"/>
-            <a:ext cx="8534401" cy="1049866"/>
-          </a:xfrm>
-        </p:spPr>
-        <p:txBody>
-          <a:bodyPr vert="horz" lIns="91440" tIns="45720" rIns="91440" bIns="45720" rtlCol="0" anchor="b">
-            <a:normAutofit/>
-          </a:bodyPr>
-          <a:lstStyle>
-            <a:lvl1pPr>
-              <a:buNone/>
-              <a:defRPr lang="en-US" sz="2400" b="0" cap="all" dirty="0">
-                <a:ln w="3175" cmpd="sng">
-                  <a:noFill/>
-                </a:ln>
-                <a:solidFill>
-                  <a:schemeClr val="tx1"/>
-                </a:solidFill>
-                <a:effectLst/>
-              </a:defRPr>
-            </a:lvl1pPr>
-          </a:lstStyle>
-          <a:p>
-            <a:pPr marL="0" lvl="0">
-              <a:spcBef>
-                <a:spcPct val="0"/>
-              </a:spcBef>
-              <a:buNone/>
-            </a:pPr>
-            <a:r>
-              <a:rPr lang="en-US" smtClean="0"/>
-              <a:t>Click to edit Master text styles</a:t>
-            </a:r>
-          </a:p>
-        </p:txBody>
-      </p:sp>
-      <p:sp>
-        <p:nvSpPr>
-          <p:cNvPr id="3" name="Text Placeholder 2"/>
-          <p:cNvSpPr>
-            <a:spLocks noGrp="1"/>
-          </p:cNvSpPr>
-          <p:nvPr>
-            <p:ph type="body" idx="1"/>
-          </p:nvPr>
-        </p:nvSpPr>
-        <p:spPr>
-          <a:xfrm>
-            <a:off x="684211" y="4978400"/>
-            <a:ext cx="8534401" cy="1016000"/>
-          </a:xfrm>
-        </p:spPr>
-        <p:txBody>
-          <a:bodyPr anchor="t">
-            <a:normAutofit/>
-          </a:bodyPr>
-          <a:lstStyle>
-            <a:lvl1pPr marL="0" indent="0" algn="l">
-              <a:buNone/>
-              <a:defRPr sz="1800">
-                <a:solidFill>
-                  <a:schemeClr val="bg2">
-                    <a:lumMod val="75000"/>
-                  </a:schemeClr>
-                </a:solidFill>
-              </a:defRPr>
-            </a:lvl1pPr>
-            <a:lvl2pPr marL="457200" indent="0">
-              <a:buNone/>
-              <a:defRPr sz="1800">
-                <a:solidFill>
-                  <a:schemeClr val="tx1">
-                    <a:tint val="75000"/>
-                  </a:schemeClr>
-                </a:solidFill>
-              </a:defRPr>
-            </a:lvl2pPr>
-            <a:lvl3pPr marL="914400" indent="0">
-              <a:buNone/>
-              <a:defRPr sz="1600">
-                <a:solidFill>
-                  <a:schemeClr val="tx1">
-                    <a:tint val="75000"/>
-                  </a:schemeClr>
-                </a:solidFill>
-              </a:defRPr>
-            </a:lvl3pPr>
-            <a:lvl4pPr marL="1371600" indent="0">
-              <a:buNone/>
-              <a:defRPr sz="1400">
-                <a:solidFill>
-                  <a:schemeClr val="tx1">
-                    <a:tint val="75000"/>
-                  </a:schemeClr>
-                </a:solidFill>
-              </a:defRPr>
-            </a:lvl4pPr>
-            <a:lvl5pPr marL="1828800" indent="0">
-              <a:buNone/>
-              <a:defRPr sz="1400">
-                <a:solidFill>
-                  <a:schemeClr val="tx1">
-                    <a:tint val="75000"/>
-                  </a:schemeClr>
-                </a:solidFill>
-              </a:defRPr>
-            </a:lvl5pPr>
-            <a:lvl6pPr marL="2286000" indent="0">
-              <a:buNone/>
-              <a:defRPr sz="1400">
-                <a:solidFill>
-                  <a:schemeClr val="tx1">
-                    <a:tint val="75000"/>
-                  </a:schemeClr>
-                </a:solidFill>
-              </a:defRPr>
-            </a:lvl6pPr>
-            <a:lvl7pPr marL="2743200" indent="0">
-              <a:buNone/>
-              <a:defRPr sz="1400">
-                <a:solidFill>
-                  <a:schemeClr val="tx1">
-                    <a:tint val="75000"/>
-                  </a:schemeClr>
-                </a:solidFill>
-              </a:defRPr>
-            </a:lvl7pPr>
-            <a:lvl8pPr marL="3200400" indent="0">
-              <a:buNone/>
-              <a:defRPr sz="1400">
-                <a:solidFill>
-                  <a:schemeClr val="tx1">
-                    <a:tint val="75000"/>
-                  </a:schemeClr>
-                </a:solidFill>
-              </a:defRPr>
-            </a:lvl8pPr>
-            <a:lvl9pPr marL="3657600" indent="0">
-              <a:buNone/>
-              <a:defRPr sz="1400">
-                <a:solidFill>
-                  <a:schemeClr val="tx1">
-                    <a:tint val="75000"/>
-                  </a:schemeClr>
-                </a:solidFill>
-              </a:defRPr>
-            </a:lvl9pPr>
-          </a:lstStyle>
-          <a:p>
-            <a:pPr lvl="0"/>
-            <a:r>
-              <a:rPr lang="en-US" smtClean="0"/>
-              <a:t>Click to edit Master text styles</a:t>
-            </a:r>
-          </a:p>
-        </p:txBody>
-      </p:sp>
-      <p:sp>
-        <p:nvSpPr>
-          <p:cNvPr id="4" name="Date Placeholder 3"/>
-          <p:cNvSpPr>
-            <a:spLocks noGrp="1"/>
-          </p:cNvSpPr>
-          <p:nvPr>
-            <p:ph type="dt" sz="half" idx="10"/>
-          </p:nvPr>
-        </p:nvSpPr>
-        <p:spPr/>
-        <p:txBody>
-          <a:bodyPr/>
-          <a:lstStyle/>
-          <a:p>
-            <a:fld id="{B61BEF0D-F0BB-DE4B-95CE-6DB70DBA9567}" type="datetimeFigureOut">
-              <a:rPr lang="en-US" dirty="0"/>
-              <a:pPr/>
-              <a:t>5/21/2014</a:t>
-            </a:fld>
-            <a:endParaRPr lang="en-US" dirty="0"/>
-          </a:p>
-        </p:txBody>
-      </p:sp>
-      <p:sp>
-        <p:nvSpPr>
-          <p:cNvPr id="5" name="Footer Placeholder 4"/>
-          <p:cNvSpPr>
-            <a:spLocks noGrp="1"/>
-          </p:cNvSpPr>
-          <p:nvPr>
-            <p:ph type="ftr" sz="quarter" idx="11"/>
-          </p:nvPr>
-        </p:nvSpPr>
-        <p:spPr/>
-        <p:txBody>
-          <a:bodyPr/>
-          <a:lstStyle/>
-          <a:p>
-            <a:endParaRPr lang="en-US" dirty="0"/>
-          </a:p>
-        </p:txBody>
-      </p:sp>
-      <p:sp>
-        <p:nvSpPr>
-          <p:cNvPr id="6" name="Slide Number Placeholder 5"/>
-          <p:cNvSpPr>
-            <a:spLocks noGrp="1"/>
-          </p:cNvSpPr>
-          <p:nvPr>
-            <p:ph type="sldNum" sz="quarter" idx="12"/>
-          </p:nvPr>
-        </p:nvSpPr>
-        <p:spPr/>
-        <p:txBody>
-          <a:bodyPr/>
-          <a:lstStyle/>
-          <a:p>
-            <a:fld id="{D57F1E4F-1CFF-5643-939E-217C01CDF565}" type="slidenum">
-              <a:rPr lang="en-US" dirty="0"/>
-              <a:pPr/>
-              <a:t>‹#›</a:t>
-            </a:fld>
-            <a:endParaRPr lang="en-US" dirty="0"/>
-          </a:p>
-        </p:txBody>
-      </p:sp>
-      <p:sp>
-        <p:nvSpPr>
-          <p:cNvPr id="11" name="TextBox 10"/>
-          <p:cNvSpPr txBox="1"/>
-          <p:nvPr/>
-        </p:nvSpPr>
-        <p:spPr>
-          <a:xfrm>
-            <a:off x="531812" y="812222"/>
-            <a:ext cx="609600" cy="584776"/>
-          </a:xfrm>
-          <a:prstGeom prst="rect">
-            <a:avLst/>
-          </a:prstGeom>
-        </p:spPr>
-        <p:txBody>
-          <a:bodyPr vert="horz" lIns="91440" tIns="45720" rIns="91440" bIns="45720" rtlCol="0" anchor="ctr">
-            <a:noAutofit/>
-          </a:bodyPr>
-          <a:lstStyle/>
-          <a:p>
-            <a:pPr lvl="0"/>
-            <a:r>
-              <a:rPr lang="en-US" sz="8000" dirty="0">
-                <a:solidFill>
-                  <a:schemeClr val="tx1"/>
-                </a:solidFill>
-                <a:effectLst/>
-              </a:rPr>
-              <a:t>“</a:t>
-            </a:r>
-          </a:p>
-        </p:txBody>
-      </p:sp>
-      <p:sp>
-        <p:nvSpPr>
-          <p:cNvPr id="12" name="TextBox 11"/>
-          <p:cNvSpPr txBox="1"/>
-          <p:nvPr/>
-        </p:nvSpPr>
-        <p:spPr>
-          <a:xfrm>
-            <a:off x="10285412" y="2768601"/>
-            <a:ext cx="609600" cy="584776"/>
-          </a:xfrm>
-          <a:prstGeom prst="rect">
-            <a:avLst/>
-          </a:prstGeom>
-        </p:spPr>
-        <p:txBody>
-          <a:bodyPr vert="horz" lIns="91440" tIns="45720" rIns="91440" bIns="45720" rtlCol="0" anchor="ctr">
-            <a:noAutofit/>
-          </a:bodyPr>
-          <a:lstStyle/>
-          <a:p>
-            <a:pPr lvl="0" algn="r"/>
-            <a:r>
-              <a:rPr lang="en-US" sz="8000" dirty="0">
-                <a:solidFill>
-                  <a:schemeClr val="tx1"/>
-                </a:solidFill>
-                <a:effectLst/>
-              </a:rPr>
-              <a:t>”</a:t>
-            </a:r>
-          </a:p>
-        </p:txBody>
-      </p:sp>
-    </p:spTree>
-  </p:cSld>
-  <p:clrMapOvr>
-    <a:masterClrMapping/>
-  </p:clrMapOvr>
-</p:sldLayout>
-</file>
-
-<file path=ppt/slideLayouts/slideLayout15.xml><?xml version="1.0" encoding="utf-8"?>
-<p:sldLayout xmlns:a="http://schemas.openxmlformats.org/drawingml/2006/main" xmlns:r="http://schemas.openxmlformats.org/officeDocument/2006/relationships" xmlns:p="http://schemas.openxmlformats.org/presentationml/2006/main" preserve="1">
-  <p:cSld name="True or False">
-    <p:spTree>
-      <p:nvGrpSpPr>
-        <p:cNvPr id="1" name=""/>
-        <p:cNvGrpSpPr/>
-        <p:nvPr/>
-      </p:nvGrpSpPr>
-      <p:grpSpPr>
-        <a:xfrm>
-          <a:off x="0" y="0"/>
-          <a:ext cx="0" cy="0"/>
-          <a:chOff x="0" y="0"/>
-          <a:chExt cx="0" cy="0"/>
-        </a:xfrm>
-      </p:grpSpPr>
-      <p:sp>
-        <p:nvSpPr>
-          <p:cNvPr id="2" name="Title 1"/>
-          <p:cNvSpPr>
-            <a:spLocks noGrp="1"/>
-          </p:cNvSpPr>
-          <p:nvPr>
-            <p:ph type="title"/>
-          </p:nvPr>
-        </p:nvSpPr>
-        <p:spPr>
-          <a:xfrm>
-            <a:off x="684213" y="685800"/>
-            <a:ext cx="10058400" cy="2743200"/>
-          </a:xfrm>
-        </p:spPr>
-        <p:txBody>
-          <a:bodyPr vert="horz" lIns="91440" tIns="45720" rIns="91440" bIns="45720" rtlCol="0" anchor="ctr">
-            <a:normAutofit/>
-          </a:bodyPr>
-          <a:lstStyle>
-            <a:lvl1pPr>
-              <a:defRPr lang="en-US" b="0" dirty="0"/>
-            </a:lvl1pPr>
-          </a:lstStyle>
-          <a:p>
-            <a:pPr marL="0" lvl="0"/>
-            <a:r>
-              <a:rPr lang="en-US" smtClean="0"/>
-              <a:t>Click to edit Master title style</a:t>
-            </a:r>
-            <a:endParaRPr lang="en-US" dirty="0"/>
-          </a:p>
-        </p:txBody>
-      </p:sp>
-      <p:sp>
-        <p:nvSpPr>
-          <p:cNvPr id="10" name="Text Placeholder 9"/>
-          <p:cNvSpPr>
-            <a:spLocks noGrp="1"/>
-          </p:cNvSpPr>
-          <p:nvPr>
-            <p:ph type="body" sz="quarter" idx="13"/>
-          </p:nvPr>
-        </p:nvSpPr>
-        <p:spPr>
-          <a:xfrm>
-            <a:off x="684212" y="3928534"/>
-            <a:ext cx="8534400" cy="838200"/>
-          </a:xfrm>
-        </p:spPr>
-        <p:txBody>
-          <a:bodyPr vert="horz" lIns="91440" tIns="45720" rIns="91440" bIns="45720" rtlCol="0" anchor="b">
-            <a:normAutofit/>
-          </a:bodyPr>
-          <a:lstStyle>
-            <a:lvl1pPr>
-              <a:buNone/>
-              <a:defRPr lang="en-US" sz="2400" b="0" cap="all" dirty="0">
-                <a:ln w="3175" cmpd="sng">
-                  <a:noFill/>
-                </a:ln>
-                <a:solidFill>
-                  <a:schemeClr val="tx1"/>
-                </a:solidFill>
-                <a:effectLst/>
-              </a:defRPr>
-            </a:lvl1pPr>
-          </a:lstStyle>
-          <a:p>
-            <a:pPr marL="0" lvl="0">
-              <a:spcBef>
-                <a:spcPct val="0"/>
-              </a:spcBef>
-              <a:buNone/>
-            </a:pPr>
-            <a:r>
-              <a:rPr lang="en-US" smtClean="0"/>
-              <a:t>Click to edit Master text styles</a:t>
-            </a:r>
-          </a:p>
-        </p:txBody>
-      </p:sp>
-      <p:sp>
-        <p:nvSpPr>
-          <p:cNvPr id="3" name="Text Placeholder 2"/>
-          <p:cNvSpPr>
-            <a:spLocks noGrp="1"/>
-          </p:cNvSpPr>
-          <p:nvPr>
-            <p:ph type="body" idx="1"/>
-          </p:nvPr>
-        </p:nvSpPr>
-        <p:spPr>
-          <a:xfrm>
-            <a:off x="684211" y="4766732"/>
-            <a:ext cx="8534401" cy="1227667"/>
-          </a:xfrm>
-        </p:spPr>
-        <p:txBody>
-          <a:bodyPr anchor="t">
-            <a:normAutofit/>
-          </a:bodyPr>
-          <a:lstStyle>
-            <a:lvl1pPr marL="0" indent="0" algn="l">
-              <a:buNone/>
-              <a:defRPr sz="1800">
-                <a:solidFill>
-                  <a:schemeClr val="bg2">
-                    <a:lumMod val="75000"/>
-                  </a:schemeClr>
-                </a:solidFill>
-              </a:defRPr>
-            </a:lvl1pPr>
-            <a:lvl2pPr marL="457200" indent="0">
-              <a:buNone/>
-              <a:defRPr sz="1800">
-                <a:solidFill>
-                  <a:schemeClr val="tx1">
-                    <a:tint val="75000"/>
-                  </a:schemeClr>
-                </a:solidFill>
-              </a:defRPr>
-            </a:lvl2pPr>
-            <a:lvl3pPr marL="914400" indent="0">
-              <a:buNone/>
-              <a:defRPr sz="1600">
-                <a:solidFill>
-                  <a:schemeClr val="tx1">
-                    <a:tint val="75000"/>
-                  </a:schemeClr>
-                </a:solidFill>
-              </a:defRPr>
-            </a:lvl3pPr>
-            <a:lvl4pPr marL="1371600" indent="0">
-              <a:buNone/>
-              <a:defRPr sz="1400">
-                <a:solidFill>
-                  <a:schemeClr val="tx1">
-                    <a:tint val="75000"/>
-                  </a:schemeClr>
-                </a:solidFill>
-              </a:defRPr>
-            </a:lvl4pPr>
-            <a:lvl5pPr marL="1828800" indent="0">
-              <a:buNone/>
-              <a:defRPr sz="1400">
-                <a:solidFill>
-                  <a:schemeClr val="tx1">
-                    <a:tint val="75000"/>
-                  </a:schemeClr>
-                </a:solidFill>
-              </a:defRPr>
-            </a:lvl5pPr>
-            <a:lvl6pPr marL="2286000" indent="0">
-              <a:buNone/>
-              <a:defRPr sz="1400">
-                <a:solidFill>
-                  <a:schemeClr val="tx1">
-                    <a:tint val="75000"/>
-                  </a:schemeClr>
-                </a:solidFill>
-              </a:defRPr>
-            </a:lvl6pPr>
-            <a:lvl7pPr marL="2743200" indent="0">
-              <a:buNone/>
-              <a:defRPr sz="1400">
-                <a:solidFill>
-                  <a:schemeClr val="tx1">
-                    <a:tint val="75000"/>
-                  </a:schemeClr>
-                </a:solidFill>
-              </a:defRPr>
-            </a:lvl7pPr>
-            <a:lvl8pPr marL="3200400" indent="0">
-              <a:buNone/>
-              <a:defRPr sz="1400">
-                <a:solidFill>
-                  <a:schemeClr val="tx1">
-                    <a:tint val="75000"/>
-                  </a:schemeClr>
-                </a:solidFill>
-              </a:defRPr>
-            </a:lvl8pPr>
-            <a:lvl9pPr marL="3657600" indent="0">
-              <a:buNone/>
-              <a:defRPr sz="1400">
-                <a:solidFill>
-                  <a:schemeClr val="tx1">
-                    <a:tint val="75000"/>
-                  </a:schemeClr>
-                </a:solidFill>
-              </a:defRPr>
-            </a:lvl9pPr>
-          </a:lstStyle>
-          <a:p>
-            <a:pPr lvl="0"/>
-            <a:r>
-              <a:rPr lang="en-US" smtClean="0"/>
-              <a:t>Click to edit Master text styles</a:t>
-            </a:r>
-          </a:p>
-        </p:txBody>
-      </p:sp>
-      <p:sp>
-        <p:nvSpPr>
-          <p:cNvPr id="4" name="Date Placeholder 3"/>
-          <p:cNvSpPr>
-            <a:spLocks noGrp="1"/>
-          </p:cNvSpPr>
-          <p:nvPr>
-            <p:ph type="dt" sz="half" idx="10"/>
-          </p:nvPr>
-        </p:nvSpPr>
-        <p:spPr/>
-        <p:txBody>
-          <a:bodyPr/>
-          <a:lstStyle/>
-          <a:p>
-            <a:fld id="{B61BEF0D-F0BB-DE4B-95CE-6DB70DBA9567}" type="datetimeFigureOut">
-              <a:rPr lang="en-US" dirty="0"/>
-              <a:pPr/>
-              <a:t>5/21/2014</a:t>
-            </a:fld>
-            <a:endParaRPr lang="en-US" dirty="0"/>
-          </a:p>
-        </p:txBody>
-      </p:sp>
-      <p:sp>
-        <p:nvSpPr>
-          <p:cNvPr id="5" name="Footer Placeholder 4"/>
-          <p:cNvSpPr>
-            <a:spLocks noGrp="1"/>
-          </p:cNvSpPr>
-          <p:nvPr>
-            <p:ph type="ftr" sz="quarter" idx="11"/>
-          </p:nvPr>
-        </p:nvSpPr>
-        <p:spPr/>
-        <p:txBody>
-          <a:bodyPr/>
-          <a:lstStyle/>
-          <a:p>
-            <a:endParaRPr lang="en-US" dirty="0"/>
-          </a:p>
-        </p:txBody>
-      </p:sp>
-      <p:sp>
-        <p:nvSpPr>
-          <p:cNvPr id="6" name="Slide Number Placeholder 5"/>
-          <p:cNvSpPr>
-            <a:spLocks noGrp="1"/>
-          </p:cNvSpPr>
-          <p:nvPr>
-            <p:ph type="sldNum" sz="quarter" idx="12"/>
-          </p:nvPr>
-        </p:nvSpPr>
-        <p:spPr/>
-        <p:txBody>
-          <a:bodyPr/>
-          <a:lstStyle/>
-          <a:p>
-            <a:fld id="{D57F1E4F-1CFF-5643-939E-217C01CDF565}" type="slidenum">
-              <a:rPr lang="en-US" dirty="0"/>
-              <a:pPr/>
-              <a:t>‹#›</a:t>
-            </a:fld>
-            <a:endParaRPr lang="en-US" dirty="0"/>
-          </a:p>
-        </p:txBody>
-      </p:sp>
-    </p:spTree>
-  </p:cSld>
-  <p:clrMapOvr>
-    <a:masterClrMapping/>
-  </p:clrMapOvr>
-</p:sldLayout>
-</file>
-
-<file path=ppt/slideLayouts/slideLayout16.xml><?xml version="1.0" encoding="utf-8"?>
 <p:sldLayout xmlns:a="http://schemas.openxmlformats.org/drawingml/2006/main" xmlns:r="http://schemas.openxmlformats.org/officeDocument/2006/relationships" xmlns:p="http://schemas.openxmlformats.org/presentationml/2006/main" type="vertTx" preserve="1">
   <p:cSld name="Title and Vertical Text">
     <p:spTree>
@@ -2362,17 +349,13 @@
         <p:spPr/>
         <p:txBody>
           <a:bodyPr/>
-          <a:lstStyle>
-            <a:lvl1pPr algn="l">
-              <a:defRPr/>
-            </a:lvl1pPr>
-          </a:lstStyle>
+          <a:lstStyle/>
           <a:p>
             <a:r>
               <a:rPr lang="en-US" smtClean="0"/>
               <a:t>Click to edit Master title style</a:t>
             </a:r>
-            <a:endParaRPr lang="en-US" dirty="0"/>
+            <a:endParaRPr lang="en-US"/>
           </a:p>
         </p:txBody>
       </p:sp>
@@ -2388,7 +371,7 @@
         </p:nvSpPr>
         <p:spPr/>
         <p:txBody>
-          <a:bodyPr vert="eaVert" anchor="t"/>
+          <a:bodyPr vert="eaVert"/>
           <a:lstStyle/>
           <a:p>
             <a:pPr lvl="0"/>
@@ -2424,7 +407,7 @@
               <a:rPr lang="en-US" smtClean="0"/>
               <a:t>Fifth level</a:t>
             </a:r>
-            <a:endParaRPr lang="en-US" dirty="0"/>
+            <a:endParaRPr lang="en-US"/>
           </a:p>
         </p:txBody>
       </p:sp>
@@ -2444,9 +427,9 @@
           <a:lstStyle/>
           <a:p>
             <a:fld id="{B61BEF0D-F0BB-DE4B-95CE-6DB70DBA9567}" type="datetimeFigureOut">
-              <a:rPr lang="en-US" dirty="0"/>
+              <a:rPr lang="en-US" smtClean="0"/>
               <a:pPr/>
-              <a:t>5/21/2014</a:t>
+              <a:t>5/28/2014</a:t>
             </a:fld>
             <a:endParaRPr lang="en-US" dirty="0"/>
           </a:p>
@@ -2487,7 +470,7 @@
           <a:lstStyle/>
           <a:p>
             <a:fld id="{D57F1E4F-1CFF-5643-939E-217C01CDF565}" type="slidenum">
-              <a:rPr lang="en-US" dirty="0"/>
+              <a:rPr lang="en-US" smtClean="0"/>
               <a:pPr/>
               <a:t>‹#›</a:t>
             </a:fld>
@@ -2496,6 +479,11 @@
         </p:txBody>
       </p:sp>
     </p:spTree>
+    <p:extLst>
+      <p:ext uri="{BB962C8B-B14F-4D97-AF65-F5344CB8AC3E}">
+        <p14:creationId xmlns:p14="http://schemas.microsoft.com/office/powerpoint/2010/main" val="3030674259"/>
+      </p:ext>
+    </p:extLst>
   </p:cSld>
   <p:clrMapOvr>
     <a:masterClrMapping/>
@@ -2503,7 +491,7 @@
 </p:sldLayout>
 </file>
 
-<file path=ppt/slideLayouts/slideLayout17.xml><?xml version="1.0" encoding="utf-8"?>
+<file path=ppt/slideLayouts/slideLayout11.xml><?xml version="1.0" encoding="utf-8"?>
 <p:sldLayout xmlns:a="http://schemas.openxmlformats.org/drawingml/2006/main" xmlns:r="http://schemas.openxmlformats.org/officeDocument/2006/relationships" xmlns:p="http://schemas.openxmlformats.org/presentationml/2006/main" type="vertTitleAndTx" preserve="1">
   <p:cSld name="Vertical Title and Text">
     <p:spTree>
@@ -2532,8 +520,8 @@
         </p:nvSpPr>
         <p:spPr>
           <a:xfrm>
-            <a:off x="8685212" y="685800"/>
-            <a:ext cx="2057400" cy="4572000"/>
+            <a:off x="8724900" y="365125"/>
+            <a:ext cx="2628900" cy="5811838"/>
           </a:xfrm>
         </p:spPr>
         <p:txBody>
@@ -2544,7 +532,7 @@
               <a:rPr lang="en-US" smtClean="0"/>
               <a:t>Click to edit Master title style</a:t>
             </a:r>
-            <a:endParaRPr lang="en-US" dirty="0"/>
+            <a:endParaRPr lang="en-US"/>
           </a:p>
         </p:txBody>
       </p:sp>
@@ -2560,12 +548,12 @@
         </p:nvSpPr>
         <p:spPr>
           <a:xfrm>
-            <a:off x="685800" y="685800"/>
-            <a:ext cx="7823200" cy="5308600"/>
+            <a:off x="838200" y="365125"/>
+            <a:ext cx="7734300" cy="5811838"/>
           </a:xfrm>
         </p:spPr>
         <p:txBody>
-          <a:bodyPr vert="eaVert" anchor="t"/>
+          <a:bodyPr vert="eaVert"/>
           <a:lstStyle/>
           <a:p>
             <a:pPr lvl="0"/>
@@ -2601,7 +589,7 @@
               <a:rPr lang="en-US" smtClean="0"/>
               <a:t>Fifth level</a:t>
             </a:r>
-            <a:endParaRPr lang="en-US" dirty="0"/>
+            <a:endParaRPr lang="en-US"/>
           </a:p>
         </p:txBody>
       </p:sp>
@@ -2621,9 +609,9 @@
           <a:lstStyle/>
           <a:p>
             <a:fld id="{B61BEF0D-F0BB-DE4B-95CE-6DB70DBA9567}" type="datetimeFigureOut">
-              <a:rPr lang="en-US" dirty="0"/>
+              <a:rPr lang="en-US" smtClean="0"/>
               <a:pPr/>
-              <a:t>5/21/2014</a:t>
+              <a:t>5/28/2014</a:t>
             </a:fld>
             <a:endParaRPr lang="en-US" dirty="0"/>
           </a:p>
@@ -2664,7 +652,7 @@
           <a:lstStyle/>
           <a:p>
             <a:fld id="{D57F1E4F-1CFF-5643-939E-217C01CDF565}" type="slidenum">
-              <a:rPr lang="en-US" dirty="0"/>
+              <a:rPr lang="en-US" smtClean="0"/>
               <a:pPr/>
               <a:t>‹#›</a:t>
             </a:fld>
@@ -2673,6 +661,11 @@
         </p:txBody>
       </p:sp>
     </p:spTree>
+    <p:extLst>
+      <p:ext uri="{BB962C8B-B14F-4D97-AF65-F5344CB8AC3E}">
+        <p14:creationId xmlns:p14="http://schemas.microsoft.com/office/powerpoint/2010/main" val="575441169"/>
+      </p:ext>
+    </p:extLst>
   </p:cSld>
   <p:clrMapOvr>
     <a:masterClrMapping/>
@@ -2716,7 +709,7 @@
               <a:rPr lang="en-US" smtClean="0"/>
               <a:t>Click to edit Master title style</a:t>
             </a:r>
-            <a:endParaRPr lang="en-US" dirty="0"/>
+            <a:endParaRPr lang="en-US"/>
           </a:p>
         </p:txBody>
       </p:sp>
@@ -2732,7 +725,7 @@
         </p:nvSpPr>
         <p:spPr/>
         <p:txBody>
-          <a:bodyPr anchor="ctr"/>
+          <a:bodyPr/>
           <a:lstStyle/>
           <a:p>
             <a:pPr lvl="0"/>
@@ -2768,7 +761,7 @@
               <a:rPr lang="en-US" smtClean="0"/>
               <a:t>Fifth level</a:t>
             </a:r>
-            <a:endParaRPr lang="en-US" dirty="0"/>
+            <a:endParaRPr lang="en-US"/>
           </a:p>
         </p:txBody>
       </p:sp>
@@ -2788,9 +781,9 @@
           <a:lstStyle/>
           <a:p>
             <a:fld id="{B61BEF0D-F0BB-DE4B-95CE-6DB70DBA9567}" type="datetimeFigureOut">
-              <a:rPr lang="en-US" dirty="0"/>
+              <a:rPr lang="en-US" smtClean="0"/>
               <a:pPr/>
-              <a:t>5/21/2014</a:t>
+              <a:t>5/28/2014</a:t>
             </a:fld>
             <a:endParaRPr lang="en-US" dirty="0"/>
           </a:p>
@@ -2831,7 +824,7 @@
           <a:lstStyle/>
           <a:p>
             <a:fld id="{D57F1E4F-1CFF-5643-939E-217C01CDF565}" type="slidenum">
-              <a:rPr lang="en-US" dirty="0"/>
+              <a:rPr lang="en-US" smtClean="0"/>
               <a:pPr/>
               <a:t>‹#›</a:t>
             </a:fld>
@@ -2840,6 +833,11 @@
         </p:txBody>
       </p:sp>
     </p:spTree>
+    <p:extLst>
+      <p:ext uri="{BB962C8B-B14F-4D97-AF65-F5344CB8AC3E}">
+        <p14:creationId xmlns:p14="http://schemas.microsoft.com/office/powerpoint/2010/main" val="2854904768"/>
+      </p:ext>
+    </p:extLst>
   </p:cSld>
   <p:clrMapOvr>
     <a:masterClrMapping/>
@@ -2876,17 +874,15 @@
         </p:nvSpPr>
         <p:spPr>
           <a:xfrm>
-            <a:off x="684211" y="2006600"/>
-            <a:ext cx="8534401" cy="2281600"/>
+            <a:off x="831850" y="1709738"/>
+            <a:ext cx="10515600" cy="2852737"/>
           </a:xfrm>
         </p:spPr>
         <p:txBody>
-          <a:bodyPr anchor="b">
-            <a:normAutofit/>
-          </a:bodyPr>
+          <a:bodyPr anchor="b"/>
           <a:lstStyle>
-            <a:lvl1pPr algn="l">
-              <a:defRPr sz="3600" b="0" cap="all"/>
+            <a:lvl1pPr>
+              <a:defRPr sz="6000"/>
             </a:lvl1pPr>
           </a:lstStyle>
           <a:p>
@@ -2894,7 +890,7 @@
               <a:rPr lang="en-US" smtClean="0"/>
               <a:t>Click to edit Master title style</a:t>
             </a:r>
-            <a:endParaRPr lang="en-US" dirty="0"/>
+            <a:endParaRPr lang="en-US"/>
           </a:p>
         </p:txBody>
       </p:sp>
@@ -2910,28 +906,26 @@
         </p:nvSpPr>
         <p:spPr>
           <a:xfrm>
-            <a:off x="684213" y="4495800"/>
-            <a:ext cx="8534400" cy="1498600"/>
+            <a:off x="831850" y="4589463"/>
+            <a:ext cx="10515600" cy="1500187"/>
           </a:xfrm>
         </p:spPr>
         <p:txBody>
-          <a:bodyPr anchor="t">
-            <a:normAutofit/>
-          </a:bodyPr>
+          <a:bodyPr/>
           <a:lstStyle>
-            <a:lvl1pPr marL="0" indent="0" algn="l">
-              <a:buNone/>
-              <a:defRPr sz="1800">
+            <a:lvl1pPr marL="0" indent="0">
+              <a:buNone/>
+              <a:defRPr sz="2400">
                 <a:solidFill>
-                  <a:schemeClr val="bg2">
-                    <a:lumMod val="75000"/>
+                  <a:schemeClr val="tx1">
+                    <a:tint val="75000"/>
                   </a:schemeClr>
                 </a:solidFill>
               </a:defRPr>
             </a:lvl1pPr>
             <a:lvl2pPr marL="457200" indent="0">
               <a:buNone/>
-              <a:defRPr sz="1800">
+              <a:defRPr sz="2000">
                 <a:solidFill>
                   <a:schemeClr val="tx1">
                     <a:tint val="75000"/>
@@ -2941,7 +935,7 @@
             </a:lvl2pPr>
             <a:lvl3pPr marL="914400" indent="0">
               <a:buNone/>
-              <a:defRPr sz="1600">
+              <a:defRPr sz="1800">
                 <a:solidFill>
                   <a:schemeClr val="tx1">
                     <a:tint val="75000"/>
@@ -2951,7 +945,7 @@
             </a:lvl3pPr>
             <a:lvl4pPr marL="1371600" indent="0">
               <a:buNone/>
-              <a:defRPr sz="1400">
+              <a:defRPr sz="1600">
                 <a:solidFill>
                   <a:schemeClr val="tx1">
                     <a:tint val="75000"/>
@@ -2961,7 +955,7 @@
             </a:lvl4pPr>
             <a:lvl5pPr marL="1828800" indent="0">
               <a:buNone/>
-              <a:defRPr sz="1400">
+              <a:defRPr sz="1600">
                 <a:solidFill>
                   <a:schemeClr val="tx1">
                     <a:tint val="75000"/>
@@ -2971,7 +965,7 @@
             </a:lvl5pPr>
             <a:lvl6pPr marL="2286000" indent="0">
               <a:buNone/>
-              <a:defRPr sz="1400">
+              <a:defRPr sz="1600">
                 <a:solidFill>
                   <a:schemeClr val="tx1">
                     <a:tint val="75000"/>
@@ -2981,7 +975,7 @@
             </a:lvl6pPr>
             <a:lvl7pPr marL="2743200" indent="0">
               <a:buNone/>
-              <a:defRPr sz="1400">
+              <a:defRPr sz="1600">
                 <a:solidFill>
                   <a:schemeClr val="tx1">
                     <a:tint val="75000"/>
@@ -2991,7 +985,7 @@
             </a:lvl7pPr>
             <a:lvl8pPr marL="3200400" indent="0">
               <a:buNone/>
-              <a:defRPr sz="1400">
+              <a:defRPr sz="1600">
                 <a:solidFill>
                   <a:schemeClr val="tx1">
                     <a:tint val="75000"/>
@@ -3001,7 +995,7 @@
             </a:lvl8pPr>
             <a:lvl9pPr marL="3657600" indent="0">
               <a:buNone/>
-              <a:defRPr sz="1400">
+              <a:defRPr sz="1600">
                 <a:solidFill>
                   <a:schemeClr val="tx1">
                     <a:tint val="75000"/>
@@ -3035,9 +1029,9 @@
           <a:lstStyle/>
           <a:p>
             <a:fld id="{B61BEF0D-F0BB-DE4B-95CE-6DB70DBA9567}" type="datetimeFigureOut">
-              <a:rPr lang="en-US" dirty="0"/>
+              <a:rPr lang="en-US" smtClean="0"/>
               <a:pPr/>
-              <a:t>5/21/2014</a:t>
+              <a:t>5/28/2014</a:t>
             </a:fld>
             <a:endParaRPr lang="en-US" dirty="0"/>
           </a:p>
@@ -3078,7 +1072,7 @@
           <a:lstStyle/>
           <a:p>
             <a:fld id="{D57F1E4F-1CFF-5643-939E-217C01CDF565}" type="slidenum">
-              <a:rPr lang="en-US" dirty="0"/>
+              <a:rPr lang="en-US" smtClean="0"/>
               <a:pPr/>
               <a:t>‹#›</a:t>
             </a:fld>
@@ -3087,6 +1081,11 @@
         </p:txBody>
       </p:sp>
     </p:spTree>
+    <p:extLst>
+      <p:ext uri="{BB962C8B-B14F-4D97-AF65-F5344CB8AC3E}">
+        <p14:creationId xmlns:p14="http://schemas.microsoft.com/office/powerpoint/2010/main" val="3071516712"/>
+      </p:ext>
+    </p:extLst>
   </p:cSld>
   <p:clrMapOvr>
     <a:masterClrMapping/>
@@ -3130,7 +1129,7 @@
               <a:rPr lang="en-US" smtClean="0"/>
               <a:t>Click to edit Master title style</a:t>
             </a:r>
-            <a:endParaRPr lang="en-US" dirty="0"/>
+            <a:endParaRPr lang="en-US"/>
           </a:p>
         </p:txBody>
       </p:sp>
@@ -3146,14 +1145,12 @@
         </p:nvSpPr>
         <p:spPr>
           <a:xfrm>
-            <a:off x="684211" y="685800"/>
-            <a:ext cx="4937655" cy="3615267"/>
+            <a:off x="838200" y="1825625"/>
+            <a:ext cx="5181600" cy="4351338"/>
           </a:xfrm>
         </p:spPr>
         <p:txBody>
-          <a:bodyPr>
-            <a:normAutofit/>
-          </a:bodyPr>
+          <a:bodyPr/>
           <a:lstStyle/>
           <a:p>
             <a:pPr lvl="0"/>
@@ -3189,7 +1186,7 @@
               <a:rPr lang="en-US" smtClean="0"/>
               <a:t>Fifth level</a:t>
             </a:r>
-            <a:endParaRPr lang="en-US" dirty="0"/>
+            <a:endParaRPr lang="en-US"/>
           </a:p>
         </p:txBody>
       </p:sp>
@@ -3205,14 +1202,12 @@
         </p:nvSpPr>
         <p:spPr>
           <a:xfrm>
-            <a:off x="5808133" y="685801"/>
-            <a:ext cx="4934479" cy="3615266"/>
+            <a:off x="6172200" y="1825625"/>
+            <a:ext cx="5181600" cy="4351338"/>
           </a:xfrm>
         </p:spPr>
         <p:txBody>
-          <a:bodyPr>
-            <a:normAutofit/>
-          </a:bodyPr>
+          <a:bodyPr/>
           <a:lstStyle/>
           <a:p>
             <a:pPr lvl="0"/>
@@ -3248,7 +1243,7 @@
               <a:rPr lang="en-US" smtClean="0"/>
               <a:t>Fifth level</a:t>
             </a:r>
-            <a:endParaRPr lang="en-US" dirty="0"/>
+            <a:endParaRPr lang="en-US"/>
           </a:p>
         </p:txBody>
       </p:sp>
@@ -3268,9 +1263,9 @@
           <a:lstStyle/>
           <a:p>
             <a:fld id="{B61BEF0D-F0BB-DE4B-95CE-6DB70DBA9567}" type="datetimeFigureOut">
-              <a:rPr lang="en-US" dirty="0"/>
+              <a:rPr lang="en-US" smtClean="0"/>
               <a:pPr/>
-              <a:t>5/21/2014</a:t>
+              <a:t>5/28/2014</a:t>
             </a:fld>
             <a:endParaRPr lang="en-US" dirty="0"/>
           </a:p>
@@ -3311,7 +1306,7 @@
           <a:lstStyle/>
           <a:p>
             <a:fld id="{D57F1E4F-1CFF-5643-939E-217C01CDF565}" type="slidenum">
-              <a:rPr lang="en-US" dirty="0"/>
+              <a:rPr lang="en-US" smtClean="0"/>
               <a:pPr/>
               <a:t>‹#›</a:t>
             </a:fld>
@@ -3320,6 +1315,11 @@
         </p:txBody>
       </p:sp>
     </p:spTree>
+    <p:extLst>
+      <p:ext uri="{BB962C8B-B14F-4D97-AF65-F5344CB8AC3E}">
+        <p14:creationId xmlns:p14="http://schemas.microsoft.com/office/powerpoint/2010/main" val="323615677"/>
+      </p:ext>
+    </p:extLst>
   </p:cSld>
   <p:clrMapOvr>
     <a:masterClrMapping/>
@@ -3354,51 +1354,46 @@
             <p:ph type="title"/>
           </p:nvPr>
         </p:nvSpPr>
-        <p:spPr/>
-        <p:txBody>
-          <a:bodyPr/>
-          <a:lstStyle>
-            <a:lvl1pPr>
-              <a:defRPr/>
-            </a:lvl1pPr>
-          </a:lstStyle>
-          <a:p>
-            <a:r>
-              <a:rPr lang="en-US" smtClean="0"/>
-              <a:t>Click to edit Master title style</a:t>
-            </a:r>
-            <a:endParaRPr lang="en-US" dirty="0"/>
-          </a:p>
-        </p:txBody>
-      </p:sp>
-      <p:sp>
-        <p:nvSpPr>
-          <p:cNvPr id="3" name="Text Placeholder 2"/>
-          <p:cNvSpPr>
-            <a:spLocks noGrp="1"/>
-          </p:cNvSpPr>
-          <p:nvPr>
-            <p:ph type="body" idx="1"/>
-          </p:nvPr>
-        </p:nvSpPr>
         <p:spPr>
           <a:xfrm>
-            <a:off x="972080" y="685800"/>
-            <a:ext cx="4649787" cy="576262"/>
+            <a:off x="839788" y="365125"/>
+            <a:ext cx="10515600" cy="1325563"/>
           </a:xfrm>
         </p:spPr>
         <p:txBody>
-          <a:bodyPr anchor="b">
-            <a:noAutofit/>
-          </a:bodyPr>
+          <a:bodyPr/>
+          <a:lstStyle/>
+          <a:p>
+            <a:r>
+              <a:rPr lang="en-US" smtClean="0"/>
+              <a:t>Click to edit Master title style</a:t>
+            </a:r>
+            <a:endParaRPr lang="en-US"/>
+          </a:p>
+        </p:txBody>
+      </p:sp>
+      <p:sp>
+        <p:nvSpPr>
+          <p:cNvPr id="3" name="Text Placeholder 2"/>
+          <p:cNvSpPr>
+            <a:spLocks noGrp="1"/>
+          </p:cNvSpPr>
+          <p:nvPr>
+            <p:ph type="body" idx="1"/>
+          </p:nvPr>
+        </p:nvSpPr>
+        <p:spPr>
+          <a:xfrm>
+            <a:off x="839788" y="1681163"/>
+            <a:ext cx="5157787" cy="823912"/>
+          </a:xfrm>
+        </p:spPr>
+        <p:txBody>
+          <a:bodyPr anchor="b"/>
           <a:lstStyle>
             <a:lvl1pPr marL="0" indent="0">
               <a:buNone/>
-              <a:defRPr sz="2800" b="0">
-                <a:solidFill>
-                  <a:schemeClr val="tx1"/>
-                </a:solidFill>
-              </a:defRPr>
+              <a:defRPr sz="2400" b="1"/>
             </a:lvl1pPr>
             <a:lvl2pPr marL="457200" indent="0">
               <a:buNone/>
@@ -3454,14 +1449,12 @@
         </p:nvSpPr>
         <p:spPr>
           <a:xfrm>
-            <a:off x="684211" y="1270529"/>
-            <a:ext cx="4937655" cy="3030538"/>
+            <a:off x="839788" y="2505075"/>
+            <a:ext cx="5157787" cy="3684588"/>
           </a:xfrm>
         </p:spPr>
         <p:txBody>
-          <a:bodyPr anchor="t">
-            <a:normAutofit/>
-          </a:bodyPr>
+          <a:bodyPr/>
           <a:lstStyle/>
           <a:p>
             <a:pPr lvl="0"/>
@@ -3497,7 +1490,7 @@
               <a:rPr lang="en-US" smtClean="0"/>
               <a:t>Fifth level</a:t>
             </a:r>
-            <a:endParaRPr lang="en-US" dirty="0"/>
+            <a:endParaRPr lang="en-US"/>
           </a:p>
         </p:txBody>
       </p:sp>
@@ -3513,22 +1506,16 @@
         </p:nvSpPr>
         <p:spPr>
           <a:xfrm>
-            <a:off x="6079066" y="685800"/>
-            <a:ext cx="4665134" cy="576262"/>
+            <a:off x="6172200" y="1681163"/>
+            <a:ext cx="5183188" cy="823912"/>
           </a:xfrm>
         </p:spPr>
         <p:txBody>
-          <a:bodyPr anchor="b">
-            <a:noAutofit/>
-          </a:bodyPr>
+          <a:bodyPr anchor="b"/>
           <a:lstStyle>
             <a:lvl1pPr marL="0" indent="0">
               <a:buNone/>
-              <a:defRPr sz="2800" b="0">
-                <a:solidFill>
-                  <a:schemeClr val="tx1"/>
-                </a:solidFill>
-              </a:defRPr>
+              <a:defRPr sz="2400" b="1"/>
             </a:lvl1pPr>
             <a:lvl2pPr marL="457200" indent="0">
               <a:buNone/>
@@ -3584,14 +1571,12 @@
         </p:nvSpPr>
         <p:spPr>
           <a:xfrm>
-            <a:off x="5806545" y="1262062"/>
-            <a:ext cx="4929188" cy="3030538"/>
+            <a:off x="6172200" y="2505075"/>
+            <a:ext cx="5183188" cy="3684588"/>
           </a:xfrm>
         </p:spPr>
         <p:txBody>
-          <a:bodyPr anchor="t">
-            <a:normAutofit/>
-          </a:bodyPr>
+          <a:bodyPr/>
           <a:lstStyle/>
           <a:p>
             <a:pPr lvl="0"/>
@@ -3627,7 +1612,7 @@
               <a:rPr lang="en-US" smtClean="0"/>
               <a:t>Fifth level</a:t>
             </a:r>
-            <a:endParaRPr lang="en-US" dirty="0"/>
+            <a:endParaRPr lang="en-US"/>
           </a:p>
         </p:txBody>
       </p:sp>
@@ -3647,9 +1632,9 @@
           <a:lstStyle/>
           <a:p>
             <a:fld id="{B61BEF0D-F0BB-DE4B-95CE-6DB70DBA9567}" type="datetimeFigureOut">
-              <a:rPr lang="en-US" dirty="0"/>
+              <a:rPr lang="en-US" smtClean="0"/>
               <a:pPr/>
-              <a:t>5/21/2014</a:t>
+              <a:t>5/28/2014</a:t>
             </a:fld>
             <a:endParaRPr lang="en-US" dirty="0"/>
           </a:p>
@@ -3690,7 +1675,7 @@
           <a:lstStyle/>
           <a:p>
             <a:fld id="{D57F1E4F-1CFF-5643-939E-217C01CDF565}" type="slidenum">
-              <a:rPr lang="en-US" dirty="0"/>
+              <a:rPr lang="en-US" smtClean="0"/>
               <a:pPr/>
               <a:t>‹#›</a:t>
             </a:fld>
@@ -3699,6 +1684,11 @@
         </p:txBody>
       </p:sp>
     </p:spTree>
+    <p:extLst>
+      <p:ext uri="{BB962C8B-B14F-4D97-AF65-F5344CB8AC3E}">
+        <p14:creationId xmlns:p14="http://schemas.microsoft.com/office/powerpoint/2010/main" val="2356024436"/>
+      </p:ext>
+    </p:extLst>
   </p:cSld>
   <p:clrMapOvr>
     <a:masterClrMapping/>
@@ -3742,7 +1732,7 @@
               <a:rPr lang="en-US" smtClean="0"/>
               <a:t>Click to edit Master title style</a:t>
             </a:r>
-            <a:endParaRPr lang="en-US" dirty="0"/>
+            <a:endParaRPr lang="en-US"/>
           </a:p>
         </p:txBody>
       </p:sp>
@@ -3762,9 +1752,9 @@
           <a:lstStyle/>
           <a:p>
             <a:fld id="{B61BEF0D-F0BB-DE4B-95CE-6DB70DBA9567}" type="datetimeFigureOut">
-              <a:rPr lang="en-US" dirty="0"/>
+              <a:rPr lang="en-US" smtClean="0"/>
               <a:pPr/>
-              <a:t>5/21/2014</a:t>
+              <a:t>5/28/2014</a:t>
             </a:fld>
             <a:endParaRPr lang="en-US" dirty="0"/>
           </a:p>
@@ -3805,7 +1795,7 @@
           <a:lstStyle/>
           <a:p>
             <a:fld id="{D57F1E4F-1CFF-5643-939E-217C01CDF565}" type="slidenum">
-              <a:rPr lang="en-US" dirty="0"/>
+              <a:rPr lang="en-US" smtClean="0"/>
               <a:pPr/>
               <a:t>‹#›</a:t>
             </a:fld>
@@ -3814,6 +1804,11 @@
         </p:txBody>
       </p:sp>
     </p:spTree>
+    <p:extLst>
+      <p:ext uri="{BB962C8B-B14F-4D97-AF65-F5344CB8AC3E}">
+        <p14:creationId xmlns:p14="http://schemas.microsoft.com/office/powerpoint/2010/main" val="3970437243"/>
+      </p:ext>
+    </p:extLst>
   </p:cSld>
   <p:clrMapOvr>
     <a:masterClrMapping/>
@@ -3854,9 +1849,9 @@
           <a:lstStyle/>
           <a:p>
             <a:fld id="{B61BEF0D-F0BB-DE4B-95CE-6DB70DBA9567}" type="datetimeFigureOut">
-              <a:rPr lang="en-US" dirty="0"/>
+              <a:rPr lang="en-US" smtClean="0"/>
               <a:pPr/>
-              <a:t>5/21/2014</a:t>
+              <a:t>5/28/2014</a:t>
             </a:fld>
             <a:endParaRPr lang="en-US" dirty="0"/>
           </a:p>
@@ -3897,7 +1892,7 @@
           <a:lstStyle/>
           <a:p>
             <a:fld id="{D57F1E4F-1CFF-5643-939E-217C01CDF565}" type="slidenum">
-              <a:rPr lang="en-US" dirty="0"/>
+              <a:rPr lang="en-US" smtClean="0"/>
               <a:pPr/>
               <a:t>‹#›</a:t>
             </a:fld>
@@ -3906,6 +1901,11 @@
         </p:txBody>
       </p:sp>
     </p:spTree>
+    <p:extLst>
+      <p:ext uri="{BB962C8B-B14F-4D97-AF65-F5344CB8AC3E}">
+        <p14:creationId xmlns:p14="http://schemas.microsoft.com/office/powerpoint/2010/main" val="2409297376"/>
+      </p:ext>
+    </p:extLst>
   </p:cSld>
   <p:clrMapOvr>
     <a:masterClrMapping/>
@@ -3942,17 +1942,15 @@
         </p:nvSpPr>
         <p:spPr>
           <a:xfrm>
-            <a:off x="7085012" y="685800"/>
-            <a:ext cx="3657600" cy="1371600"/>
+            <a:off x="839788" y="457200"/>
+            <a:ext cx="3932237" cy="1600200"/>
           </a:xfrm>
         </p:spPr>
         <p:txBody>
-          <a:bodyPr anchor="b">
-            <a:normAutofit/>
-          </a:bodyPr>
+          <a:bodyPr anchor="b"/>
           <a:lstStyle>
-            <a:lvl1pPr algn="l">
-              <a:defRPr sz="2400" b="0"/>
+            <a:lvl1pPr>
+              <a:defRPr sz="3200"/>
             </a:lvl1pPr>
           </a:lstStyle>
           <a:p>
@@ -3960,7 +1958,7 @@
               <a:rPr lang="en-US" smtClean="0"/>
               <a:t>Click to edit Master title style</a:t>
             </a:r>
-            <a:endParaRPr lang="en-US" dirty="0"/>
+            <a:endParaRPr lang="en-US"/>
           </a:p>
         </p:txBody>
       </p:sp>
@@ -3976,15 +1974,41 @@
         </p:nvSpPr>
         <p:spPr>
           <a:xfrm>
-            <a:off x="684212" y="685800"/>
-            <a:ext cx="5943601" cy="5308600"/>
+            <a:off x="5183188" y="987425"/>
+            <a:ext cx="6172200" cy="4873625"/>
           </a:xfrm>
         </p:spPr>
         <p:txBody>
-          <a:bodyPr anchor="ctr">
-            <a:normAutofit/>
-          </a:bodyPr>
-          <a:lstStyle/>
+          <a:bodyPr/>
+          <a:lstStyle>
+            <a:lvl1pPr>
+              <a:defRPr sz="3200"/>
+            </a:lvl1pPr>
+            <a:lvl2pPr>
+              <a:defRPr sz="2800"/>
+            </a:lvl2pPr>
+            <a:lvl3pPr>
+              <a:defRPr sz="2400"/>
+            </a:lvl3pPr>
+            <a:lvl4pPr>
+              <a:defRPr sz="2000"/>
+            </a:lvl4pPr>
+            <a:lvl5pPr>
+              <a:defRPr sz="2000"/>
+            </a:lvl5pPr>
+            <a:lvl6pPr>
+              <a:defRPr sz="2000"/>
+            </a:lvl6pPr>
+            <a:lvl7pPr>
+              <a:defRPr sz="2000"/>
+            </a:lvl7pPr>
+            <a:lvl8pPr>
+              <a:defRPr sz="2000"/>
+            </a:lvl8pPr>
+            <a:lvl9pPr>
+              <a:defRPr sz="2000"/>
+            </a:lvl9pPr>
+          </a:lstStyle>
           <a:p>
             <a:pPr lvl="0"/>
             <a:r>
@@ -4019,7 +2043,7 @@
               <a:rPr lang="en-US" smtClean="0"/>
               <a:t>Fifth level</a:t>
             </a:r>
-            <a:endParaRPr lang="en-US" dirty="0"/>
+            <a:endParaRPr lang="en-US"/>
           </a:p>
         </p:txBody>
       </p:sp>
@@ -4035,14 +2059,12 @@
         </p:nvSpPr>
         <p:spPr>
           <a:xfrm>
-            <a:off x="7085012" y="2209799"/>
-            <a:ext cx="3657600" cy="2091267"/>
+            <a:off x="839788" y="2057400"/>
+            <a:ext cx="3932237" cy="3811588"/>
           </a:xfrm>
         </p:spPr>
         <p:txBody>
-          <a:bodyPr anchor="t">
-            <a:normAutofit/>
-          </a:bodyPr>
+          <a:bodyPr/>
           <a:lstStyle>
             <a:lvl1pPr marL="0" indent="0">
               <a:buNone/>
@@ -4050,35 +2072,35 @@
             </a:lvl1pPr>
             <a:lvl2pPr marL="457200" indent="0">
               <a:buNone/>
-              <a:defRPr sz="1200"/>
+              <a:defRPr sz="1400"/>
             </a:lvl2pPr>
             <a:lvl3pPr marL="914400" indent="0">
               <a:buNone/>
-              <a:defRPr sz="1000"/>
+              <a:defRPr sz="1200"/>
             </a:lvl3pPr>
             <a:lvl4pPr marL="1371600" indent="0">
               <a:buNone/>
-              <a:defRPr sz="900"/>
+              <a:defRPr sz="1000"/>
             </a:lvl4pPr>
             <a:lvl5pPr marL="1828800" indent="0">
               <a:buNone/>
-              <a:defRPr sz="900"/>
+              <a:defRPr sz="1000"/>
             </a:lvl5pPr>
             <a:lvl6pPr marL="2286000" indent="0">
               <a:buNone/>
-              <a:defRPr sz="900"/>
+              <a:defRPr sz="1000"/>
             </a:lvl6pPr>
             <a:lvl7pPr marL="2743200" indent="0">
               <a:buNone/>
-              <a:defRPr sz="900"/>
+              <a:defRPr sz="1000"/>
             </a:lvl7pPr>
             <a:lvl8pPr marL="3200400" indent="0">
               <a:buNone/>
-              <a:defRPr sz="900"/>
+              <a:defRPr sz="1000"/>
             </a:lvl8pPr>
             <a:lvl9pPr marL="3657600" indent="0">
               <a:buNone/>
-              <a:defRPr sz="900"/>
+              <a:defRPr sz="1000"/>
             </a:lvl9pPr>
           </a:lstStyle>
           <a:p>
@@ -4106,9 +2128,9 @@
           <a:lstStyle/>
           <a:p>
             <a:fld id="{B61BEF0D-F0BB-DE4B-95CE-6DB70DBA9567}" type="datetimeFigureOut">
-              <a:rPr lang="en-US" dirty="0"/>
+              <a:rPr lang="en-US" smtClean="0"/>
               <a:pPr/>
-              <a:t>5/21/2014</a:t>
+              <a:t>5/28/2014</a:t>
             </a:fld>
             <a:endParaRPr lang="en-US" dirty="0"/>
           </a:p>
@@ -4149,7 +2171,7 @@
           <a:lstStyle/>
           <a:p>
             <a:fld id="{D57F1E4F-1CFF-5643-939E-217C01CDF565}" type="slidenum">
-              <a:rPr lang="en-US" dirty="0"/>
+              <a:rPr lang="en-US" smtClean="0"/>
               <a:pPr/>
               <a:t>‹#›</a:t>
             </a:fld>
@@ -4158,6 +2180,11 @@
         </p:txBody>
       </p:sp>
     </p:spTree>
+    <p:extLst>
+      <p:ext uri="{BB962C8B-B14F-4D97-AF65-F5344CB8AC3E}">
+        <p14:creationId xmlns:p14="http://schemas.microsoft.com/office/powerpoint/2010/main" val="4274459147"/>
+      </p:ext>
+    </p:extLst>
   </p:cSld>
   <p:clrMapOvr>
     <a:masterClrMapping/>
@@ -4194,17 +2221,15 @@
         </p:nvSpPr>
         <p:spPr>
           <a:xfrm>
-            <a:off x="4722812" y="1447800"/>
-            <a:ext cx="6019800" cy="1143000"/>
+            <a:off x="839788" y="457200"/>
+            <a:ext cx="3932237" cy="1600200"/>
           </a:xfrm>
         </p:spPr>
         <p:txBody>
-          <a:bodyPr anchor="b">
-            <a:normAutofit/>
-          </a:bodyPr>
+          <a:bodyPr anchor="b"/>
           <a:lstStyle>
-            <a:lvl1pPr algn="l">
-              <a:defRPr sz="2800" b="0"/>
+            <a:lvl1pPr>
+              <a:defRPr sz="3200"/>
             </a:lvl1pPr>
           </a:lstStyle>
           <a:p>
@@ -4212,15 +2237,15 @@
               <a:rPr lang="en-US" smtClean="0"/>
               <a:t>Click to edit Master title style</a:t>
             </a:r>
-            <a:endParaRPr lang="en-US" dirty="0"/>
-          </a:p>
-        </p:txBody>
-      </p:sp>
-      <p:sp>
-        <p:nvSpPr>
-          <p:cNvPr id="14" name="Picture Placeholder 2"/>
-          <p:cNvSpPr>
-            <a:spLocks noGrp="1" noChangeAspect="1"/>
+            <a:endParaRPr lang="en-US"/>
+          </a:p>
+        </p:txBody>
+      </p:sp>
+      <p:sp>
+        <p:nvSpPr>
+          <p:cNvPr id="3" name="Picture Placeholder 2"/>
+          <p:cNvSpPr>
+            <a:spLocks noGrp="1"/>
           </p:cNvSpPr>
           <p:nvPr>
             <p:ph type="pic" idx="1"/>
@@ -4228,140 +2253,112 @@
         </p:nvSpPr>
         <p:spPr>
           <a:xfrm>
-            <a:off x="989012" y="914400"/>
-            <a:ext cx="3280974" cy="4572000"/>
+            <a:off x="5183188" y="987425"/>
+            <a:ext cx="6172200" cy="4873625"/>
           </a:xfrm>
-          <a:prstGeom prst="snip2DiagRect">
-            <a:avLst>
-              <a:gd name="adj1" fmla="val 10815"/>
-              <a:gd name="adj2" fmla="val 0"/>
-            </a:avLst>
-          </a:prstGeom>
-          <a:ln w="15875">
-            <a:solidFill>
-              <a:schemeClr val="tx1">
-                <a:alpha val="40000"/>
-              </a:schemeClr>
-            </a:solidFill>
-          </a:ln>
-          <a:effectLst>
-            <a:innerShdw blurRad="57150" dist="38100" dir="14460000">
-              <a:srgbClr val="000000">
-                <a:alpha val="70000"/>
-              </a:srgbClr>
-            </a:innerShdw>
-          </a:effectLst>
         </p:spPr>
         <p:txBody>
-          <a:bodyPr anchor="t">
-            <a:normAutofit/>
-          </a:bodyPr>
+          <a:bodyPr/>
           <a:lstStyle>
-            <a:lvl1pPr marL="0" indent="0" algn="ctr">
+            <a:lvl1pPr marL="0" indent="0">
+              <a:buNone/>
+              <a:defRPr sz="3200"/>
+            </a:lvl1pPr>
+            <a:lvl2pPr marL="457200" indent="0">
+              <a:buNone/>
+              <a:defRPr sz="2800"/>
+            </a:lvl2pPr>
+            <a:lvl3pPr marL="914400" indent="0">
+              <a:buNone/>
+              <a:defRPr sz="2400"/>
+            </a:lvl3pPr>
+            <a:lvl4pPr marL="1371600" indent="0">
+              <a:buNone/>
+              <a:defRPr sz="2000"/>
+            </a:lvl4pPr>
+            <a:lvl5pPr marL="1828800" indent="0">
+              <a:buNone/>
+              <a:defRPr sz="2000"/>
+            </a:lvl5pPr>
+            <a:lvl6pPr marL="2286000" indent="0">
+              <a:buNone/>
+              <a:defRPr sz="2000"/>
+            </a:lvl6pPr>
+            <a:lvl7pPr marL="2743200" indent="0">
+              <a:buNone/>
+              <a:defRPr sz="2000"/>
+            </a:lvl7pPr>
+            <a:lvl8pPr marL="3200400" indent="0">
+              <a:buNone/>
+              <a:defRPr sz="2000"/>
+            </a:lvl8pPr>
+            <a:lvl9pPr marL="3657600" indent="0">
+              <a:buNone/>
+              <a:defRPr sz="2000"/>
+            </a:lvl9pPr>
+          </a:lstStyle>
+          <a:p>
+            <a:endParaRPr lang="en-US"/>
+          </a:p>
+        </p:txBody>
+      </p:sp>
+      <p:sp>
+        <p:nvSpPr>
+          <p:cNvPr id="4" name="Text Placeholder 3"/>
+          <p:cNvSpPr>
+            <a:spLocks noGrp="1"/>
+          </p:cNvSpPr>
+          <p:nvPr>
+            <p:ph type="body" sz="half" idx="2"/>
+          </p:nvPr>
+        </p:nvSpPr>
+        <p:spPr>
+          <a:xfrm>
+            <a:off x="839788" y="2057400"/>
+            <a:ext cx="3932237" cy="3811588"/>
+          </a:xfrm>
+        </p:spPr>
+        <p:txBody>
+          <a:bodyPr/>
+          <a:lstStyle>
+            <a:lvl1pPr marL="0" indent="0">
               <a:buNone/>
               <a:defRPr sz="1600"/>
             </a:lvl1pPr>
             <a:lvl2pPr marL="457200" indent="0">
               <a:buNone/>
-              <a:defRPr sz="1600"/>
+              <a:defRPr sz="1400"/>
             </a:lvl2pPr>
             <a:lvl3pPr marL="914400" indent="0">
               <a:buNone/>
-              <a:defRPr sz="1600"/>
+              <a:defRPr sz="1200"/>
             </a:lvl3pPr>
             <a:lvl4pPr marL="1371600" indent="0">
               <a:buNone/>
-              <a:defRPr sz="1600"/>
+              <a:defRPr sz="1000"/>
             </a:lvl4pPr>
             <a:lvl5pPr marL="1828800" indent="0">
               <a:buNone/>
-              <a:defRPr sz="1600"/>
+              <a:defRPr sz="1000"/>
             </a:lvl5pPr>
             <a:lvl6pPr marL="2286000" indent="0">
               <a:buNone/>
-              <a:defRPr sz="1600"/>
+              <a:defRPr sz="1000"/>
             </a:lvl6pPr>
             <a:lvl7pPr marL="2743200" indent="0">
               <a:buNone/>
-              <a:defRPr sz="1600"/>
+              <a:defRPr sz="1000"/>
             </a:lvl7pPr>
             <a:lvl8pPr marL="3200400" indent="0">
               <a:buNone/>
-              <a:defRPr sz="1600"/>
+              <a:defRPr sz="1000"/>
             </a:lvl8pPr>
             <a:lvl9pPr marL="3657600" indent="0">
               <a:buNone/>
-              <a:defRPr sz="1600"/>
+              <a:defRPr sz="1000"/>
             </a:lvl9pPr>
           </a:lstStyle>
           <a:p>
-            <a:r>
-              <a:rPr lang="en-US" smtClean="0"/>
-              <a:t>Click icon to add picture</a:t>
-            </a:r>
-            <a:endParaRPr lang="en-US" dirty="0"/>
-          </a:p>
-        </p:txBody>
-      </p:sp>
-      <p:sp>
-        <p:nvSpPr>
-          <p:cNvPr id="4" name="Text Placeholder 3"/>
-          <p:cNvSpPr>
-            <a:spLocks noGrp="1"/>
-          </p:cNvSpPr>
-          <p:nvPr>
-            <p:ph type="body" sz="half" idx="2"/>
-          </p:nvPr>
-        </p:nvSpPr>
-        <p:spPr>
-          <a:xfrm>
-            <a:off x="4722812" y="2777066"/>
-            <a:ext cx="6021388" cy="2048933"/>
-          </a:xfrm>
-        </p:spPr>
-        <p:txBody>
-          <a:bodyPr anchor="t">
-            <a:normAutofit/>
-          </a:bodyPr>
-          <a:lstStyle>
-            <a:lvl1pPr marL="0" indent="0">
-              <a:buNone/>
-              <a:defRPr sz="1800"/>
-            </a:lvl1pPr>
-            <a:lvl2pPr marL="457200" indent="0">
-              <a:buNone/>
-              <a:defRPr sz="1200"/>
-            </a:lvl2pPr>
-            <a:lvl3pPr marL="914400" indent="0">
-              <a:buNone/>
-              <a:defRPr sz="1000"/>
-            </a:lvl3pPr>
-            <a:lvl4pPr marL="1371600" indent="0">
-              <a:buNone/>
-              <a:defRPr sz="900"/>
-            </a:lvl4pPr>
-            <a:lvl5pPr marL="1828800" indent="0">
-              <a:buNone/>
-              <a:defRPr sz="900"/>
-            </a:lvl5pPr>
-            <a:lvl6pPr marL="2286000" indent="0">
-              <a:buNone/>
-              <a:defRPr sz="900"/>
-            </a:lvl6pPr>
-            <a:lvl7pPr marL="2743200" indent="0">
-              <a:buNone/>
-              <a:defRPr sz="900"/>
-            </a:lvl7pPr>
-            <a:lvl8pPr marL="3200400" indent="0">
-              <a:buNone/>
-              <a:defRPr sz="900"/>
-            </a:lvl8pPr>
-            <a:lvl9pPr marL="3657600" indent="0">
-              <a:buNone/>
-              <a:defRPr sz="900"/>
-            </a:lvl9pPr>
-          </a:lstStyle>
-          <a:p>
             <a:pPr lvl="0"/>
             <a:r>
               <a:rPr lang="en-US" smtClean="0"/>
@@ -4386,9 +2383,9 @@
           <a:lstStyle/>
           <a:p>
             <a:fld id="{B61BEF0D-F0BB-DE4B-95CE-6DB70DBA9567}" type="datetimeFigureOut">
-              <a:rPr lang="en-US" dirty="0"/>
+              <a:rPr lang="en-US" smtClean="0"/>
               <a:pPr/>
-              <a:t>5/21/2014</a:t>
+              <a:t>5/28/2014</a:t>
             </a:fld>
             <a:endParaRPr lang="en-US" dirty="0"/>
           </a:p>
@@ -4429,7 +2426,7 @@
           <a:lstStyle/>
           <a:p>
             <a:fld id="{D57F1E4F-1CFF-5643-939E-217C01CDF565}" type="slidenum">
-              <a:rPr lang="en-US" dirty="0"/>
+              <a:rPr lang="en-US" smtClean="0"/>
               <a:pPr/>
               <a:t>‹#›</a:t>
             </a:fld>
@@ -4438,6 +2435,11 @@
         </p:txBody>
       </p:sp>
     </p:spTree>
+    <p:extLst>
+      <p:ext uri="{BB962C8B-B14F-4D97-AF65-F5344CB8AC3E}">
+        <p14:creationId xmlns:p14="http://schemas.microsoft.com/office/powerpoint/2010/main" val="2074083169"/>
+      </p:ext>
+    </p:extLst>
   </p:cSld>
   <p:clrMapOvr>
     <a:masterClrMapping/>
@@ -4449,8 +2451,8 @@
 <p:sldMaster xmlns:a="http://schemas.openxmlformats.org/drawingml/2006/main" xmlns:r="http://schemas.openxmlformats.org/officeDocument/2006/relationships" xmlns:p="http://schemas.openxmlformats.org/presentationml/2006/main">
   <p:cSld>
     <p:bg>
-      <p:bgRef idx="1002">
-        <a:schemeClr val="bg2"/>
+      <p:bgRef idx="1001">
+        <a:schemeClr val="bg1"/>
       </p:bgRef>
     </p:bg>
     <p:spTree>
@@ -4467,196 +2469,6 @@
           <a:chExt cx="0" cy="0"/>
         </a:xfrm>
       </p:grpSpPr>
-      <p:grpSp>
-        <p:nvGrpSpPr>
-          <p:cNvPr id="7" name="Group 6"/>
-          <p:cNvGrpSpPr/>
-          <p:nvPr/>
-        </p:nvGrpSpPr>
-        <p:grpSpPr>
-          <a:xfrm>
-            <a:off x="9206969" y="2963333"/>
-            <a:ext cx="2981858" cy="3208867"/>
-            <a:chOff x="9206969" y="2963333"/>
-            <a:chExt cx="2981858" cy="3208867"/>
-          </a:xfrm>
-        </p:grpSpPr>
-        <p:cxnSp>
-          <p:nvCxnSpPr>
-            <p:cNvPr id="8" name="Straight Connector 7"/>
-            <p:cNvCxnSpPr/>
-            <p:nvPr/>
-          </p:nvCxnSpPr>
-          <p:spPr>
-            <a:xfrm flipH="1">
-              <a:off x="11276012" y="2963333"/>
-              <a:ext cx="912814" cy="912812"/>
-            </a:xfrm>
-            <a:prstGeom prst="line">
-              <a:avLst/>
-            </a:prstGeom>
-            <a:ln w="9525">
-              <a:solidFill>
-                <a:schemeClr val="tx1"/>
-              </a:solidFill>
-            </a:ln>
-          </p:spPr>
-          <p:style>
-            <a:lnRef idx="2">
-              <a:schemeClr val="accent1"/>
-            </a:lnRef>
-            <a:fillRef idx="0">
-              <a:schemeClr val="accent1"/>
-            </a:fillRef>
-            <a:effectRef idx="1">
-              <a:schemeClr val="accent1"/>
-            </a:effectRef>
-            <a:fontRef idx="minor">
-              <a:schemeClr val="tx1"/>
-            </a:fontRef>
-          </p:style>
-        </p:cxnSp>
-        <p:cxnSp>
-          <p:nvCxnSpPr>
-            <p:cNvPr id="9" name="Straight Connector 8"/>
-            <p:cNvCxnSpPr/>
-            <p:nvPr/>
-          </p:nvCxnSpPr>
-          <p:spPr>
-            <a:xfrm flipH="1">
-              <a:off x="9206969" y="3190344"/>
-              <a:ext cx="2981857" cy="2981856"/>
-            </a:xfrm>
-            <a:prstGeom prst="line">
-              <a:avLst/>
-            </a:prstGeom>
-            <a:ln w="9525">
-              <a:solidFill>
-                <a:schemeClr val="tx1"/>
-              </a:solidFill>
-            </a:ln>
-          </p:spPr>
-          <p:style>
-            <a:lnRef idx="2">
-              <a:schemeClr val="accent1"/>
-            </a:lnRef>
-            <a:fillRef idx="0">
-              <a:schemeClr val="accent1"/>
-            </a:fillRef>
-            <a:effectRef idx="1">
-              <a:schemeClr val="accent1"/>
-            </a:effectRef>
-            <a:fontRef idx="minor">
-              <a:schemeClr val="tx1"/>
-            </a:fontRef>
-          </p:style>
-        </p:cxnSp>
-        <p:cxnSp>
-          <p:nvCxnSpPr>
-            <p:cNvPr id="10" name="Straight Connector 9"/>
-            <p:cNvCxnSpPr/>
-            <p:nvPr/>
-          </p:nvCxnSpPr>
-          <p:spPr>
-            <a:xfrm flipH="1">
-              <a:off x="10292292" y="3285067"/>
-              <a:ext cx="1896534" cy="1896533"/>
-            </a:xfrm>
-            <a:prstGeom prst="line">
-              <a:avLst/>
-            </a:prstGeom>
-            <a:ln w="9525">
-              <a:solidFill>
-                <a:schemeClr val="tx1"/>
-              </a:solidFill>
-            </a:ln>
-          </p:spPr>
-          <p:style>
-            <a:lnRef idx="2">
-              <a:schemeClr val="accent1"/>
-            </a:lnRef>
-            <a:fillRef idx="0">
-              <a:schemeClr val="accent1"/>
-            </a:fillRef>
-            <a:effectRef idx="1">
-              <a:schemeClr val="accent1"/>
-            </a:effectRef>
-            <a:fontRef idx="minor">
-              <a:schemeClr val="tx1"/>
-            </a:fontRef>
-          </p:style>
-        </p:cxnSp>
-        <p:cxnSp>
-          <p:nvCxnSpPr>
-            <p:cNvPr id="11" name="Straight Connector 10"/>
-            <p:cNvCxnSpPr/>
-            <p:nvPr/>
-          </p:nvCxnSpPr>
-          <p:spPr>
-            <a:xfrm flipH="1">
-              <a:off x="10443103" y="3131080"/>
-              <a:ext cx="1745722" cy="1745720"/>
-            </a:xfrm>
-            <a:prstGeom prst="line">
-              <a:avLst/>
-            </a:prstGeom>
-            <a:ln w="28575">
-              <a:solidFill>
-                <a:schemeClr val="tx1"/>
-              </a:solidFill>
-            </a:ln>
-          </p:spPr>
-          <p:style>
-            <a:lnRef idx="2">
-              <a:schemeClr val="accent1"/>
-            </a:lnRef>
-            <a:fillRef idx="0">
-              <a:schemeClr val="accent1"/>
-            </a:fillRef>
-            <a:effectRef idx="1">
-              <a:schemeClr val="accent1"/>
-            </a:effectRef>
-            <a:fontRef idx="minor">
-              <a:schemeClr val="tx1"/>
-            </a:fontRef>
-          </p:style>
-        </p:cxnSp>
-        <p:cxnSp>
-          <p:nvCxnSpPr>
-            <p:cNvPr id="12" name="Straight Connector 11"/>
-            <p:cNvCxnSpPr/>
-            <p:nvPr/>
-          </p:nvCxnSpPr>
-          <p:spPr>
-            <a:xfrm flipH="1">
-              <a:off x="10918826" y="3683001"/>
-              <a:ext cx="1270001" cy="1269999"/>
-            </a:xfrm>
-            <a:prstGeom prst="line">
-              <a:avLst/>
-            </a:prstGeom>
-            <a:ln w="28575">
-              <a:solidFill>
-                <a:schemeClr val="tx1"/>
-              </a:solidFill>
-            </a:ln>
-          </p:spPr>
-          <p:style>
-            <a:lnRef idx="2">
-              <a:schemeClr val="accent1"/>
-            </a:lnRef>
-            <a:fillRef idx="0">
-              <a:schemeClr val="accent1"/>
-            </a:fillRef>
-            <a:effectRef idx="1">
-              <a:schemeClr val="accent1"/>
-            </a:effectRef>
-            <a:fontRef idx="minor">
-              <a:schemeClr val="tx1"/>
-            </a:fontRef>
-          </p:style>
-        </p:cxnSp>
-      </p:grpSp>
       <p:sp>
         <p:nvSpPr>
           <p:cNvPr id="2" name="Title Placeholder 1"/>
@@ -4669,42 +2481,8 @@
         </p:nvSpPr>
         <p:spPr>
           <a:xfrm>
-            <a:off x="684212" y="4487332"/>
-            <a:ext cx="8534400" cy="1507067"/>
-          </a:xfrm>
-          <a:prstGeom prst="rect">
-            <a:avLst/>
-          </a:prstGeom>
-          <a:effectLst/>
-        </p:spPr>
-        <p:txBody>
-          <a:bodyPr vert="horz" lIns="91440" tIns="45720" rIns="91440" bIns="45720" rtlCol="0" anchor="ctr">
-            <a:normAutofit/>
-          </a:bodyPr>
-          <a:lstStyle/>
-          <a:p>
-            <a:r>
-              <a:rPr lang="en-US" smtClean="0"/>
-              <a:t>Click to edit Master title style</a:t>
-            </a:r>
-            <a:endParaRPr lang="en-US" dirty="0"/>
-          </a:p>
-        </p:txBody>
-      </p:sp>
-      <p:sp>
-        <p:nvSpPr>
-          <p:cNvPr id="3" name="Text Placeholder 2"/>
-          <p:cNvSpPr>
-            <a:spLocks noGrp="1"/>
-          </p:cNvSpPr>
-          <p:nvPr>
-            <p:ph type="body" idx="1"/>
-          </p:nvPr>
-        </p:nvSpPr>
-        <p:spPr>
-          <a:xfrm>
-            <a:off x="684212" y="685800"/>
-            <a:ext cx="8534400" cy="3615267"/>
+            <a:off x="838200" y="365125"/>
+            <a:ext cx="10515600" cy="1325563"/>
           </a:xfrm>
           <a:prstGeom prst="rect">
             <a:avLst/>
@@ -4716,163 +2494,190 @@
           </a:bodyPr>
           <a:lstStyle/>
           <a:p>
-            <a:pPr lvl="0"/>
-            <a:r>
-              <a:rPr lang="en-US" smtClean="0"/>
-              <a:t>Click to edit Master text styles</a:t>
-            </a:r>
-          </a:p>
-          <a:p>
-            <a:pPr lvl="1"/>
-            <a:r>
-              <a:rPr lang="en-US" smtClean="0"/>
-              <a:t>Second level</a:t>
-            </a:r>
-          </a:p>
-          <a:p>
-            <a:pPr lvl="2"/>
-            <a:r>
-              <a:rPr lang="en-US" smtClean="0"/>
-              <a:t>Third level</a:t>
-            </a:r>
-          </a:p>
-          <a:p>
-            <a:pPr lvl="3"/>
-            <a:r>
-              <a:rPr lang="en-US" smtClean="0"/>
-              <a:t>Fourth level</a:t>
-            </a:r>
-          </a:p>
-          <a:p>
-            <a:pPr lvl="4"/>
-            <a:r>
-              <a:rPr lang="en-US" smtClean="0"/>
-              <a:t>Fifth level</a:t>
-            </a:r>
-            <a:endParaRPr lang="en-US" dirty="0"/>
-          </a:p>
-        </p:txBody>
-      </p:sp>
-      <p:sp>
-        <p:nvSpPr>
-          <p:cNvPr id="4" name="Date Placeholder 3"/>
-          <p:cNvSpPr>
-            <a:spLocks noGrp="1"/>
-          </p:cNvSpPr>
-          <p:nvPr>
-            <p:ph type="dt" sz="half" idx="2"/>
+            <a:r>
+              <a:rPr lang="en-US" smtClean="0"/>
+              <a:t>Click to edit Master title style</a:t>
+            </a:r>
+            <a:endParaRPr lang="en-US"/>
+          </a:p>
+        </p:txBody>
+      </p:sp>
+      <p:sp>
+        <p:nvSpPr>
+          <p:cNvPr id="3" name="Text Placeholder 2"/>
+          <p:cNvSpPr>
+            <a:spLocks noGrp="1"/>
+          </p:cNvSpPr>
+          <p:nvPr>
+            <p:ph type="body" idx="1"/>
           </p:nvPr>
         </p:nvSpPr>
         <p:spPr>
           <a:xfrm>
-            <a:off x="9904412" y="6172200"/>
-            <a:ext cx="1600200" cy="365125"/>
+            <a:off x="838200" y="1825625"/>
+            <a:ext cx="10515600" cy="4351338"/>
           </a:xfrm>
           <a:prstGeom prst="rect">
             <a:avLst/>
           </a:prstGeom>
         </p:spPr>
         <p:txBody>
-          <a:bodyPr vert="horz" lIns="91440" tIns="45720" rIns="91440" bIns="45720" rtlCol="0" anchor="t"/>
-          <a:lstStyle>
-            <a:lvl1pPr algn="r">
-              <a:defRPr sz="1000" b="0" i="0">
-                <a:solidFill>
-                  <a:schemeClr val="bg2">
-                    <a:lumMod val="50000"/>
-                  </a:schemeClr>
-                </a:solidFill>
-                <a:effectLst/>
-                <a:latin typeface="+mn-lt"/>
-              </a:defRPr>
-            </a:lvl1pPr>
-          </a:lstStyle>
-          <a:p>
-            <a:fld id="{B61BEF0D-F0BB-DE4B-95CE-6DB70DBA9567}" type="datetimeFigureOut">
-              <a:rPr lang="en-US" dirty="0"/>
-              <a:pPr/>
-              <a:t>5/21/2014</a:t>
-            </a:fld>
-            <a:endParaRPr lang="en-US" dirty="0"/>
-          </a:p>
-        </p:txBody>
-      </p:sp>
-      <p:sp>
-        <p:nvSpPr>
-          <p:cNvPr id="5" name="Footer Placeholder 4"/>
-          <p:cNvSpPr>
-            <a:spLocks noGrp="1"/>
-          </p:cNvSpPr>
-          <p:nvPr>
-            <p:ph type="ftr" sz="quarter" idx="3"/>
+          <a:bodyPr vert="horz" lIns="91440" tIns="45720" rIns="91440" bIns="45720" rtlCol="0">
+            <a:normAutofit/>
+          </a:bodyPr>
+          <a:lstStyle/>
+          <a:p>
+            <a:pPr lvl="0"/>
+            <a:r>
+              <a:rPr lang="en-US" smtClean="0"/>
+              <a:t>Click to edit Master text styles</a:t>
+            </a:r>
+          </a:p>
+          <a:p>
+            <a:pPr lvl="1"/>
+            <a:r>
+              <a:rPr lang="en-US" smtClean="0"/>
+              <a:t>Second level</a:t>
+            </a:r>
+          </a:p>
+          <a:p>
+            <a:pPr lvl="2"/>
+            <a:r>
+              <a:rPr lang="en-US" smtClean="0"/>
+              <a:t>Third level</a:t>
+            </a:r>
+          </a:p>
+          <a:p>
+            <a:pPr lvl="3"/>
+            <a:r>
+              <a:rPr lang="en-US" smtClean="0"/>
+              <a:t>Fourth level</a:t>
+            </a:r>
+          </a:p>
+          <a:p>
+            <a:pPr lvl="4"/>
+            <a:r>
+              <a:rPr lang="en-US" smtClean="0"/>
+              <a:t>Fifth level</a:t>
+            </a:r>
+            <a:endParaRPr lang="en-US"/>
+          </a:p>
+        </p:txBody>
+      </p:sp>
+      <p:sp>
+        <p:nvSpPr>
+          <p:cNvPr id="4" name="Date Placeholder 3"/>
+          <p:cNvSpPr>
+            <a:spLocks noGrp="1"/>
+          </p:cNvSpPr>
+          <p:nvPr>
+            <p:ph type="dt" sz="half" idx="2"/>
           </p:nvPr>
         </p:nvSpPr>
         <p:spPr>
           <a:xfrm>
-            <a:off x="684212" y="6172200"/>
-            <a:ext cx="7543800" cy="365125"/>
+            <a:off x="838200" y="6356350"/>
+            <a:ext cx="2743200" cy="365125"/>
           </a:xfrm>
           <a:prstGeom prst="rect">
             <a:avLst/>
           </a:prstGeom>
         </p:spPr>
         <p:txBody>
-          <a:bodyPr vert="horz" lIns="91440" tIns="45720" rIns="91440" bIns="45720" rtlCol="0" anchor="t"/>
+          <a:bodyPr vert="horz" lIns="91440" tIns="45720" rIns="91440" bIns="45720" rtlCol="0" anchor="ctr"/>
           <a:lstStyle>
             <a:lvl1pPr algn="l">
-              <a:defRPr sz="1000" b="0" i="0">
+              <a:defRPr sz="1200">
                 <a:solidFill>
-                  <a:schemeClr val="bg2">
-                    <a:lumMod val="50000"/>
+                  <a:schemeClr val="tx1">
+                    <a:tint val="75000"/>
                   </a:schemeClr>
                 </a:solidFill>
-                <a:effectLst/>
-                <a:latin typeface="+mn-lt"/>
               </a:defRPr>
             </a:lvl1pPr>
           </a:lstStyle>
           <a:p>
+            <a:fld id="{B61BEF0D-F0BB-DE4B-95CE-6DB70DBA9567}" type="datetimeFigureOut">
+              <a:rPr lang="en-US" smtClean="0"/>
+              <a:pPr/>
+              <a:t>5/28/2014</a:t>
+            </a:fld>
             <a:endParaRPr lang="en-US" dirty="0"/>
           </a:p>
         </p:txBody>
       </p:sp>
       <p:sp>
         <p:nvSpPr>
-          <p:cNvPr id="6" name="Slide Number Placeholder 5"/>
-          <p:cNvSpPr>
-            <a:spLocks noGrp="1"/>
-          </p:cNvSpPr>
-          <p:nvPr>
-            <p:ph type="sldNum" sz="quarter" idx="4"/>
+          <p:cNvPr id="5" name="Footer Placeholder 4"/>
+          <p:cNvSpPr>
+            <a:spLocks noGrp="1"/>
+          </p:cNvSpPr>
+          <p:nvPr>
+            <p:ph type="ftr" sz="quarter" idx="3"/>
           </p:nvPr>
         </p:nvSpPr>
         <p:spPr>
           <a:xfrm>
-            <a:off x="10363200" y="5578475"/>
-            <a:ext cx="1142245" cy="669925"/>
+            <a:off x="4038600" y="6356350"/>
+            <a:ext cx="4114800" cy="365125"/>
           </a:xfrm>
           <a:prstGeom prst="rect">
             <a:avLst/>
           </a:prstGeom>
         </p:spPr>
         <p:txBody>
-          <a:bodyPr vert="horz" lIns="91440" tIns="45720" rIns="91440" bIns="45720" rtlCol="0" anchor="b"/>
+          <a:bodyPr vert="horz" lIns="91440" tIns="45720" rIns="91440" bIns="45720" rtlCol="0" anchor="ctr"/>
           <a:lstStyle>
-            <a:lvl1pPr algn="r">
-              <a:defRPr sz="3200" b="0" i="0">
+            <a:lvl1pPr algn="ctr">
+              <a:defRPr sz="1200">
                 <a:solidFill>
-                  <a:schemeClr val="bg2">
-                    <a:lumMod val="50000"/>
+                  <a:schemeClr val="tx1">
+                    <a:tint val="75000"/>
                   </a:schemeClr>
                 </a:solidFill>
-                <a:effectLst/>
-                <a:latin typeface="+mn-lt"/>
               </a:defRPr>
             </a:lvl1pPr>
           </a:lstStyle>
           <a:p>
+            <a:endParaRPr lang="en-US" dirty="0"/>
+          </a:p>
+        </p:txBody>
+      </p:sp>
+      <p:sp>
+        <p:nvSpPr>
+          <p:cNvPr id="6" name="Slide Number Placeholder 5"/>
+          <p:cNvSpPr>
+            <a:spLocks noGrp="1"/>
+          </p:cNvSpPr>
+          <p:nvPr>
+            <p:ph type="sldNum" sz="quarter" idx="4"/>
+          </p:nvPr>
+        </p:nvSpPr>
+        <p:spPr>
+          <a:xfrm>
+            <a:off x="8610600" y="6356350"/>
+            <a:ext cx="2743200" cy="365125"/>
+          </a:xfrm>
+          <a:prstGeom prst="rect">
+            <a:avLst/>
+          </a:prstGeom>
+        </p:spPr>
+        <p:txBody>
+          <a:bodyPr vert="horz" lIns="91440" tIns="45720" rIns="91440" bIns="45720" rtlCol="0" anchor="ctr"/>
+          <a:lstStyle>
+            <a:lvl1pPr algn="r">
+              <a:defRPr sz="1200">
+                <a:solidFill>
+                  <a:schemeClr val="tx1">
+                    <a:tint val="75000"/>
+                  </a:schemeClr>
+                </a:solidFill>
+              </a:defRPr>
+            </a:lvl1pPr>
+          </a:lstStyle>
+          <a:p>
             <a:fld id="{D57F1E4F-1CFF-5643-939E-217C01CDF565}" type="slidenum">
-              <a:rPr lang="en-US" dirty="0"/>
+              <a:rPr lang="en-US" smtClean="0"/>
               <a:pPr/>
               <a:t>‹#›</a:t>
             </a:fld>
@@ -4881,325 +2686,204 @@
         </p:txBody>
       </p:sp>
     </p:spTree>
+    <p:extLst>
+      <p:ext uri="{BB962C8B-B14F-4D97-AF65-F5344CB8AC3E}">
+        <p14:creationId xmlns:p14="http://schemas.microsoft.com/office/powerpoint/2010/main" val="835086420"/>
+      </p:ext>
+    </p:extLst>
   </p:cSld>
-  <p:clrMap bg1="dk1" tx1="lt1" bg2="dk2" tx2="lt2" accent1="accent1" accent2="accent2" accent3="accent3" accent4="accent4" accent5="accent5" accent6="accent6" hlink="hlink" folHlink="folHlink"/>
+  <p:clrMap bg1="lt1" tx1="dk1" bg2="lt2" tx2="dk2" accent1="accent1" accent2="accent2" accent3="accent3" accent4="accent4" accent5="accent5" accent6="accent6" hlink="hlink" folHlink="folHlink"/>
   <p:sldLayoutIdLst>
-    <p:sldLayoutId id="2147483649" r:id="rId1"/>
-    <p:sldLayoutId id="2147483650" r:id="rId2"/>
-    <p:sldLayoutId id="2147483651" r:id="rId3"/>
-    <p:sldLayoutId id="2147483652" r:id="rId4"/>
-    <p:sldLayoutId id="2147483653" r:id="rId5"/>
-    <p:sldLayoutId id="2147483654" r:id="rId6"/>
-    <p:sldLayoutId id="2147483655" r:id="rId7"/>
-    <p:sldLayoutId id="2147483656" r:id="rId8"/>
-    <p:sldLayoutId id="2147483660" r:id="rId9"/>
-    <p:sldLayoutId id="2147483668" r:id="rId10"/>
-    <p:sldLayoutId id="2147483663" r:id="rId11"/>
-    <p:sldLayoutId id="2147483664" r:id="rId12"/>
-    <p:sldLayoutId id="2147483665" r:id="rId13"/>
-    <p:sldLayoutId id="2147483666" r:id="rId14"/>
-    <p:sldLayoutId id="2147483667" r:id="rId15"/>
-    <p:sldLayoutId id="2147483658" r:id="rId16"/>
-    <p:sldLayoutId id="2147483659" r:id="rId17"/>
+    <p:sldLayoutId id="2147483670" r:id="rId1"/>
+    <p:sldLayoutId id="2147483671" r:id="rId2"/>
+    <p:sldLayoutId id="2147483672" r:id="rId3"/>
+    <p:sldLayoutId id="2147483673" r:id="rId4"/>
+    <p:sldLayoutId id="2147483674" r:id="rId5"/>
+    <p:sldLayoutId id="2147483675" r:id="rId6"/>
+    <p:sldLayoutId id="2147483676" r:id="rId7"/>
+    <p:sldLayoutId id="2147483677" r:id="rId8"/>
+    <p:sldLayoutId id="2147483678" r:id="rId9"/>
+    <p:sldLayoutId id="2147483679" r:id="rId10"/>
+    <p:sldLayoutId id="2147483680" r:id="rId11"/>
   </p:sldLayoutIdLst>
   <p:txStyles>
     <p:titleStyle>
-      <a:lvl1pPr algn="l" defTabSz="457200" rtl="0" eaLnBrk="1" latinLnBrk="0" hangingPunct="1">
+      <a:lvl1pPr algn="l" defTabSz="914400" rtl="0" eaLnBrk="1" latinLnBrk="0" hangingPunct="1">
+        <a:lnSpc>
+          <a:spcPct val="90000"/>
+        </a:lnSpc>
         <a:spcBef>
           <a:spcPct val="0"/>
         </a:spcBef>
         <a:buNone/>
-        <a:defRPr sz="3600" kern="1200" cap="all">
-          <a:ln w="3175" cmpd="sng">
-            <a:noFill/>
-          </a:ln>
+        <a:defRPr sz="4400" kern="1200">
           <a:solidFill>
             <a:schemeClr val="tx1"/>
           </a:solidFill>
-          <a:effectLst/>
           <a:latin typeface="+mj-lt"/>
           <a:ea typeface="+mj-ea"/>
           <a:cs typeface="+mj-cs"/>
         </a:defRPr>
       </a:lvl1pPr>
-      <a:lvl2pPr eaLnBrk="1" hangingPunct="1">
-        <a:defRPr>
-          <a:solidFill>
-            <a:schemeClr val="tx2"/>
-          </a:solidFill>
-        </a:defRPr>
-      </a:lvl2pPr>
-      <a:lvl3pPr eaLnBrk="1" hangingPunct="1">
-        <a:defRPr>
-          <a:solidFill>
-            <a:schemeClr val="tx2"/>
-          </a:solidFill>
-        </a:defRPr>
-      </a:lvl3pPr>
-      <a:lvl4pPr eaLnBrk="1" hangingPunct="1">
-        <a:defRPr>
-          <a:solidFill>
-            <a:schemeClr val="tx2"/>
-          </a:solidFill>
-        </a:defRPr>
-      </a:lvl4pPr>
-      <a:lvl5pPr eaLnBrk="1" hangingPunct="1">
-        <a:defRPr>
-          <a:solidFill>
-            <a:schemeClr val="tx2"/>
-          </a:solidFill>
-        </a:defRPr>
-      </a:lvl5pPr>
-      <a:lvl6pPr eaLnBrk="1" hangingPunct="1">
-        <a:defRPr>
-          <a:solidFill>
-            <a:schemeClr val="tx2"/>
-          </a:solidFill>
-        </a:defRPr>
-      </a:lvl6pPr>
-      <a:lvl7pPr eaLnBrk="1" hangingPunct="1">
-        <a:defRPr>
-          <a:solidFill>
-            <a:schemeClr val="tx2"/>
-          </a:solidFill>
-        </a:defRPr>
-      </a:lvl7pPr>
-      <a:lvl8pPr eaLnBrk="1" hangingPunct="1">
-        <a:defRPr>
-          <a:solidFill>
-            <a:schemeClr val="tx2"/>
-          </a:solidFill>
-        </a:defRPr>
-      </a:lvl8pPr>
-      <a:lvl9pPr eaLnBrk="1" hangingPunct="1">
-        <a:defRPr>
-          <a:solidFill>
-            <a:schemeClr val="tx2"/>
-          </a:solidFill>
-        </a:defRPr>
-      </a:lvl9pPr>
     </p:titleStyle>
     <p:bodyStyle>
-      <a:lvl1pPr marL="285750" indent="-285750" algn="l" defTabSz="457200" rtl="0" eaLnBrk="1" latinLnBrk="0" hangingPunct="1">
+      <a:lvl1pPr marL="228600" indent="-228600" algn="l" defTabSz="914400" rtl="0" eaLnBrk="1" latinLnBrk="0" hangingPunct="1">
+        <a:lnSpc>
+          <a:spcPct val="90000"/>
+        </a:lnSpc>
         <a:spcBef>
-          <a:spcPct val="20000"/>
+          <a:spcPts val="1000"/>
         </a:spcBef>
-        <a:spcAft>
-          <a:spcPts val="600"/>
-        </a:spcAft>
-        <a:buClr>
-          <a:schemeClr val="tx1"/>
-        </a:buClr>
-        <a:buSzPct val="80000"/>
-        <a:buFont typeface="Wingdings 3" panose="05040102010807070707" pitchFamily="18" charset="2"/>
-        <a:buChar char=""/>
-        <a:defRPr sz="2000" kern="1200" cap="none">
+        <a:buFont typeface="Arial" panose="020B0604020202020204" pitchFamily="34" charset="0"/>
+        <a:buChar char="•"/>
+        <a:defRPr sz="2800" kern="1200">
           <a:solidFill>
-            <a:schemeClr val="bg2">
-              <a:lumMod val="75000"/>
-            </a:schemeClr>
+            <a:schemeClr val="tx1"/>
           </a:solidFill>
-          <a:effectLst/>
           <a:latin typeface="+mn-lt"/>
           <a:ea typeface="+mn-ea"/>
           <a:cs typeface="+mn-cs"/>
         </a:defRPr>
       </a:lvl1pPr>
-      <a:lvl2pPr marL="742950" indent="-285750" algn="l" defTabSz="457200" rtl="0" eaLnBrk="1" latinLnBrk="0" hangingPunct="1">
+      <a:lvl2pPr marL="685800" indent="-228600" algn="l" defTabSz="914400" rtl="0" eaLnBrk="1" latinLnBrk="0" hangingPunct="1">
+        <a:lnSpc>
+          <a:spcPct val="90000"/>
+        </a:lnSpc>
         <a:spcBef>
-          <a:spcPct val="20000"/>
+          <a:spcPts val="500"/>
         </a:spcBef>
-        <a:spcAft>
-          <a:spcPts val="600"/>
-        </a:spcAft>
-        <a:buClr>
-          <a:schemeClr val="tx1"/>
-        </a:buClr>
-        <a:buSzPct val="80000"/>
-        <a:buFont typeface="Wingdings 3" panose="05040102010807070707" pitchFamily="18" charset="2"/>
-        <a:buChar char=""/>
-        <a:defRPr sz="1800" kern="1200" cap="none">
+        <a:buFont typeface="Arial" panose="020B0604020202020204" pitchFamily="34" charset="0"/>
+        <a:buChar char="•"/>
+        <a:defRPr sz="2400" kern="1200">
           <a:solidFill>
-            <a:schemeClr val="bg2">
-              <a:lumMod val="75000"/>
-            </a:schemeClr>
+            <a:schemeClr val="tx1"/>
           </a:solidFill>
-          <a:effectLst/>
           <a:latin typeface="+mn-lt"/>
           <a:ea typeface="+mn-ea"/>
           <a:cs typeface="+mn-cs"/>
         </a:defRPr>
       </a:lvl2pPr>
-      <a:lvl3pPr marL="1200150" indent="-285750" algn="l" defTabSz="457200" rtl="0" eaLnBrk="1" latinLnBrk="0" hangingPunct="1">
+      <a:lvl3pPr marL="1143000" indent="-228600" algn="l" defTabSz="914400" rtl="0" eaLnBrk="1" latinLnBrk="0" hangingPunct="1">
+        <a:lnSpc>
+          <a:spcPct val="90000"/>
+        </a:lnSpc>
         <a:spcBef>
-          <a:spcPct val="20000"/>
+          <a:spcPts val="500"/>
         </a:spcBef>
-        <a:spcAft>
-          <a:spcPts val="600"/>
-        </a:spcAft>
-        <a:buClr>
-          <a:schemeClr val="tx1"/>
-        </a:buClr>
-        <a:buSzPct val="80000"/>
-        <a:buFont typeface="Wingdings 3" panose="05040102010807070707" pitchFamily="18" charset="2"/>
-        <a:buChar char=""/>
-        <a:defRPr sz="1600" kern="1200" cap="none">
+        <a:buFont typeface="Arial" panose="020B0604020202020204" pitchFamily="34" charset="0"/>
+        <a:buChar char="•"/>
+        <a:defRPr sz="2000" kern="1200">
           <a:solidFill>
-            <a:schemeClr val="bg2">
-              <a:lumMod val="75000"/>
-            </a:schemeClr>
+            <a:schemeClr val="tx1"/>
           </a:solidFill>
-          <a:effectLst/>
           <a:latin typeface="+mn-lt"/>
           <a:ea typeface="+mn-ea"/>
           <a:cs typeface="+mn-cs"/>
         </a:defRPr>
       </a:lvl3pPr>
-      <a:lvl4pPr marL="1543050" indent="-171450" algn="l" defTabSz="457200" rtl="0" eaLnBrk="1" latinLnBrk="0" hangingPunct="1">
+      <a:lvl4pPr marL="1600200" indent="-228600" algn="l" defTabSz="914400" rtl="0" eaLnBrk="1" latinLnBrk="0" hangingPunct="1">
+        <a:lnSpc>
+          <a:spcPct val="90000"/>
+        </a:lnSpc>
         <a:spcBef>
-          <a:spcPct val="20000"/>
+          <a:spcPts val="500"/>
         </a:spcBef>
-        <a:spcAft>
-          <a:spcPts val="600"/>
-        </a:spcAft>
-        <a:buClr>
-          <a:schemeClr val="tx1"/>
-        </a:buClr>
-        <a:buSzPct val="80000"/>
-        <a:buFont typeface="Wingdings 3" panose="05040102010807070707" pitchFamily="18" charset="2"/>
-        <a:buChar char=""/>
-        <a:defRPr sz="1400" kern="1200" cap="none">
+        <a:buFont typeface="Arial" panose="020B0604020202020204" pitchFamily="34" charset="0"/>
+        <a:buChar char="•"/>
+        <a:defRPr sz="1800" kern="1200">
           <a:solidFill>
-            <a:schemeClr val="bg2">
-              <a:lumMod val="75000"/>
-            </a:schemeClr>
+            <a:schemeClr val="tx1"/>
           </a:solidFill>
-          <a:effectLst/>
           <a:latin typeface="+mn-lt"/>
           <a:ea typeface="+mn-ea"/>
           <a:cs typeface="+mn-cs"/>
         </a:defRPr>
       </a:lvl4pPr>
-      <a:lvl5pPr marL="2000250" indent="-171450" algn="l" defTabSz="457200" rtl="0" eaLnBrk="1" latinLnBrk="0" hangingPunct="1">
+      <a:lvl5pPr marL="2057400" indent="-228600" algn="l" defTabSz="914400" rtl="0" eaLnBrk="1" latinLnBrk="0" hangingPunct="1">
+        <a:lnSpc>
+          <a:spcPct val="90000"/>
+        </a:lnSpc>
         <a:spcBef>
-          <a:spcPct val="20000"/>
+          <a:spcPts val="500"/>
         </a:spcBef>
-        <a:spcAft>
-          <a:spcPts val="600"/>
-        </a:spcAft>
-        <a:buClr>
-          <a:schemeClr val="tx1"/>
-        </a:buClr>
-        <a:buSzPct val="80000"/>
-        <a:buFont typeface="Wingdings 3" panose="05040102010807070707" pitchFamily="18" charset="2"/>
-        <a:buChar char=""/>
-        <a:defRPr sz="1400" kern="1200" cap="none">
+        <a:buFont typeface="Arial" panose="020B0604020202020204" pitchFamily="34" charset="0"/>
+        <a:buChar char="•"/>
+        <a:defRPr sz="1800" kern="1200">
           <a:solidFill>
-            <a:schemeClr val="bg2">
-              <a:lumMod val="75000"/>
-            </a:schemeClr>
+            <a:schemeClr val="tx1"/>
           </a:solidFill>
-          <a:effectLst/>
           <a:latin typeface="+mn-lt"/>
           <a:ea typeface="+mn-ea"/>
           <a:cs typeface="+mn-cs"/>
         </a:defRPr>
       </a:lvl5pPr>
-      <a:lvl6pPr marL="2514600" indent="-228600" algn="l" defTabSz="457200" rtl="0" eaLnBrk="1" latinLnBrk="0" hangingPunct="1">
+      <a:lvl6pPr marL="2514600" indent="-228600" algn="l" defTabSz="914400" rtl="0" eaLnBrk="1" latinLnBrk="0" hangingPunct="1">
+        <a:lnSpc>
+          <a:spcPct val="90000"/>
+        </a:lnSpc>
         <a:spcBef>
-          <a:spcPct val="20000"/>
+          <a:spcPts val="500"/>
         </a:spcBef>
-        <a:spcAft>
-          <a:spcPts val="600"/>
-        </a:spcAft>
-        <a:buClr>
-          <a:schemeClr val="tx1"/>
-        </a:buClr>
-        <a:buSzPct val="80000"/>
-        <a:buFont typeface="Wingdings 3" panose="05040102010807070707" pitchFamily="18" charset="2"/>
-        <a:buChar char=""/>
-        <a:defRPr sz="1400" kern="1200" cap="none">
+        <a:buFont typeface="Arial" panose="020B0604020202020204" pitchFamily="34" charset="0"/>
+        <a:buChar char="•"/>
+        <a:defRPr sz="1800" kern="1200">
           <a:solidFill>
-            <a:schemeClr val="bg2">
-              <a:lumMod val="75000"/>
-            </a:schemeClr>
+            <a:schemeClr val="tx1"/>
           </a:solidFill>
-          <a:effectLst/>
           <a:latin typeface="+mn-lt"/>
           <a:ea typeface="+mn-ea"/>
           <a:cs typeface="+mn-cs"/>
         </a:defRPr>
       </a:lvl6pPr>
-      <a:lvl7pPr marL="2971800" indent="-228600" algn="l" defTabSz="457200" rtl="0" eaLnBrk="1" latinLnBrk="0" hangingPunct="1">
+      <a:lvl7pPr marL="2971800" indent="-228600" algn="l" defTabSz="914400" rtl="0" eaLnBrk="1" latinLnBrk="0" hangingPunct="1">
+        <a:lnSpc>
+          <a:spcPct val="90000"/>
+        </a:lnSpc>
         <a:spcBef>
-          <a:spcPct val="20000"/>
+          <a:spcPts val="500"/>
         </a:spcBef>
-        <a:spcAft>
-          <a:spcPts val="600"/>
-        </a:spcAft>
-        <a:buClr>
-          <a:schemeClr val="tx1"/>
-        </a:buClr>
-        <a:buSzPct val="80000"/>
-        <a:buFont typeface="Wingdings 3" panose="05040102010807070707" pitchFamily="18" charset="2"/>
-        <a:buChar char=""/>
-        <a:defRPr sz="1400" kern="1200" cap="none">
+        <a:buFont typeface="Arial" panose="020B0604020202020204" pitchFamily="34" charset="0"/>
+        <a:buChar char="•"/>
+        <a:defRPr sz="1800" kern="1200">
           <a:solidFill>
-            <a:schemeClr val="bg2">
-              <a:lumMod val="75000"/>
-            </a:schemeClr>
+            <a:schemeClr val="tx1"/>
           </a:solidFill>
-          <a:effectLst/>
           <a:latin typeface="+mn-lt"/>
           <a:ea typeface="+mn-ea"/>
           <a:cs typeface="+mn-cs"/>
         </a:defRPr>
       </a:lvl7pPr>
-      <a:lvl8pPr marL="3429000" indent="-228600" algn="l" defTabSz="457200" rtl="0" eaLnBrk="1" latinLnBrk="0" hangingPunct="1">
+      <a:lvl8pPr marL="3429000" indent="-228600" algn="l" defTabSz="914400" rtl="0" eaLnBrk="1" latinLnBrk="0" hangingPunct="1">
+        <a:lnSpc>
+          <a:spcPct val="90000"/>
+        </a:lnSpc>
         <a:spcBef>
-          <a:spcPct val="20000"/>
+          <a:spcPts val="500"/>
         </a:spcBef>
-        <a:spcAft>
-          <a:spcPts val="600"/>
-        </a:spcAft>
-        <a:buClr>
-          <a:schemeClr val="tx1"/>
-        </a:buClr>
-        <a:buSzPct val="80000"/>
-        <a:buFont typeface="Wingdings 3" panose="05040102010807070707" pitchFamily="18" charset="2"/>
-        <a:buChar char=""/>
-        <a:defRPr sz="1400" kern="1200" cap="none">
+        <a:buFont typeface="Arial" panose="020B0604020202020204" pitchFamily="34" charset="0"/>
+        <a:buChar char="•"/>
+        <a:defRPr sz="1800" kern="1200">
           <a:solidFill>
-            <a:schemeClr val="bg2">
-              <a:lumMod val="75000"/>
-            </a:schemeClr>
+            <a:schemeClr val="tx1"/>
           </a:solidFill>
-          <a:effectLst/>
           <a:latin typeface="+mn-lt"/>
           <a:ea typeface="+mn-ea"/>
           <a:cs typeface="+mn-cs"/>
         </a:defRPr>
       </a:lvl8pPr>
-      <a:lvl9pPr marL="3886200" indent="-228600" algn="l" defTabSz="457200" rtl="0" eaLnBrk="1" latinLnBrk="0" hangingPunct="1">
+      <a:lvl9pPr marL="3886200" indent="-228600" algn="l" defTabSz="914400" rtl="0" eaLnBrk="1" latinLnBrk="0" hangingPunct="1">
+        <a:lnSpc>
+          <a:spcPct val="90000"/>
+        </a:lnSpc>
         <a:spcBef>
-          <a:spcPct val="20000"/>
+          <a:spcPts val="500"/>
         </a:spcBef>
-        <a:spcAft>
-          <a:spcPts val="600"/>
-        </a:spcAft>
-        <a:buClr>
-          <a:schemeClr val="tx1"/>
-        </a:buClr>
-        <a:buSzPct val="80000"/>
-        <a:buFont typeface="Wingdings 3" panose="05040102010807070707" pitchFamily="18" charset="2"/>
-        <a:buChar char=""/>
-        <a:defRPr sz="1400" kern="1200" cap="none">
+        <a:buFont typeface="Arial" panose="020B0604020202020204" pitchFamily="34" charset="0"/>
+        <a:buChar char="•"/>
+        <a:defRPr sz="1800" kern="1200">
           <a:solidFill>
-            <a:schemeClr val="bg2">
-              <a:lumMod val="75000"/>
-            </a:schemeClr>
+            <a:schemeClr val="tx1"/>
           </a:solidFill>
-          <a:effectLst/>
           <a:latin typeface="+mn-lt"/>
           <a:ea typeface="+mn-ea"/>
           <a:cs typeface="+mn-cs"/>
@@ -5210,7 +2894,7 @@
       <a:defPPr>
         <a:defRPr lang="en-US"/>
       </a:defPPr>
-      <a:lvl1pPr marL="0" algn="l" defTabSz="457200" rtl="0" eaLnBrk="1" latinLnBrk="0" hangingPunct="1">
+      <a:lvl1pPr marL="0" algn="l" defTabSz="914400" rtl="0" eaLnBrk="1" latinLnBrk="0" hangingPunct="1">
         <a:defRPr sz="1800" kern="1200">
           <a:solidFill>
             <a:schemeClr val="tx1"/>
@@ -5220,7 +2904,7 @@
           <a:cs typeface="+mn-cs"/>
         </a:defRPr>
       </a:lvl1pPr>
-      <a:lvl2pPr marL="457200" algn="l" defTabSz="457200" rtl="0" eaLnBrk="1" latinLnBrk="0" hangingPunct="1">
+      <a:lvl2pPr marL="457200" algn="l" defTabSz="914400" rtl="0" eaLnBrk="1" latinLnBrk="0" hangingPunct="1">
         <a:defRPr sz="1800" kern="1200">
           <a:solidFill>
             <a:schemeClr val="tx1"/>
@@ -5230,7 +2914,7 @@
           <a:cs typeface="+mn-cs"/>
         </a:defRPr>
       </a:lvl2pPr>
-      <a:lvl3pPr marL="914400" algn="l" defTabSz="457200" rtl="0" eaLnBrk="1" latinLnBrk="0" hangingPunct="1">
+      <a:lvl3pPr marL="914400" algn="l" defTabSz="914400" rtl="0" eaLnBrk="1" latinLnBrk="0" hangingPunct="1">
         <a:defRPr sz="1800" kern="1200">
           <a:solidFill>
             <a:schemeClr val="tx1"/>
@@ -5240,7 +2924,7 @@
           <a:cs typeface="+mn-cs"/>
         </a:defRPr>
       </a:lvl3pPr>
-      <a:lvl4pPr marL="1371600" algn="l" defTabSz="457200" rtl="0" eaLnBrk="1" latinLnBrk="0" hangingPunct="1">
+      <a:lvl4pPr marL="1371600" algn="l" defTabSz="914400" rtl="0" eaLnBrk="1" latinLnBrk="0" hangingPunct="1">
         <a:defRPr sz="1800" kern="1200">
           <a:solidFill>
             <a:schemeClr val="tx1"/>
@@ -5250,7 +2934,7 @@
           <a:cs typeface="+mn-cs"/>
         </a:defRPr>
       </a:lvl4pPr>
-      <a:lvl5pPr marL="1828800" algn="l" defTabSz="457200" rtl="0" eaLnBrk="1" latinLnBrk="0" hangingPunct="1">
+      <a:lvl5pPr marL="1828800" algn="l" defTabSz="914400" rtl="0" eaLnBrk="1" latinLnBrk="0" hangingPunct="1">
         <a:defRPr sz="1800" kern="1200">
           <a:solidFill>
             <a:schemeClr val="tx1"/>
@@ -5260,7 +2944,7 @@
           <a:cs typeface="+mn-cs"/>
         </a:defRPr>
       </a:lvl5pPr>
-      <a:lvl6pPr marL="2286000" algn="l" defTabSz="457200" rtl="0" eaLnBrk="1" latinLnBrk="0" hangingPunct="1">
+      <a:lvl6pPr marL="2286000" algn="l" defTabSz="914400" rtl="0" eaLnBrk="1" latinLnBrk="0" hangingPunct="1">
         <a:defRPr sz="1800" kern="1200">
           <a:solidFill>
             <a:schemeClr val="tx1"/>
@@ -5270,7 +2954,7 @@
           <a:cs typeface="+mn-cs"/>
         </a:defRPr>
       </a:lvl6pPr>
-      <a:lvl7pPr marL="2743200" algn="l" defTabSz="457200" rtl="0" eaLnBrk="1" latinLnBrk="0" hangingPunct="1">
+      <a:lvl7pPr marL="2743200" algn="l" defTabSz="914400" rtl="0" eaLnBrk="1" latinLnBrk="0" hangingPunct="1">
         <a:defRPr sz="1800" kern="1200">
           <a:solidFill>
             <a:schemeClr val="tx1"/>
@@ -5280,7 +2964,7 @@
           <a:cs typeface="+mn-cs"/>
         </a:defRPr>
       </a:lvl7pPr>
-      <a:lvl8pPr marL="3200400" algn="l" defTabSz="457200" rtl="0" eaLnBrk="1" latinLnBrk="0" hangingPunct="1">
+      <a:lvl8pPr marL="3200400" algn="l" defTabSz="914400" rtl="0" eaLnBrk="1" latinLnBrk="0" hangingPunct="1">
         <a:defRPr sz="1800" kern="1200">
           <a:solidFill>
             <a:schemeClr val="tx1"/>
@@ -5290,7 +2974,7 @@
           <a:cs typeface="+mn-cs"/>
         </a:defRPr>
       </a:lvl8pPr>
-      <a:lvl9pPr marL="3657600" algn="l" defTabSz="457200" rtl="0" eaLnBrk="1" latinLnBrk="0" hangingPunct="1">
+      <a:lvl9pPr marL="3657600" algn="l" defTabSz="914400" rtl="0" eaLnBrk="1" latinLnBrk="0" hangingPunct="1">
         <a:defRPr sz="1800" kern="1200">
           <a:solidFill>
             <a:schemeClr val="tx1"/>
@@ -5446,9 +3130,6 @@
           <a:p>
             <a:r>
               <a:rPr lang="en-US" altLang="en-US" sz="2400" dirty="0" err="1">
-                <a:solidFill>
-                  <a:schemeClr val="bg1"/>
-                </a:solidFill>
                 <a:latin typeface="Tahoma" panose="020B0604030504040204" pitchFamily="34" charset="0"/>
                 <a:ea typeface="Tahoma" panose="020B0604030504040204" pitchFamily="34" charset="0"/>
                 <a:cs typeface="Tahoma" panose="020B0604030504040204" pitchFamily="34" charset="0"/>
@@ -5457,9 +3138,6 @@
             </a:r>
             <a:r>
               <a:rPr lang="en-US" altLang="en-US" sz="2400" dirty="0">
-                <a:solidFill>
-                  <a:schemeClr val="bg1"/>
-                </a:solidFill>
                 <a:latin typeface="Tahoma" panose="020B0604030504040204" pitchFamily="34" charset="0"/>
                 <a:ea typeface="Tahoma" panose="020B0604030504040204" pitchFamily="34" charset="0"/>
                 <a:cs typeface="Tahoma" panose="020B0604030504040204" pitchFamily="34" charset="0"/>
@@ -5468,9 +3146,6 @@
             </a:r>
             <a:r>
               <a:rPr lang="en-US" altLang="en-US" sz="2400" dirty="0" err="1">
-                <a:solidFill>
-                  <a:schemeClr val="bg1"/>
-                </a:solidFill>
                 <a:latin typeface="Tahoma" panose="020B0604030504040204" pitchFamily="34" charset="0"/>
                 <a:ea typeface="Tahoma" panose="020B0604030504040204" pitchFamily="34" charset="0"/>
                 <a:cs typeface="Tahoma" panose="020B0604030504040204" pitchFamily="34" charset="0"/>
@@ -5479,9 +3154,6 @@
             </a:r>
             <a:r>
               <a:rPr lang="en-US" altLang="en-US" sz="2400" dirty="0">
-                <a:solidFill>
-                  <a:schemeClr val="bg1"/>
-                </a:solidFill>
                 <a:latin typeface="Tahoma" panose="020B0604030504040204" pitchFamily="34" charset="0"/>
                 <a:ea typeface="Tahoma" panose="020B0604030504040204" pitchFamily="34" charset="0"/>
                 <a:cs typeface="Tahoma" panose="020B0604030504040204" pitchFamily="34" charset="0"/>
@@ -5490,9 +3162,6 @@
             </a:r>
             <a:r>
               <a:rPr lang="en-US" altLang="en-US" sz="2400" dirty="0" err="1">
-                <a:solidFill>
-                  <a:schemeClr val="bg1"/>
-                </a:solidFill>
                 <a:latin typeface="Tahoma" panose="020B0604030504040204" pitchFamily="34" charset="0"/>
                 <a:ea typeface="Tahoma" panose="020B0604030504040204" pitchFamily="34" charset="0"/>
                 <a:cs typeface="Tahoma" panose="020B0604030504040204" pitchFamily="34" charset="0"/>
@@ -5501,9 +3170,6 @@
             </a:r>
             <a:r>
               <a:rPr lang="en-US" altLang="en-US" sz="2400" dirty="0">
-                <a:solidFill>
-                  <a:schemeClr val="bg1"/>
-                </a:solidFill>
                 <a:latin typeface="Tahoma" panose="020B0604030504040204" pitchFamily="34" charset="0"/>
                 <a:ea typeface="Tahoma" panose="020B0604030504040204" pitchFamily="34" charset="0"/>
                 <a:cs typeface="Tahoma" panose="020B0604030504040204" pitchFamily="34" charset="0"/>
@@ -5512,9 +3178,6 @@
             </a:r>
             <a:r>
               <a:rPr lang="en-US" altLang="en-US" sz="2400" dirty="0" err="1">
-                <a:solidFill>
-                  <a:schemeClr val="bg1"/>
-                </a:solidFill>
                 <a:latin typeface="Tahoma" panose="020B0604030504040204" pitchFamily="34" charset="0"/>
                 <a:ea typeface="Tahoma" panose="020B0604030504040204" pitchFamily="34" charset="0"/>
                 <a:cs typeface="Tahoma" panose="020B0604030504040204" pitchFamily="34" charset="0"/>
@@ -5523,9 +3186,6 @@
             </a:r>
             <a:r>
               <a:rPr lang="en-US" altLang="en-US" sz="2400" dirty="0">
-                <a:solidFill>
-                  <a:schemeClr val="bg1"/>
-                </a:solidFill>
                 <a:latin typeface="Tahoma" panose="020B0604030504040204" pitchFamily="34" charset="0"/>
                 <a:ea typeface="Tahoma" panose="020B0604030504040204" pitchFamily="34" charset="0"/>
                 <a:cs typeface="Tahoma" panose="020B0604030504040204" pitchFamily="34" charset="0"/>
@@ -5534,9 +3194,6 @@
             </a:r>
             <a:r>
               <a:rPr lang="en-US" altLang="en-US" sz="2400" dirty="0" err="1">
-                <a:solidFill>
-                  <a:schemeClr val="bg1"/>
-                </a:solidFill>
                 <a:latin typeface="Tahoma" panose="020B0604030504040204" pitchFamily="34" charset="0"/>
                 <a:ea typeface="Tahoma" panose="020B0604030504040204" pitchFamily="34" charset="0"/>
                 <a:cs typeface="Tahoma" panose="020B0604030504040204" pitchFamily="34" charset="0"/>
@@ -5545,9 +3202,6 @@
             </a:r>
             <a:r>
               <a:rPr lang="en-US" altLang="en-US" sz="2400" dirty="0">
-                <a:solidFill>
-                  <a:schemeClr val="bg1"/>
-                </a:solidFill>
                 <a:latin typeface="Tahoma" panose="020B0604030504040204" pitchFamily="34" charset="0"/>
                 <a:ea typeface="Tahoma" panose="020B0604030504040204" pitchFamily="34" charset="0"/>
                 <a:cs typeface="Tahoma" panose="020B0604030504040204" pitchFamily="34" charset="0"/>
@@ -5556,9 +3210,6 @@
             </a:r>
             <a:r>
               <a:rPr lang="en-US" altLang="en-US" sz="2400" dirty="0" err="1">
-                <a:solidFill>
-                  <a:schemeClr val="bg1"/>
-                </a:solidFill>
                 <a:latin typeface="Tahoma" panose="020B0604030504040204" pitchFamily="34" charset="0"/>
                 <a:ea typeface="Tahoma" panose="020B0604030504040204" pitchFamily="34" charset="0"/>
                 <a:cs typeface="Tahoma" panose="020B0604030504040204" pitchFamily="34" charset="0"/>
@@ -5567,9 +3218,6 @@
             </a:r>
             <a:r>
               <a:rPr lang="en-US" altLang="en-US" sz="2400" dirty="0">
-                <a:solidFill>
-                  <a:schemeClr val="bg1"/>
-                </a:solidFill>
                 <a:latin typeface="Tahoma" panose="020B0604030504040204" pitchFamily="34" charset="0"/>
                 <a:ea typeface="Tahoma" panose="020B0604030504040204" pitchFamily="34" charset="0"/>
                 <a:cs typeface="Tahoma" panose="020B0604030504040204" pitchFamily="34" charset="0"/>
@@ -5578,9 +3226,6 @@
             </a:r>
             <a:r>
               <a:rPr lang="en-US" altLang="en-US" sz="2400" dirty="0" err="1">
-                <a:solidFill>
-                  <a:schemeClr val="bg1"/>
-                </a:solidFill>
                 <a:latin typeface="Tahoma" panose="020B0604030504040204" pitchFamily="34" charset="0"/>
                 <a:ea typeface="Tahoma" panose="020B0604030504040204" pitchFamily="34" charset="0"/>
                 <a:cs typeface="Tahoma" panose="020B0604030504040204" pitchFamily="34" charset="0"/>
@@ -5589,9 +3234,6 @@
             </a:r>
             <a:r>
               <a:rPr lang="en-US" altLang="en-US" sz="2400" dirty="0">
-                <a:solidFill>
-                  <a:schemeClr val="bg1"/>
-                </a:solidFill>
                 <a:latin typeface="Tahoma" panose="020B0604030504040204" pitchFamily="34" charset="0"/>
                 <a:ea typeface="Tahoma" panose="020B0604030504040204" pitchFamily="34" charset="0"/>
                 <a:cs typeface="Tahoma" panose="020B0604030504040204" pitchFamily="34" charset="0"/>
@@ -5600,9 +3242,6 @@
             </a:r>
             <a:r>
               <a:rPr lang="en-US" altLang="en-US" sz="2400" dirty="0" err="1">
-                <a:solidFill>
-                  <a:schemeClr val="bg1"/>
-                </a:solidFill>
                 <a:latin typeface="Tahoma" panose="020B0604030504040204" pitchFamily="34" charset="0"/>
                 <a:ea typeface="Tahoma" panose="020B0604030504040204" pitchFamily="34" charset="0"/>
                 <a:cs typeface="Tahoma" panose="020B0604030504040204" pitchFamily="34" charset="0"/>
@@ -5611,9 +3250,6 @@
             </a:r>
             <a:r>
               <a:rPr lang="en-US" altLang="en-US" sz="2400" dirty="0">
-                <a:solidFill>
-                  <a:schemeClr val="bg1"/>
-                </a:solidFill>
                 <a:latin typeface="Tahoma" panose="020B0604030504040204" pitchFamily="34" charset="0"/>
                 <a:ea typeface="Tahoma" panose="020B0604030504040204" pitchFamily="34" charset="0"/>
                 <a:cs typeface="Tahoma" panose="020B0604030504040204" pitchFamily="34" charset="0"/>
@@ -5622,9 +3258,6 @@
             </a:r>
             <a:r>
               <a:rPr lang="en-US" altLang="en-US" sz="2400" dirty="0" err="1">
-                <a:solidFill>
-                  <a:schemeClr val="bg1"/>
-                </a:solidFill>
                 <a:latin typeface="Tahoma" panose="020B0604030504040204" pitchFamily="34" charset="0"/>
                 <a:ea typeface="Tahoma" panose="020B0604030504040204" pitchFamily="34" charset="0"/>
                 <a:cs typeface="Tahoma" panose="020B0604030504040204" pitchFamily="34" charset="0"/>
@@ -5633,9 +3266,6 @@
             </a:r>
             <a:r>
               <a:rPr lang="en-US" altLang="en-US" sz="2400" dirty="0">
-                <a:solidFill>
-                  <a:schemeClr val="bg1"/>
-                </a:solidFill>
                 <a:latin typeface="Tahoma" panose="020B0604030504040204" pitchFamily="34" charset="0"/>
                 <a:ea typeface="Tahoma" panose="020B0604030504040204" pitchFamily="34" charset="0"/>
                 <a:cs typeface="Tahoma" panose="020B0604030504040204" pitchFamily="34" charset="0"/>
@@ -5644,9 +3274,6 @@
             </a:r>
             <a:r>
               <a:rPr lang="en-US" altLang="en-US" sz="2400" dirty="0" err="1" smtClean="0">
-                <a:solidFill>
-                  <a:schemeClr val="bg1"/>
-                </a:solidFill>
                 <a:latin typeface="Tahoma" panose="020B0604030504040204" pitchFamily="34" charset="0"/>
                 <a:ea typeface="Tahoma" panose="020B0604030504040204" pitchFamily="34" charset="0"/>
                 <a:cs typeface="Tahoma" panose="020B0604030504040204" pitchFamily="34" charset="0"/>
@@ -5654,30 +3281,22 @@
               <a:t>lan</a:t>
             </a:r>
             <a:endParaRPr lang="en-US" altLang="en-US" sz="2400" dirty="0" smtClean="0">
-              <a:solidFill>
-                <a:schemeClr val="bg1"/>
-              </a:solidFill>
               <a:latin typeface="Tahoma" panose="020B0604030504040204" pitchFamily="34" charset="0"/>
               <a:ea typeface="Tahoma" panose="020B0604030504040204" pitchFamily="34" charset="0"/>
               <a:cs typeface="Tahoma" panose="020B0604030504040204" pitchFamily="34" charset="0"/>
             </a:endParaRPr>
           </a:p>
           <a:p>
-            <a:endParaRPr lang="en-US" altLang="en-US" sz="2400" dirty="0">
-              <a:solidFill>
-                <a:schemeClr val="bg1"/>
-              </a:solidFill>
+            <a:endParaRPr lang="en-US" altLang="en-US" sz="2400" dirty="0" smtClean="0">
               <a:latin typeface="Tahoma" panose="020B0604030504040204" pitchFamily="34" charset="0"/>
               <a:ea typeface="Tahoma" panose="020B0604030504040204" pitchFamily="34" charset="0"/>
               <a:cs typeface="Tahoma" panose="020B0604030504040204" pitchFamily="34" charset="0"/>
             </a:endParaRPr>
           </a:p>
           <a:p>
+            <a:pPr marL="2286000" algn="l"/>
             <a:r>
               <a:rPr lang="en-US" altLang="en-US" sz="2400" dirty="0" err="1" smtClean="0">
-                <a:solidFill>
-                  <a:schemeClr val="bg1"/>
-                </a:solidFill>
                 <a:latin typeface="Tahoma" panose="020B0604030504040204" pitchFamily="34" charset="0"/>
                 <a:ea typeface="Tahoma" panose="020B0604030504040204" pitchFamily="34" charset="0"/>
                 <a:cs typeface="Tahoma" panose="020B0604030504040204" pitchFamily="34" charset="0"/>
@@ -5686,9 +3305,6 @@
             </a:r>
             <a:r>
               <a:rPr lang="en-US" altLang="en-US" sz="2400" dirty="0" smtClean="0">
-                <a:solidFill>
-                  <a:schemeClr val="bg1"/>
-                </a:solidFill>
                 <a:latin typeface="Tahoma" panose="020B0604030504040204" pitchFamily="34" charset="0"/>
                 <a:ea typeface="Tahoma" panose="020B0604030504040204" pitchFamily="34" charset="0"/>
                 <a:cs typeface="Tahoma" panose="020B0604030504040204" pitchFamily="34" charset="0"/>
@@ -5697,9 +3313,6 @@
             </a:r>
             <a:r>
               <a:rPr lang="en-US" altLang="en-US" sz="2400" dirty="0" err="1" smtClean="0">
-                <a:solidFill>
-                  <a:schemeClr val="bg1"/>
-                </a:solidFill>
                 <a:latin typeface="Tahoma" panose="020B0604030504040204" pitchFamily="34" charset="0"/>
                 <a:ea typeface="Tahoma" panose="020B0604030504040204" pitchFamily="34" charset="0"/>
                 <a:cs typeface="Tahoma" panose="020B0604030504040204" pitchFamily="34" charset="0"/>
@@ -5708,9 +3321,6 @@
             </a:r>
             <a:r>
               <a:rPr lang="en-US" altLang="en-US" sz="2400" dirty="0" smtClean="0">
-                <a:solidFill>
-                  <a:schemeClr val="bg1"/>
-                </a:solidFill>
                 <a:latin typeface="Tahoma" panose="020B0604030504040204" pitchFamily="34" charset="0"/>
                 <a:ea typeface="Tahoma" panose="020B0604030504040204" pitchFamily="34" charset="0"/>
                 <a:cs typeface="Tahoma" panose="020B0604030504040204" pitchFamily="34" charset="0"/>
@@ -5718,10 +3328,15 @@
               <a:t>: </a:t>
             </a:r>
             <a:r>
+              <a:rPr lang="en-US" altLang="en-US" sz="2400" dirty="0" smtClean="0">
+                <a:latin typeface="Tahoma" panose="020B0604030504040204" pitchFamily="34" charset="0"/>
+                <a:ea typeface="Tahoma" panose="020B0604030504040204" pitchFamily="34" charset="0"/>
+                <a:cs typeface="Tahoma" panose="020B0604030504040204" pitchFamily="34" charset="0"/>
+              </a:rPr>
+              <a:t>	</a:t>
+            </a:r>
+            <a:r>
               <a:rPr lang="en-US" altLang="en-US" sz="2400" dirty="0" err="1" smtClean="0">
-                <a:solidFill>
-                  <a:schemeClr val="bg1"/>
-                </a:solidFill>
                 <a:latin typeface="Tahoma" panose="020B0604030504040204" pitchFamily="34" charset="0"/>
                 <a:ea typeface="Tahoma" panose="020B0604030504040204" pitchFamily="34" charset="0"/>
                 <a:cs typeface="Tahoma" panose="020B0604030504040204" pitchFamily="34" charset="0"/>
@@ -5730,9 +3345,6 @@
             </a:r>
             <a:r>
               <a:rPr lang="en-US" altLang="en-US" sz="2400" dirty="0" smtClean="0">
-                <a:solidFill>
-                  <a:schemeClr val="bg1"/>
-                </a:solidFill>
                 <a:latin typeface="Tahoma" panose="020B0604030504040204" pitchFamily="34" charset="0"/>
                 <a:ea typeface="Tahoma" panose="020B0604030504040204" pitchFamily="34" charset="0"/>
                 <a:cs typeface="Tahoma" panose="020B0604030504040204" pitchFamily="34" charset="0"/>
@@ -5741,9 +3353,6 @@
             </a:r>
             <a:r>
               <a:rPr lang="en-US" altLang="en-US" sz="2400" dirty="0" err="1" smtClean="0">
-                <a:solidFill>
-                  <a:schemeClr val="bg1"/>
-                </a:solidFill>
                 <a:latin typeface="Tahoma" panose="020B0604030504040204" pitchFamily="34" charset="0"/>
                 <a:ea typeface="Tahoma" panose="020B0604030504040204" pitchFamily="34" charset="0"/>
                 <a:cs typeface="Tahoma" panose="020B0604030504040204" pitchFamily="34" charset="0"/>
@@ -5752,9 +3361,6 @@
             </a:r>
             <a:r>
               <a:rPr lang="en-US" altLang="en-US" sz="2400" dirty="0" smtClean="0">
-                <a:solidFill>
-                  <a:schemeClr val="bg1"/>
-                </a:solidFill>
                 <a:latin typeface="Tahoma" panose="020B0604030504040204" pitchFamily="34" charset="0"/>
                 <a:ea typeface="Tahoma" panose="020B0604030504040204" pitchFamily="34" charset="0"/>
                 <a:cs typeface="Tahoma" panose="020B0604030504040204" pitchFamily="34" charset="0"/>
@@ -5763,9 +3369,6 @@
             </a:r>
             <a:r>
               <a:rPr lang="en-US" altLang="en-US" sz="2400" dirty="0" err="1" smtClean="0">
-                <a:solidFill>
-                  <a:schemeClr val="bg1"/>
-                </a:solidFill>
                 <a:latin typeface="Tahoma" panose="020B0604030504040204" pitchFamily="34" charset="0"/>
                 <a:ea typeface="Tahoma" panose="020B0604030504040204" pitchFamily="34" charset="0"/>
                 <a:cs typeface="Tahoma" panose="020B0604030504040204" pitchFamily="34" charset="0"/>
@@ -5773,20 +3376,15 @@
               <a:t>Ngọc</a:t>
             </a:r>
             <a:endParaRPr lang="en-US" altLang="en-US" sz="2400" dirty="0" smtClean="0">
-              <a:solidFill>
-                <a:schemeClr val="bg1"/>
-              </a:solidFill>
               <a:latin typeface="Tahoma" panose="020B0604030504040204" pitchFamily="34" charset="0"/>
               <a:ea typeface="Tahoma" panose="020B0604030504040204" pitchFamily="34" charset="0"/>
               <a:cs typeface="Tahoma" panose="020B0604030504040204" pitchFamily="34" charset="0"/>
             </a:endParaRPr>
           </a:p>
           <a:p>
+            <a:pPr marL="2286000" algn="l"/>
             <a:r>
               <a:rPr lang="en-US" altLang="en-US" sz="2400" dirty="0" err="1" smtClean="0">
-                <a:solidFill>
-                  <a:schemeClr val="bg1"/>
-                </a:solidFill>
                 <a:latin typeface="Tahoma" panose="020B0604030504040204" pitchFamily="34" charset="0"/>
                 <a:ea typeface="Tahoma" panose="020B0604030504040204" pitchFamily="34" charset="0"/>
                 <a:cs typeface="Tahoma" panose="020B0604030504040204" pitchFamily="34" charset="0"/>
@@ -5795,9 +3393,6 @@
             </a:r>
             <a:r>
               <a:rPr lang="en-US" altLang="en-US" sz="2400" dirty="0" smtClean="0">
-                <a:solidFill>
-                  <a:schemeClr val="bg1"/>
-                </a:solidFill>
                 <a:latin typeface="Tahoma" panose="020B0604030504040204" pitchFamily="34" charset="0"/>
                 <a:ea typeface="Tahoma" panose="020B0604030504040204" pitchFamily="34" charset="0"/>
                 <a:cs typeface="Tahoma" panose="020B0604030504040204" pitchFamily="34" charset="0"/>
@@ -5805,10 +3400,15 @@
               <a:t>: </a:t>
             </a:r>
             <a:r>
+              <a:rPr lang="en-US" altLang="en-US" sz="2400" dirty="0" smtClean="0">
+                <a:latin typeface="Tahoma" panose="020B0604030504040204" pitchFamily="34" charset="0"/>
+                <a:ea typeface="Tahoma" panose="020B0604030504040204" pitchFamily="34" charset="0"/>
+                <a:cs typeface="Tahoma" panose="020B0604030504040204" pitchFamily="34" charset="0"/>
+              </a:rPr>
+              <a:t>	   	</a:t>
+            </a:r>
+            <a:r>
               <a:rPr lang="en-US" altLang="en-US" sz="2400" dirty="0" err="1" smtClean="0">
-                <a:solidFill>
-                  <a:schemeClr val="bg1"/>
-                </a:solidFill>
                 <a:latin typeface="Tahoma" panose="020B0604030504040204" pitchFamily="34" charset="0"/>
                 <a:ea typeface="Tahoma" panose="020B0604030504040204" pitchFamily="34" charset="0"/>
                 <a:cs typeface="Tahoma" panose="020B0604030504040204" pitchFamily="34" charset="0"/>
@@ -5817,41 +3417,50 @@
             </a:r>
             <a:r>
               <a:rPr lang="en-US" altLang="en-US" sz="2400" dirty="0" smtClean="0">
-                <a:solidFill>
-                  <a:schemeClr val="bg1"/>
-                </a:solidFill>
-                <a:latin typeface="Tahoma" panose="020B0604030504040204" pitchFamily="34" charset="0"/>
-                <a:ea typeface="Tahoma" panose="020B0604030504040204" pitchFamily="34" charset="0"/>
-                <a:cs typeface="Tahoma" panose="020B0604030504040204" pitchFamily="34" charset="0"/>
-              </a:rPr>
-              <a:t> Duy </a:t>
+                <a:latin typeface="Tahoma" panose="020B0604030504040204" pitchFamily="34" charset="0"/>
+                <a:ea typeface="Tahoma" panose="020B0604030504040204" pitchFamily="34" charset="0"/>
+                <a:cs typeface="Tahoma" panose="020B0604030504040204" pitchFamily="34" charset="0"/>
+              </a:rPr>
+              <a:t> </a:t>
+            </a:r>
+            <a:r>
+              <a:rPr lang="en-US" altLang="en-US" sz="2400" dirty="0" smtClean="0">
+                <a:latin typeface="Tahoma" panose="020B0604030504040204" pitchFamily="34" charset="0"/>
+                <a:ea typeface="Tahoma" panose="020B0604030504040204" pitchFamily="34" charset="0"/>
+                <a:cs typeface="Tahoma" panose="020B0604030504040204" pitchFamily="34" charset="0"/>
+              </a:rPr>
+              <a:t>Duy </a:t>
             </a:r>
             <a:r>
               <a:rPr lang="en-US" altLang="en-US" sz="2400" dirty="0" err="1" smtClean="0">
-                <a:solidFill>
-                  <a:schemeClr val="bg1"/>
-                </a:solidFill>
                 <a:latin typeface="Tahoma" panose="020B0604030504040204" pitchFamily="34" charset="0"/>
                 <a:ea typeface="Tahoma" panose="020B0604030504040204" pitchFamily="34" charset="0"/>
                 <a:cs typeface="Tahoma" panose="020B0604030504040204" pitchFamily="34" charset="0"/>
               </a:rPr>
               <a:t>Hưng</a:t>
             </a:r>
+            <a:r>
+              <a:rPr lang="en-US" altLang="en-US" sz="2400" dirty="0" smtClean="0">
+                <a:latin typeface="Tahoma" panose="020B0604030504040204" pitchFamily="34" charset="0"/>
+                <a:ea typeface="Tahoma" panose="020B0604030504040204" pitchFamily="34" charset="0"/>
+                <a:cs typeface="Tahoma" panose="020B0604030504040204" pitchFamily="34" charset="0"/>
+              </a:rPr>
+              <a:t>     - </a:t>
+            </a:r>
+            <a:r>
+              <a:rPr lang="vi-VN" dirty="0"/>
+              <a:t>20101682</a:t>
+            </a:r>
             <a:endParaRPr lang="en-US" altLang="en-US" sz="2400" dirty="0" smtClean="0">
-              <a:solidFill>
-                <a:schemeClr val="bg1"/>
-              </a:solidFill>
               <a:latin typeface="Tahoma" panose="020B0604030504040204" pitchFamily="34" charset="0"/>
               <a:ea typeface="Tahoma" panose="020B0604030504040204" pitchFamily="34" charset="0"/>
               <a:cs typeface="Tahoma" panose="020B0604030504040204" pitchFamily="34" charset="0"/>
             </a:endParaRPr>
           </a:p>
           <a:p>
+            <a:pPr marL="2286000" algn="l"/>
             <a:r>
               <a:rPr lang="en-US" altLang="en-US" sz="2400" dirty="0">
-                <a:solidFill>
-                  <a:schemeClr val="bg1"/>
-                </a:solidFill>
                 <a:latin typeface="Tahoma" panose="020B0604030504040204" pitchFamily="34" charset="0"/>
                 <a:ea typeface="Tahoma" panose="020B0604030504040204" pitchFamily="34" charset="0"/>
                 <a:cs typeface="Tahoma" panose="020B0604030504040204" pitchFamily="34" charset="0"/>
@@ -5860,9 +3469,6 @@
             </a:r>
             <a:r>
               <a:rPr lang="en-US" altLang="en-US" sz="2400" dirty="0" smtClean="0">
-                <a:solidFill>
-                  <a:schemeClr val="bg1"/>
-                </a:solidFill>
                 <a:latin typeface="Tahoma" panose="020B0604030504040204" pitchFamily="34" charset="0"/>
                 <a:ea typeface="Tahoma" panose="020B0604030504040204" pitchFamily="34" charset="0"/>
                 <a:cs typeface="Tahoma" panose="020B0604030504040204" pitchFamily="34" charset="0"/>
@@ -5870,10 +3476,23 @@
               <a:t>	</a:t>
             </a:r>
             <a:r>
+              <a:rPr lang="en-US" altLang="en-US" dirty="0">
+                <a:latin typeface="Tahoma" panose="020B0604030504040204" pitchFamily="34" charset="0"/>
+                <a:ea typeface="Tahoma" panose="020B0604030504040204" pitchFamily="34" charset="0"/>
+                <a:cs typeface="Tahoma" panose="020B0604030504040204" pitchFamily="34" charset="0"/>
+              </a:rPr>
+              <a:t> </a:t>
+            </a:r>
+            <a:r>
+              <a:rPr lang="en-US" altLang="en-US" dirty="0" smtClean="0">
+                <a:latin typeface="Tahoma" panose="020B0604030504040204" pitchFamily="34" charset="0"/>
+                <a:ea typeface="Tahoma" panose="020B0604030504040204" pitchFamily="34" charset="0"/>
+                <a:cs typeface="Tahoma" panose="020B0604030504040204" pitchFamily="34" charset="0"/>
+              </a:rPr>
+              <a:t>         </a:t>
+            </a:r>
+            <a:r>
               <a:rPr lang="en-US" altLang="en-US" sz="2400" dirty="0" err="1" smtClean="0">
-                <a:solidFill>
-                  <a:schemeClr val="bg1"/>
-                </a:solidFill>
                 <a:latin typeface="Tahoma" panose="020B0604030504040204" pitchFamily="34" charset="0"/>
                 <a:ea typeface="Tahoma" panose="020B0604030504040204" pitchFamily="34" charset="0"/>
                 <a:cs typeface="Tahoma" panose="020B0604030504040204" pitchFamily="34" charset="0"/>
@@ -5882,9 +3501,6 @@
             </a:r>
             <a:r>
               <a:rPr lang="en-US" altLang="en-US" sz="2400" dirty="0" smtClean="0">
-                <a:solidFill>
-                  <a:schemeClr val="bg1"/>
-                </a:solidFill>
                 <a:latin typeface="Tahoma" panose="020B0604030504040204" pitchFamily="34" charset="0"/>
                 <a:ea typeface="Tahoma" panose="020B0604030504040204" pitchFamily="34" charset="0"/>
                 <a:cs typeface="Tahoma" panose="020B0604030504040204" pitchFamily="34" charset="0"/>
@@ -5893,9 +3509,6 @@
             </a:r>
             <a:r>
               <a:rPr lang="en-US" altLang="en-US" sz="2400" dirty="0" err="1" smtClean="0">
-                <a:solidFill>
-                  <a:schemeClr val="bg1"/>
-                </a:solidFill>
                 <a:latin typeface="Tahoma" panose="020B0604030504040204" pitchFamily="34" charset="0"/>
                 <a:ea typeface="Tahoma" panose="020B0604030504040204" pitchFamily="34" charset="0"/>
                 <a:cs typeface="Tahoma" panose="020B0604030504040204" pitchFamily="34" charset="0"/>
@@ -5904,19 +3517,21 @@
             </a:r>
             <a:r>
               <a:rPr lang="en-US" altLang="en-US" sz="2400" dirty="0" smtClean="0">
-                <a:solidFill>
-                  <a:schemeClr val="bg1"/>
-                </a:solidFill>
-                <a:latin typeface="Tahoma" panose="020B0604030504040204" pitchFamily="34" charset="0"/>
-                <a:ea typeface="Tahoma" panose="020B0604030504040204" pitchFamily="34" charset="0"/>
-                <a:cs typeface="Tahoma" panose="020B0604030504040204" pitchFamily="34" charset="0"/>
-              </a:rPr>
-              <a:t> Duy</a:t>
+                <a:latin typeface="Tahoma" panose="020B0604030504040204" pitchFamily="34" charset="0"/>
+                <a:ea typeface="Tahoma" panose="020B0604030504040204" pitchFamily="34" charset="0"/>
+                <a:cs typeface="Tahoma" panose="020B0604030504040204" pitchFamily="34" charset="0"/>
+              </a:rPr>
+              <a:t> </a:t>
+            </a:r>
+            <a:r>
+              <a:rPr lang="en-US" altLang="en-US" sz="2400" dirty="0" smtClean="0">
+                <a:latin typeface="Tahoma" panose="020B0604030504040204" pitchFamily="34" charset="0"/>
+                <a:ea typeface="Tahoma" panose="020B0604030504040204" pitchFamily="34" charset="0"/>
+                <a:cs typeface="Tahoma" panose="020B0604030504040204" pitchFamily="34" charset="0"/>
+              </a:rPr>
+              <a:t>Duy - 20101258</a:t>
             </a:r>
             <a:endParaRPr lang="en-US" altLang="en-US" sz="2400" dirty="0">
-              <a:solidFill>
-                <a:schemeClr val="bg1"/>
-              </a:solidFill>
               <a:latin typeface="Tahoma" panose="020B0604030504040204" pitchFamily="34" charset="0"/>
               <a:ea typeface="Tahoma" panose="020B0604030504040204" pitchFamily="34" charset="0"/>
               <a:cs typeface="Tahoma" panose="020B0604030504040204" pitchFamily="34" charset="0"/>
@@ -6011,13 +3626,13 @@
         </p:nvSpPr>
         <p:spPr>
           <a:xfrm>
-            <a:off x="684211" y="685800"/>
-            <a:ext cx="8743123" cy="4027868"/>
+            <a:off x="838200" y="1815353"/>
+            <a:ext cx="8743123" cy="4289612"/>
           </a:xfrm>
         </p:spPr>
         <p:txBody>
           <a:bodyPr>
-            <a:normAutofit/>
+            <a:normAutofit fontScale="85000" lnSpcReduction="20000"/>
           </a:bodyPr>
           <a:lstStyle/>
           <a:p>
@@ -6229,7 +3844,7 @@
         </p:blipFill>
         <p:spPr bwMode="auto">
           <a:xfrm>
-            <a:off x="858300" y="547549"/>
+            <a:off x="838200" y="1828939"/>
             <a:ext cx="4911725" cy="4098925"/>
           </a:xfrm>
           <a:prstGeom prst="rect">
@@ -6402,13 +4017,13 @@
         </p:nvSpPr>
         <p:spPr>
           <a:xfrm>
-            <a:off x="684211" y="685800"/>
+            <a:off x="838200" y="1690688"/>
             <a:ext cx="8743123" cy="4027868"/>
           </a:xfrm>
         </p:spPr>
         <p:txBody>
           <a:bodyPr>
-            <a:normAutofit/>
+            <a:normAutofit fontScale="85000" lnSpcReduction="10000"/>
           </a:bodyPr>
           <a:lstStyle/>
           <a:p>
@@ -6676,7 +4291,7 @@
         </p:nvSpPr>
         <p:spPr>
           <a:xfrm>
-            <a:off x="684211" y="685800"/>
+            <a:off x="838200" y="1909482"/>
             <a:ext cx="8743123" cy="4027868"/>
           </a:xfrm>
         </p:spPr>
@@ -7553,13 +5168,13 @@
         </p:nvSpPr>
         <p:spPr>
           <a:xfrm>
-            <a:off x="684211" y="685800"/>
+            <a:off x="838200" y="1690688"/>
             <a:ext cx="9065095" cy="4324082"/>
           </a:xfrm>
         </p:spPr>
         <p:txBody>
           <a:bodyPr>
-            <a:normAutofit/>
+            <a:normAutofit fontScale="92500" lnSpcReduction="10000"/>
           </a:bodyPr>
           <a:lstStyle/>
           <a:p>
@@ -8210,8 +5825,8 @@
         </p:blipFill>
         <p:spPr>
           <a:xfrm>
-            <a:off x="875763" y="341290"/>
-            <a:ext cx="6053071" cy="4243589"/>
+            <a:off x="115285" y="1317812"/>
+            <a:ext cx="6541009" cy="5177117"/>
           </a:xfrm>
           <a:prstGeom prst="rect">
             <a:avLst/>
@@ -8238,8 +5853,8 @@
         </p:blipFill>
         <p:spPr>
           <a:xfrm>
-            <a:off x="7120385" y="464250"/>
-            <a:ext cx="4351213" cy="4352449"/>
+            <a:off x="6656294" y="1452282"/>
+            <a:ext cx="5420421" cy="5298142"/>
           </a:xfrm>
           <a:prstGeom prst="rect">
             <a:avLst/>
@@ -8531,7 +6146,7 @@
         </p:blipFill>
         <p:spPr bwMode="auto">
           <a:xfrm>
-            <a:off x="949803" y="398568"/>
+            <a:off x="1958333" y="1906429"/>
             <a:ext cx="5012055" cy="4189730"/>
           </a:xfrm>
           <a:prstGeom prst="rect">
@@ -8564,9 +6179,9 @@
 </file>
 
 <file path=ppt/theme/theme1.xml><?xml version="1.0" encoding="utf-8"?>
-<a:theme xmlns:a="http://schemas.openxmlformats.org/drawingml/2006/main" name="Slice">
+<a:theme xmlns:a="http://schemas.openxmlformats.org/drawingml/2006/main" name="Office Theme">
   <a:themeElements>
-    <a:clrScheme name="Slice">
+    <a:clrScheme name="Office">
       <a:dk1>
         <a:sysClr val="windowText" lastClr="000000"/>
       </a:dk1>
@@ -8574,48 +6189,83 @@
         <a:sysClr val="window" lastClr="FFFFFF"/>
       </a:lt1>
       <a:dk2>
-        <a:srgbClr val="146194"/>
+        <a:srgbClr val="44546A"/>
       </a:dk2>
       <a:lt2>
-        <a:srgbClr val="76DBF4"/>
+        <a:srgbClr val="E7E6E6"/>
       </a:lt2>
       <a:accent1>
-        <a:srgbClr val="052F61"/>
+        <a:srgbClr val="5B9BD5"/>
       </a:accent1>
       <a:accent2>
-        <a:srgbClr val="A50E82"/>
+        <a:srgbClr val="ED7D31"/>
       </a:accent2>
       <a:accent3>
-        <a:srgbClr val="14967C"/>
+        <a:srgbClr val="A5A5A5"/>
       </a:accent3>
       <a:accent4>
-        <a:srgbClr val="6A9E1F"/>
+        <a:srgbClr val="FFC000"/>
       </a:accent4>
       <a:accent5>
-        <a:srgbClr val="E87D37"/>
+        <a:srgbClr val="4472C4"/>
       </a:accent5>
       <a:accent6>
-        <a:srgbClr val="C62324"/>
+        <a:srgbClr val="70AD47"/>
       </a:accent6>
       <a:hlink>
-        <a:srgbClr val="0D2E46"/>
+        <a:srgbClr val="0563C1"/>
       </a:hlink>
       <a:folHlink>
-        <a:srgbClr val="356A95"/>
+        <a:srgbClr val="954F72"/>
       </a:folHlink>
     </a:clrScheme>
-    <a:fontScheme name="Slice">
+    <a:fontScheme name="Office">
       <a:majorFont>
-        <a:latin typeface="Century Gothic" panose="020B0502020202020204"/>
+        <a:latin typeface="Calibri Light" panose="020F0302020204030204"/>
         <a:ea typeface=""/>
         <a:cs typeface=""/>
-        <a:font script="Jpan" typeface="メイリオ"/>
-        <a:font script="Hang" typeface="HY중고딕"/>
-        <a:font script="Hans" typeface="幼圆"/>
-        <a:font script="Hant" typeface="微軟正黑體"/>
-        <a:font script="Arab" typeface="Tahoma"/>
-        <a:font script="Hebr" typeface="Gisha"/>
-        <a:font script="Thai" typeface="DilleniaUPC"/>
+        <a:font script="Jpan" typeface="ＭＳ Ｐゴシック"/>
+        <a:font script="Hang" typeface="맑은 고딕"/>
+        <a:font script="Hans" typeface="宋体"/>
+        <a:font script="Hant" typeface="新細明體"/>
+        <a:font script="Arab" typeface="Times New Roman"/>
+        <a:font script="Hebr" typeface="Times New Roman"/>
+        <a:font script="Thai" typeface="Angsana New"/>
+        <a:font script="Ethi" typeface="Nyala"/>
+        <a:font script="Beng" typeface="Vrinda"/>
+        <a:font script="Gujr" typeface="Shruti"/>
+        <a:font script="Khmr" typeface="MoolBoran"/>
+        <a:font script="Knda" typeface="Tunga"/>
+        <a:font script="Guru" typeface="Raavi"/>
+        <a:font script="Cans" typeface="Euphemia"/>
+        <a:font script="Cher" typeface="Plantagenet Cherokee"/>
+        <a:font script="Yiii" typeface="Microsoft Yi Baiti"/>
+        <a:font script="Tibt" typeface="Microsoft Himalaya"/>
+        <a:font script="Thaa" typeface="MV Boli"/>
+        <a:font script="Deva" typeface="Mangal"/>
+        <a:font script="Telu" typeface="Gautami"/>
+        <a:font script="Taml" typeface="Latha"/>
+        <a:font script="Syrc" typeface="Estrangelo Edessa"/>
+        <a:font script="Orya" typeface="Kalinga"/>
+        <a:font script="Mlym" typeface="Kartika"/>
+        <a:font script="Laoo" typeface="DokChampa"/>
+        <a:font script="Sinh" typeface="Iskoola Pota"/>
+        <a:font script="Mong" typeface="Mongolian Baiti"/>
+        <a:font script="Viet" typeface="Times New Roman"/>
+        <a:font script="Uigh" typeface="Microsoft Uighur"/>
+        <a:font script="Geor" typeface="Sylfaen"/>
+      </a:majorFont>
+      <a:minorFont>
+        <a:latin typeface="Calibri" panose="020F0502020204030204"/>
+        <a:ea typeface=""/>
+        <a:cs typeface=""/>
+        <a:font script="Jpan" typeface="ＭＳ Ｐゴシック"/>
+        <a:font script="Hang" typeface="맑은 고딕"/>
+        <a:font script="Hans" typeface="宋体"/>
+        <a:font script="Hant" typeface="新細明體"/>
+        <a:font script="Arab" typeface="Arial"/>
+        <a:font script="Hebr" typeface="Arial"/>
+        <a:font script="Thai" typeface="Cordia New"/>
         <a:font script="Ethi" typeface="Nyala"/>
         <a:font script="Beng" typeface="Vrinda"/>
         <a:font script="Gujr" typeface="Shruti"/>
@@ -8636,47 +6286,12 @@
         <a:font script="Laoo" typeface="DokChampa"/>
         <a:font script="Sinh" typeface="Iskoola Pota"/>
         <a:font script="Mong" typeface="Mongolian Baiti"/>
-        <a:font script="Viet" typeface="Tahoma"/>
-        <a:font script="Uigh" typeface="Microsoft Uighur"/>
-        <a:font script="Geor" typeface="Sylfaen"/>
-      </a:majorFont>
-      <a:minorFont>
-        <a:latin typeface="Century Gothic" panose="020B0502020202020204"/>
-        <a:ea typeface=""/>
-        <a:cs typeface=""/>
-        <a:font script="Jpan" typeface="メイリオ"/>
-        <a:font script="Hang" typeface="HY중고딕"/>
-        <a:font script="Hans" typeface="幼圆"/>
-        <a:font script="Hant" typeface="微軟正黑體"/>
-        <a:font script="Arab" typeface="Tahoma"/>
-        <a:font script="Hebr" typeface="Gisha"/>
-        <a:font script="Thai" typeface="DilleniaUPC"/>
-        <a:font script="Ethi" typeface="Nyala"/>
-        <a:font script="Beng" typeface="Vrinda"/>
-        <a:font script="Gujr" typeface="Shruti"/>
-        <a:font script="Khmr" typeface="DaunPenh"/>
-        <a:font script="Knda" typeface="Tunga"/>
-        <a:font script="Guru" typeface="Raavi"/>
-        <a:font script="Cans" typeface="Euphemia"/>
-        <a:font script="Cher" typeface="Plantagenet Cherokee"/>
-        <a:font script="Yiii" typeface="Microsoft Yi Baiti"/>
-        <a:font script="Tibt" typeface="Microsoft Himalaya"/>
-        <a:font script="Thaa" typeface="MV Boli"/>
-        <a:font script="Deva" typeface="Mangal"/>
-        <a:font script="Telu" typeface="Gautami"/>
-        <a:font script="Taml" typeface="Latha"/>
-        <a:font script="Syrc" typeface="Estrangelo Edessa"/>
-        <a:font script="Orya" typeface="Kalinga"/>
-        <a:font script="Mlym" typeface="Kartika"/>
-        <a:font script="Laoo" typeface="DokChampa"/>
-        <a:font script="Sinh" typeface="Iskoola Pota"/>
-        <a:font script="Mong" typeface="Mongolian Baiti"/>
-        <a:font script="Viet" typeface="Tahoma"/>
+        <a:font script="Viet" typeface="Arial"/>
         <a:font script="Uigh" typeface="Microsoft Uighur"/>
         <a:font script="Geor" typeface="Sylfaen"/>
       </a:minorFont>
     </a:fontScheme>
-    <a:fmtScheme name="Slice">
+    <a:fmtScheme name="Office">
       <a:fillStyleLst>
         <a:solidFill>
           <a:schemeClr val="phClr"/>
@@ -8685,16 +6300,23 @@
           <a:gsLst>
             <a:gs pos="0">
               <a:schemeClr val="phClr">
-                <a:tint val="62000"/>
-                <a:hueMod val="94000"/>
-                <a:satMod val="140000"/>
                 <a:lumMod val="110000"/>
+                <a:satMod val="105000"/>
+                <a:tint val="67000"/>
+              </a:schemeClr>
+            </a:gs>
+            <a:gs pos="50000">
+              <a:schemeClr val="phClr">
+                <a:lumMod val="105000"/>
+                <a:satMod val="103000"/>
+                <a:tint val="73000"/>
               </a:schemeClr>
             </a:gs>
             <a:gs pos="100000">
               <a:schemeClr val="phClr">
-                <a:tint val="84000"/>
-                <a:satMod val="160000"/>
+                <a:lumMod val="105000"/>
+                <a:satMod val="109000"/>
+                <a:tint val="81000"/>
               </a:schemeClr>
             </a:gs>
           </a:gsLst>
@@ -8704,16 +6326,23 @@
           <a:gsLst>
             <a:gs pos="0">
               <a:schemeClr val="phClr">
-                <a:tint val="98000"/>
-                <a:hueMod val="94000"/>
-                <a:satMod val="130000"/>
-                <a:lumMod val="128000"/>
+                <a:satMod val="103000"/>
+                <a:lumMod val="102000"/>
+                <a:tint val="94000"/>
+              </a:schemeClr>
+            </a:gs>
+            <a:gs pos="50000">
+              <a:schemeClr val="phClr">
+                <a:satMod val="110000"/>
+                <a:lumMod val="100000"/>
+                <a:shade val="100000"/>
               </a:schemeClr>
             </a:gs>
             <a:gs pos="100000">
               <a:schemeClr val="phClr">
-                <a:shade val="94000"/>
-                <a:lumMod val="88000"/>
+                <a:lumMod val="99000"/>
+                <a:satMod val="120000"/>
+                <a:shade val="78000"/>
               </a:schemeClr>
             </a:gs>
           </a:gsLst>
@@ -8721,29 +6350,26 @@
         </a:gradFill>
       </a:fillStyleLst>
       <a:lnStyleLst>
-        <a:ln w="9525" cap="rnd" cmpd="sng" algn="ctr">
-          <a:solidFill>
-            <a:schemeClr val="phClr">
-              <a:tint val="76000"/>
-              <a:alpha val="60000"/>
-              <a:hueMod val="94000"/>
-            </a:schemeClr>
-          </a:solidFill>
-          <a:prstDash val="solid"/>
-        </a:ln>
-        <a:ln w="15875" cap="rnd" cmpd="sng" algn="ctr">
-          <a:solidFill>
-            <a:schemeClr val="phClr">
-              <a:hueMod val="94000"/>
-            </a:schemeClr>
-          </a:solidFill>
-          <a:prstDash val="solid"/>
-        </a:ln>
-        <a:ln w="28575" cap="rnd" cmpd="sng" algn="ctr">
+        <a:ln w="6350" cap="flat" cmpd="sng" algn="ctr">
           <a:solidFill>
             <a:schemeClr val="phClr"/>
           </a:solidFill>
           <a:prstDash val="solid"/>
+          <a:miter lim="800000"/>
+        </a:ln>
+        <a:ln w="12700" cap="flat" cmpd="sng" algn="ctr">
+          <a:solidFill>
+            <a:schemeClr val="phClr"/>
+          </a:solidFill>
+          <a:prstDash val="solid"/>
+          <a:miter lim="800000"/>
+        </a:ln>
+        <a:ln w="19050" cap="flat" cmpd="sng" algn="ctr">
+          <a:solidFill>
+            <a:schemeClr val="phClr"/>
+          </a:solidFill>
+          <a:prstDash val="solid"/>
+          <a:miter lim="800000"/>
         </a:ln>
       </a:lnStyleLst>
       <a:effectStyleLst>
@@ -8751,78 +6377,54 @@
           <a:effectLst/>
         </a:effectStyle>
         <a:effectStyle>
-          <a:effectLst>
-            <a:innerShdw blurRad="25400" dist="12700" dir="13500000">
-              <a:srgbClr val="000000">
-                <a:alpha val="45000"/>
-              </a:srgbClr>
-            </a:innerShdw>
-          </a:effectLst>
+          <a:effectLst/>
         </a:effectStyle>
         <a:effectStyle>
           <a:effectLst>
-            <a:outerShdw blurRad="50800" dist="38100" dir="5400000" rotWithShape="0">
+            <a:outerShdw blurRad="57150" dist="19050" dir="5400000" algn="ctr" rotWithShape="0">
               <a:srgbClr val="000000">
-                <a:alpha val="46000"/>
+                <a:alpha val="63000"/>
               </a:srgbClr>
             </a:outerShdw>
           </a:effectLst>
-          <a:scene3d>
-            <a:camera prst="orthographicFront">
-              <a:rot lat="0" lon="0" rev="0"/>
-            </a:camera>
-            <a:lightRig rig="threePt" dir="t"/>
-          </a:scene3d>
-          <a:sp3d prstMaterial="plastic">
-            <a:bevelT w="25400" h="25400"/>
-          </a:sp3d>
         </a:effectStyle>
       </a:effectStyleLst>
       <a:bgFillStyleLst>
         <a:solidFill>
           <a:schemeClr val="phClr"/>
         </a:solidFill>
+        <a:solidFill>
+          <a:schemeClr val="phClr">
+            <a:tint val="95000"/>
+            <a:satMod val="170000"/>
+          </a:schemeClr>
+        </a:solidFill>
         <a:gradFill rotWithShape="1">
           <a:gsLst>
-            <a:gs pos="10000">
+            <a:gs pos="0">
               <a:schemeClr val="phClr">
-                <a:tint val="97000"/>
-                <a:hueMod val="92000"/>
-                <a:satMod val="169000"/>
-                <a:lumMod val="164000"/>
+                <a:tint val="93000"/>
+                <a:satMod val="150000"/>
+                <a:shade val="98000"/>
+                <a:lumMod val="102000"/>
+              </a:schemeClr>
+            </a:gs>
+            <a:gs pos="50000">
+              <a:schemeClr val="phClr">
+                <a:tint val="98000"/>
+                <a:satMod val="130000"/>
+                <a:shade val="90000"/>
+                <a:lumMod val="103000"/>
               </a:schemeClr>
             </a:gs>
             <a:gs pos="100000">
               <a:schemeClr val="phClr">
-                <a:shade val="96000"/>
+                <a:shade val="63000"/>
                 <a:satMod val="120000"/>
-                <a:lumMod val="90000"/>
               </a:schemeClr>
             </a:gs>
           </a:gsLst>
-          <a:lin ang="6120000" scaled="1"/>
-        </a:gradFill>
-        <a:gradFill rotWithShape="1">
-          <a:gsLst>
-            <a:gs pos="0">
-              <a:schemeClr val="phClr">
-                <a:tint val="97000"/>
-                <a:hueMod val="92000"/>
-                <a:satMod val="169000"/>
-                <a:lumMod val="164000"/>
-              </a:schemeClr>
-            </a:gs>
-            <a:gs pos="100000">
-              <a:schemeClr val="phClr">
-                <a:shade val="96000"/>
-                <a:satMod val="120000"/>
-                <a:lumMod val="90000"/>
-              </a:schemeClr>
-            </a:gs>
-          </a:gsLst>
-          <a:path path="circle">
-            <a:fillToRect b="100000"/>
-          </a:path>
+          <a:lin ang="5400000" scaled="0"/>
         </a:gradFill>
       </a:bgFillStyleLst>
     </a:fmtScheme>
@@ -8831,7 +6433,7 @@
   <a:extraClrSchemeLst/>
   <a:extLst>
     <a:ext uri="{05A4C25C-085E-4340-85A3-A5531E510DB2}">
-      <thm15:themeFamily xmlns:thm15="http://schemas.microsoft.com/office/thememl/2012/main" name="Slice" id="{0507925B-6AC9-4358-8E18-C330545D08F8}" vid="{13FEC7C6-62A9-40C4-99D2-581AACACAA2F}"/>
+      <thm15:themeFamily xmlns:thm15="http://schemas.microsoft.com/office/thememl/2012/main" name="Office Theme" id="{62F939B6-93AF-4DB8-9C6B-D6C7DFDC589F}" vid="{4A3C46E8-61CC-4603-A589-7422A47A8E4A}"/>
     </a:ext>
   </a:extLst>
 </a:theme>
